--- a/Site/site/documentos/prototipos.pptx
+++ b/Site/site/documentos/prototipos.pptx
@@ -4523,13 +4523,7 @@
               </a:lnSpc>
             </a:pPr>
             <a:r>
-              <a:rPr lang="pt-BR" sz="3200" dirty="0">
-                <a:latin typeface="Calibri"/>
-              </a:rPr>
-              <a:t>Tela de </a:t>
-            </a:r>
-            <a:r>
-              <a:rPr lang="pt-BR" sz="3200" dirty="0" err="1">
+              <a:rPr lang="pt-BR" sz="3200" dirty="0" err="1" smtClean="0">
                 <a:latin typeface="Calibri"/>
               </a:rPr>
               <a:t>login</a:t>
@@ -4891,7 +4885,7 @@
         </p:nvSpPr>
         <p:spPr>
           <a:xfrm>
-            <a:off x="457200" y="-27360"/>
+            <a:off x="457200" y="89863"/>
             <a:ext cx="8229240" cy="849600"/>
           </a:xfrm>
           <a:prstGeom prst="rect">
@@ -5009,15 +5003,10 @@
               </a:lnSpc>
             </a:pPr>
             <a:r>
-              <a:rPr lang="pt-BR">
-                <a:solidFill>
-                  <a:srgbClr val="000000"/>
-                </a:solidFill>
-                <a:latin typeface="Calibri"/>
-              </a:rPr>
-              <a:t>Cancelar</a:t>
-            </a:r>
-            <a:endParaRPr/>
+              <a:rPr lang="pt-BR" smtClean="0"/>
+              <a:t>Reprovar</a:t>
+            </a:r>
+            <a:endParaRPr dirty="0"/>
           </a:p>
         </p:txBody>
       </p:sp>
@@ -5028,14 +5017,14 @@
           <p:nvPr>
             <p:extLst>
               <p:ext uri="{D42A27DB-BD31-4B8C-83A1-F6EECF244321}">
-                <p14:modId xmlns:p14="http://schemas.microsoft.com/office/powerpoint/2010/main" xmlns="" val="2968141052"/>
+                <p14:modId xmlns:p14="http://schemas.microsoft.com/office/powerpoint/2010/main" xmlns="" val="2246381208"/>
               </p:ext>
             </p:extLst>
           </p:nvPr>
         </p:nvGraphicFramePr>
         <p:xfrm>
-          <a:off x="395464" y="1271716"/>
-          <a:ext cx="8208720" cy="2110320"/>
+          <a:off x="508349" y="2285152"/>
+          <a:ext cx="8178092" cy="1986612"/>
         </p:xfrm>
         <a:graphic>
           <a:graphicData uri="http://schemas.openxmlformats.org/drawingml/2006/table">
@@ -5044,13 +5033,13 @@
                 <a:tableStyleId>{D7AC3CCA-C797-4891-BE02-D94E43425B78}</a:tableStyleId>
               </a:tblPr>
               <a:tblGrid>
-                <a:gridCol w="1641600"/>
-                <a:gridCol w="1641600"/>
-                <a:gridCol w="1641600"/>
-                <a:gridCol w="1641600"/>
-                <a:gridCol w="1642320"/>
+                <a:gridCol w="1635475"/>
+                <a:gridCol w="1635475"/>
+                <a:gridCol w="1635475"/>
+                <a:gridCol w="1635475"/>
+                <a:gridCol w="1636192"/>
               </a:tblGrid>
-              <a:tr h="370800">
+              <a:tr h="345504">
                 <a:tc>
                   <a:txBody>
                     <a:bodyPr/>
@@ -5167,7 +5156,7 @@
                   <a:tcPr/>
                 </a:tc>
               </a:tr>
-              <a:tr h="434880">
+              <a:tr h="405213">
                 <a:tc>
                   <a:txBody>
                     <a:bodyPr/>
@@ -5239,7 +5228,7 @@
                   <a:tcPr/>
                 </a:tc>
               </a:tr>
-              <a:tr h="434880">
+              <a:tr h="405213">
                 <a:tc>
                   <a:txBody>
                     <a:bodyPr/>
@@ -5311,7 +5300,7 @@
                   <a:tcPr/>
                 </a:tc>
               </a:tr>
-              <a:tr h="434880">
+              <a:tr h="405213">
                 <a:tc>
                   <a:txBody>
                     <a:bodyPr/>
@@ -5383,13 +5372,13 @@
                   <a:tcPr/>
                 </a:tc>
               </a:tr>
-              <a:tr h="434880">
+              <a:tr h="405213">
                 <a:tc>
                   <a:txBody>
                     <a:bodyPr/>
                     <a:lstStyle/>
                     <a:p>
-                      <a:endParaRPr lang="pt-BR">
+                      <a:endParaRPr lang="pt-BR" dirty="0">
                         <a:solidFill>
                           <a:schemeClr val="tx1"/>
                         </a:solidFill>
@@ -5467,7 +5456,7 @@
         </p:nvSpPr>
         <p:spPr>
           <a:xfrm>
-            <a:off x="5436096" y="3744296"/>
+            <a:off x="4428056" y="4826556"/>
             <a:ext cx="1368152" cy="260768"/>
           </a:xfrm>
           <a:prstGeom prst="rect">
@@ -5492,7 +5481,7 @@
         </p:nvSpPr>
         <p:spPr>
           <a:xfrm>
-            <a:off x="5328000" y="3383936"/>
+            <a:off x="4319960" y="4466196"/>
             <a:ext cx="2088000" cy="406440"/>
           </a:xfrm>
           <a:prstGeom prst="rect">
@@ -5549,7 +5538,7 @@
         </p:nvSpPr>
         <p:spPr>
           <a:xfrm>
-            <a:off x="6976440" y="3744296"/>
+            <a:off x="5968400" y="4826556"/>
             <a:ext cx="1339976" cy="260768"/>
           </a:xfrm>
           <a:prstGeom prst="rect">
@@ -5574,8 +5563,8 @@
         </p:nvSpPr>
         <p:spPr>
           <a:xfrm>
-            <a:off x="6840360" y="3409136"/>
-            <a:ext cx="2088000" cy="406440"/>
+            <a:off x="457200" y="692696"/>
+            <a:ext cx="1738536" cy="406440"/>
           </a:xfrm>
           <a:prstGeom prst="rect">
             <a:avLst/>
@@ -5595,6 +5584,95 @@
               </a:lnSpc>
             </a:pPr>
             <a:r>
+              <a:rPr lang="pt-BR" sz="2000" dirty="0" smtClean="0">
+                <a:solidFill>
+                  <a:srgbClr val="000000"/>
+                </a:solidFill>
+                <a:latin typeface="Calibri"/>
+              </a:rPr>
+              <a:t>Código Cliente</a:t>
+            </a:r>
+          </a:p>
+          <a:p>
+            <a:pPr>
+              <a:lnSpc>
+                <a:spcPct val="100000"/>
+              </a:lnSpc>
+            </a:pPr>
+            <a:endParaRPr sz="2000" dirty="0"/>
+          </a:p>
+          <a:p>
+            <a:pPr>
+              <a:lnSpc>
+                <a:spcPct val="100000"/>
+              </a:lnSpc>
+            </a:pPr>
+            <a:endParaRPr sz="2000" dirty="0"/>
+          </a:p>
+          <a:p>
+            <a:pPr>
+              <a:lnSpc>
+                <a:spcPct val="100000"/>
+              </a:lnSpc>
+            </a:pPr>
+            <a:endParaRPr sz="2000" dirty="0"/>
+          </a:p>
+        </p:txBody>
+      </p:sp>
+      <p:sp>
+        <p:nvSpPr>
+          <p:cNvPr id="10" name="CustomShape 7"/>
+          <p:cNvSpPr/>
+          <p:nvPr/>
+        </p:nvSpPr>
+        <p:spPr>
+          <a:xfrm>
+            <a:off x="629392" y="1108939"/>
+            <a:ext cx="1422328" cy="231829"/>
+          </a:xfrm>
+          <a:prstGeom prst="rect">
+            <a:avLst/>
+          </a:prstGeom>
+          <a:solidFill>
+            <a:srgbClr val="FFFFFF"/>
+          </a:solidFill>
+          <a:ln w="25560">
+            <a:solidFill>
+              <a:srgbClr val="000000"/>
+            </a:solidFill>
+            <a:round/>
+          </a:ln>
+        </p:spPr>
+      </p:sp>
+      <p:sp>
+        <p:nvSpPr>
+          <p:cNvPr id="11" name="CustomShape 8"/>
+          <p:cNvSpPr/>
+          <p:nvPr/>
+        </p:nvSpPr>
+        <p:spPr>
+          <a:xfrm>
+            <a:off x="5850198" y="4408648"/>
+            <a:ext cx="1512168" cy="406440"/>
+          </a:xfrm>
+          <a:prstGeom prst="rect">
+            <a:avLst/>
+          </a:prstGeom>
+          <a:noFill/>
+          <a:ln>
+            <a:noFill/>
+          </a:ln>
+        </p:spPr>
+        <p:txBody>
+          <a:bodyPr/>
+          <a:lstStyle/>
+          <a:p>
+            <a:pPr>
+              <a:lnSpc>
+                <a:spcPct val="100000"/>
+              </a:lnSpc>
+            </a:pPr>
+            <a:r>
               <a:rPr lang="pt-BR" sz="2000" dirty="0">
                 <a:solidFill>
                   <a:srgbClr val="000000"/>
@@ -5622,6 +5700,177 @@
             <a:endParaRPr sz="2000" dirty="0"/>
           </a:p>
         </p:txBody>
+      </p:sp>
+      <p:sp>
+        <p:nvSpPr>
+          <p:cNvPr id="12" name="CustomShape 8"/>
+          <p:cNvSpPr/>
+          <p:nvPr/>
+        </p:nvSpPr>
+        <p:spPr>
+          <a:xfrm>
+            <a:off x="2051720" y="702499"/>
+            <a:ext cx="1738536" cy="406440"/>
+          </a:xfrm>
+          <a:prstGeom prst="rect">
+            <a:avLst/>
+          </a:prstGeom>
+          <a:noFill/>
+          <a:ln>
+            <a:noFill/>
+          </a:ln>
+        </p:spPr>
+        <p:txBody>
+          <a:bodyPr/>
+          <a:lstStyle/>
+          <a:p>
+            <a:pPr>
+              <a:lnSpc>
+                <a:spcPct val="100000"/>
+              </a:lnSpc>
+            </a:pPr>
+            <a:r>
+              <a:rPr lang="pt-BR" sz="2000" dirty="0" smtClean="0">
+                <a:solidFill>
+                  <a:srgbClr val="000000"/>
+                </a:solidFill>
+                <a:latin typeface="Calibri"/>
+              </a:rPr>
+              <a:t>Nome:</a:t>
+            </a:r>
+          </a:p>
+          <a:p>
+            <a:pPr>
+              <a:lnSpc>
+                <a:spcPct val="100000"/>
+              </a:lnSpc>
+            </a:pPr>
+            <a:endParaRPr sz="2000" dirty="0"/>
+          </a:p>
+          <a:p>
+            <a:pPr>
+              <a:lnSpc>
+                <a:spcPct val="100000"/>
+              </a:lnSpc>
+            </a:pPr>
+            <a:endParaRPr sz="2000" dirty="0"/>
+          </a:p>
+          <a:p>
+            <a:pPr>
+              <a:lnSpc>
+                <a:spcPct val="100000"/>
+              </a:lnSpc>
+            </a:pPr>
+            <a:endParaRPr sz="2000" dirty="0"/>
+          </a:p>
+        </p:txBody>
+      </p:sp>
+      <p:sp>
+        <p:nvSpPr>
+          <p:cNvPr id="13" name="CustomShape 7"/>
+          <p:cNvSpPr/>
+          <p:nvPr/>
+        </p:nvSpPr>
+        <p:spPr>
+          <a:xfrm>
+            <a:off x="2223912" y="1118742"/>
+            <a:ext cx="5138454" cy="222027"/>
+          </a:xfrm>
+          <a:prstGeom prst="rect">
+            <a:avLst/>
+          </a:prstGeom>
+          <a:solidFill>
+            <a:srgbClr val="FFFFFF"/>
+          </a:solidFill>
+          <a:ln w="25560">
+            <a:solidFill>
+              <a:srgbClr val="000000"/>
+            </a:solidFill>
+            <a:round/>
+          </a:ln>
+        </p:spPr>
+      </p:sp>
+      <p:sp>
+        <p:nvSpPr>
+          <p:cNvPr id="14" name="CustomShape 8"/>
+          <p:cNvSpPr/>
+          <p:nvPr/>
+        </p:nvSpPr>
+        <p:spPr>
+          <a:xfrm>
+            <a:off x="457200" y="1313113"/>
+            <a:ext cx="1738536" cy="406440"/>
+          </a:xfrm>
+          <a:prstGeom prst="rect">
+            <a:avLst/>
+          </a:prstGeom>
+          <a:noFill/>
+          <a:ln>
+            <a:noFill/>
+          </a:ln>
+        </p:spPr>
+        <p:txBody>
+          <a:bodyPr/>
+          <a:lstStyle/>
+          <a:p>
+            <a:pPr>
+              <a:lnSpc>
+                <a:spcPct val="100000"/>
+              </a:lnSpc>
+            </a:pPr>
+            <a:r>
+              <a:rPr lang="pt-BR" sz="2000" dirty="0" smtClean="0">
+                <a:solidFill>
+                  <a:srgbClr val="000000"/>
+                </a:solidFill>
+                <a:latin typeface="Calibri"/>
+              </a:rPr>
+              <a:t>Orçamento:</a:t>
+            </a:r>
+            <a:endParaRPr sz="2000" dirty="0"/>
+          </a:p>
+          <a:p>
+            <a:pPr>
+              <a:lnSpc>
+                <a:spcPct val="100000"/>
+              </a:lnSpc>
+            </a:pPr>
+            <a:endParaRPr sz="2000" dirty="0"/>
+          </a:p>
+          <a:p>
+            <a:pPr>
+              <a:lnSpc>
+                <a:spcPct val="100000"/>
+              </a:lnSpc>
+            </a:pPr>
+            <a:endParaRPr sz="2000" dirty="0"/>
+          </a:p>
+        </p:txBody>
+      </p:sp>
+      <p:sp>
+        <p:nvSpPr>
+          <p:cNvPr id="15" name="CustomShape 7"/>
+          <p:cNvSpPr/>
+          <p:nvPr/>
+        </p:nvSpPr>
+        <p:spPr>
+          <a:xfrm>
+            <a:off x="629392" y="1729356"/>
+            <a:ext cx="1422328" cy="231829"/>
+          </a:xfrm>
+          <a:prstGeom prst="rect">
+            <a:avLst/>
+          </a:prstGeom>
+          <a:solidFill>
+            <a:srgbClr val="FFFFFF"/>
+          </a:solidFill>
+          <a:ln w="25560">
+            <a:solidFill>
+              <a:srgbClr val="000000"/>
+            </a:solidFill>
+            <a:round/>
+          </a:ln>
+        </p:spPr>
       </p:sp>
     </p:spTree>
   </p:cSld>
@@ -9857,7 +10106,7 @@
         </p:nvSpPr>
         <p:spPr>
           <a:xfrm>
-            <a:off x="457200" y="44624"/>
+            <a:off x="321508" y="42729"/>
             <a:ext cx="8229240" cy="633600"/>
           </a:xfrm>
           <a:prstGeom prst="rect">
@@ -9903,7 +10152,7 @@
         </p:nvSpPr>
         <p:spPr>
           <a:xfrm>
-            <a:off x="539792" y="672264"/>
+            <a:off x="453860" y="639080"/>
             <a:ext cx="2160000" cy="406440"/>
           </a:xfrm>
           <a:prstGeom prst="rect">
@@ -9924,13 +10173,13 @@
               </a:lnSpc>
             </a:pPr>
             <a:r>
-              <a:rPr lang="pt-BR" sz="2400" dirty="0">
+              <a:rPr lang="pt-BR" sz="2400" dirty="0" smtClean="0">
                 <a:solidFill>
                   <a:srgbClr val="000000"/>
                 </a:solidFill>
                 <a:latin typeface="Calibri"/>
               </a:rPr>
-              <a:t>Nome</a:t>
+              <a:t>Código</a:t>
             </a:r>
             <a:endParaRPr sz="2400" dirty="0"/>
           </a:p>
@@ -10115,8 +10364,8 @@
         </p:nvSpPr>
         <p:spPr>
           <a:xfrm>
-            <a:off x="611640" y="1053016"/>
-            <a:ext cx="4536000" cy="215640"/>
+            <a:off x="2210982" y="1078615"/>
+            <a:ext cx="2901017" cy="216389"/>
           </a:xfrm>
           <a:prstGeom prst="rect">
             <a:avLst/>
@@ -10775,6 +11024,88 @@
             <a:endParaRPr sz="2400" dirty="0"/>
           </a:p>
         </p:txBody>
+      </p:sp>
+      <p:sp>
+        <p:nvSpPr>
+          <p:cNvPr id="20" name="CustomShape 2"/>
+          <p:cNvSpPr/>
+          <p:nvPr/>
+        </p:nvSpPr>
+        <p:spPr>
+          <a:xfrm>
+            <a:off x="2142180" y="658423"/>
+            <a:ext cx="2160000" cy="406440"/>
+          </a:xfrm>
+          <a:prstGeom prst="rect">
+            <a:avLst/>
+          </a:prstGeom>
+          <a:noFill/>
+          <a:ln>
+            <a:noFill/>
+          </a:ln>
+        </p:spPr>
+        <p:txBody>
+          <a:bodyPr/>
+          <a:lstStyle/>
+          <a:p>
+            <a:pPr>
+              <a:lnSpc>
+                <a:spcPct val="100000"/>
+              </a:lnSpc>
+            </a:pPr>
+            <a:r>
+              <a:rPr lang="pt-BR" sz="2400" dirty="0">
+                <a:solidFill>
+                  <a:srgbClr val="000000"/>
+                </a:solidFill>
+                <a:latin typeface="Calibri"/>
+              </a:rPr>
+              <a:t>Nome</a:t>
+            </a:r>
+            <a:endParaRPr sz="2400" dirty="0"/>
+          </a:p>
+          <a:p>
+            <a:pPr>
+              <a:lnSpc>
+                <a:spcPct val="100000"/>
+              </a:lnSpc>
+            </a:pPr>
+            <a:endParaRPr sz="2400" dirty="0"/>
+          </a:p>
+          <a:p>
+            <a:pPr>
+              <a:lnSpc>
+                <a:spcPct val="100000"/>
+              </a:lnSpc>
+            </a:pPr>
+            <a:endParaRPr sz="2400" dirty="0"/>
+          </a:p>
+        </p:txBody>
+      </p:sp>
+      <p:sp>
+        <p:nvSpPr>
+          <p:cNvPr id="21" name="CustomShape 6"/>
+          <p:cNvSpPr/>
+          <p:nvPr/>
+        </p:nvSpPr>
+        <p:spPr>
+          <a:xfrm>
+            <a:off x="575773" y="1072641"/>
+            <a:ext cx="1419185" cy="226896"/>
+          </a:xfrm>
+          <a:prstGeom prst="rect">
+            <a:avLst/>
+          </a:prstGeom>
+          <a:solidFill>
+            <a:srgbClr val="FFFFFF"/>
+          </a:solidFill>
+          <a:ln w="25560">
+            <a:solidFill>
+              <a:srgbClr val="000000"/>
+            </a:solidFill>
+            <a:round/>
+          </a:ln>
+        </p:spPr>
       </p:sp>
     </p:spTree>
   </p:cSld>
@@ -10836,7 +11167,7 @@
         </p:nvSpPr>
         <p:spPr>
           <a:xfrm>
-            <a:off x="531720" y="1340640"/>
+            <a:off x="2627820" y="1139869"/>
             <a:ext cx="4104000" cy="251640"/>
           </a:xfrm>
           <a:prstGeom prst="rect">
@@ -10861,7 +11192,7 @@
         </p:nvSpPr>
         <p:spPr>
           <a:xfrm>
-            <a:off x="467544" y="836712"/>
+            <a:off x="2509353" y="671429"/>
             <a:ext cx="4384080" cy="406440"/>
           </a:xfrm>
           <a:prstGeom prst="rect">
@@ -10918,7 +11249,7 @@
         </p:nvSpPr>
         <p:spPr>
           <a:xfrm>
-            <a:off x="531720" y="2133320"/>
+            <a:off x="521376" y="1992689"/>
             <a:ext cx="2023920" cy="215640"/>
           </a:xfrm>
           <a:prstGeom prst="rect">
@@ -10943,7 +11274,7 @@
         </p:nvSpPr>
         <p:spPr>
           <a:xfrm>
-            <a:off x="467544" y="1654408"/>
+            <a:off x="457200" y="1513777"/>
             <a:ext cx="2088000" cy="406440"/>
           </a:xfrm>
           <a:prstGeom prst="rect">
@@ -11045,7 +11376,7 @@
         </p:nvSpPr>
         <p:spPr>
           <a:xfrm>
-            <a:off x="539640" y="2853320"/>
+            <a:off x="529296" y="2712689"/>
             <a:ext cx="2023920" cy="215640"/>
           </a:xfrm>
           <a:prstGeom prst="rect">
@@ -11070,7 +11401,7 @@
         </p:nvSpPr>
         <p:spPr>
           <a:xfrm>
-            <a:off x="467776" y="2374488"/>
+            <a:off x="457432" y="2233857"/>
             <a:ext cx="2232016" cy="406440"/>
           </a:xfrm>
           <a:prstGeom prst="rect">
@@ -11135,7 +11466,7 @@
         </p:nvSpPr>
         <p:spPr>
           <a:xfrm>
-            <a:off x="2843640" y="2853320"/>
+            <a:off x="2833296" y="2712689"/>
             <a:ext cx="1764360" cy="215640"/>
           </a:xfrm>
           <a:prstGeom prst="rect">
@@ -11160,7 +11491,7 @@
         </p:nvSpPr>
         <p:spPr>
           <a:xfrm>
-            <a:off x="2699792" y="2374488"/>
+            <a:off x="457200" y="655664"/>
             <a:ext cx="2880320" cy="406440"/>
           </a:xfrm>
           <a:prstGeom prst="rect">
@@ -11187,7 +11518,7 @@
                 </a:solidFill>
                 <a:latin typeface="Calibri"/>
               </a:rPr>
-              <a:t>Data Validade</a:t>
+              <a:t>Código</a:t>
             </a:r>
             <a:endParaRPr sz="2800" dirty="0"/>
           </a:p>
@@ -11444,6 +11775,96 @@
               <a:t>CANCELAR</a:t>
             </a:r>
             <a:endParaRPr/>
+          </a:p>
+        </p:txBody>
+      </p:sp>
+      <p:sp>
+        <p:nvSpPr>
+          <p:cNvPr id="16" name="CustomShape 8"/>
+          <p:cNvSpPr/>
+          <p:nvPr/>
+        </p:nvSpPr>
+        <p:spPr>
+          <a:xfrm>
+            <a:off x="529296" y="1184372"/>
+            <a:ext cx="1764360" cy="215640"/>
+          </a:xfrm>
+          <a:prstGeom prst="rect">
+            <a:avLst/>
+          </a:prstGeom>
+          <a:solidFill>
+            <a:srgbClr val="FFFFFF"/>
+          </a:solidFill>
+          <a:ln w="25560">
+            <a:solidFill>
+              <a:srgbClr val="000000"/>
+            </a:solidFill>
+            <a:round/>
+          </a:ln>
+        </p:spPr>
+      </p:sp>
+      <p:sp>
+        <p:nvSpPr>
+          <p:cNvPr id="17" name="CustomShape 9"/>
+          <p:cNvSpPr/>
+          <p:nvPr/>
+        </p:nvSpPr>
+        <p:spPr>
+          <a:xfrm>
+            <a:off x="2709394" y="2258579"/>
+            <a:ext cx="2880320" cy="406440"/>
+          </a:xfrm>
+          <a:prstGeom prst="rect">
+            <a:avLst/>
+          </a:prstGeom>
+          <a:noFill/>
+          <a:ln>
+            <a:noFill/>
+          </a:ln>
+        </p:spPr>
+        <p:txBody>
+          <a:bodyPr/>
+          <a:lstStyle/>
+          <a:p>
+            <a:pPr>
+              <a:lnSpc>
+                <a:spcPct val="100000"/>
+              </a:lnSpc>
+            </a:pPr>
+            <a:r>
+              <a:rPr lang="pt-BR" sz="2800" dirty="0" smtClean="0">
+                <a:solidFill>
+                  <a:srgbClr val="000000"/>
+                </a:solidFill>
+                <a:latin typeface="Calibri"/>
+              </a:rPr>
+              <a:t>Data Validade</a:t>
+            </a:r>
+            <a:endParaRPr sz="2800" dirty="0"/>
+          </a:p>
+          <a:p>
+            <a:pPr>
+              <a:lnSpc>
+                <a:spcPct val="100000"/>
+              </a:lnSpc>
+            </a:pPr>
+            <a:endParaRPr sz="2800" dirty="0"/>
+          </a:p>
+          <a:p>
+            <a:pPr>
+              <a:lnSpc>
+                <a:spcPct val="100000"/>
+              </a:lnSpc>
+            </a:pPr>
+            <a:endParaRPr sz="2800" dirty="0"/>
+          </a:p>
+          <a:p>
+            <a:pPr>
+              <a:lnSpc>
+                <a:spcPct val="100000"/>
+              </a:lnSpc>
+            </a:pPr>
+            <a:endParaRPr sz="2800" dirty="0"/>
           </a:p>
         </p:txBody>
       </p:sp>
@@ -13498,7 +13919,7 @@
         </p:nvSpPr>
         <p:spPr>
           <a:xfrm>
-            <a:off x="467544" y="1734711"/>
+            <a:off x="2295531" y="992332"/>
             <a:ext cx="2160000" cy="542161"/>
           </a:xfrm>
           <a:prstGeom prst="rect">
@@ -13555,7 +13976,7 @@
         </p:nvSpPr>
         <p:spPr>
           <a:xfrm>
-            <a:off x="611640" y="2133240"/>
+            <a:off x="2439627" y="1390861"/>
             <a:ext cx="4536000" cy="287648"/>
           </a:xfrm>
           <a:prstGeom prst="rect">
@@ -13982,7 +14403,7 @@
         </p:nvSpPr>
         <p:spPr>
           <a:xfrm>
-            <a:off x="539792" y="2014448"/>
+            <a:off x="2260023" y="1096765"/>
             <a:ext cx="2160000" cy="406440"/>
           </a:xfrm>
           <a:prstGeom prst="rect">
@@ -14039,7 +14460,7 @@
         </p:nvSpPr>
         <p:spPr>
           <a:xfrm>
-            <a:off x="611640" y="2467880"/>
+            <a:off x="2331871" y="1550197"/>
             <a:ext cx="4536000" cy="313048"/>
           </a:xfrm>
           <a:prstGeom prst="rect">
@@ -14116,8 +14537,8 @@
         </p:nvSpPr>
         <p:spPr>
           <a:xfrm>
-            <a:off x="2627784" y="1484784"/>
-            <a:ext cx="4104000" cy="288032"/>
+            <a:off x="2699792" y="1484784"/>
+            <a:ext cx="4031992" cy="288032"/>
           </a:xfrm>
           <a:prstGeom prst="rect">
             <a:avLst/>
@@ -14141,7 +14562,7 @@
         </p:nvSpPr>
         <p:spPr>
           <a:xfrm>
-            <a:off x="2483536" y="1078344"/>
+            <a:off x="2668718" y="1024546"/>
             <a:ext cx="4384080" cy="406440"/>
           </a:xfrm>
           <a:prstGeom prst="rect">

--- a/Site/site/documentos/prototipos.pptx
+++ b/Site/site/documentos/prototipos.pptx
@@ -5,7 +5,7 @@
     <p:sldMasterId id="2147483752" r:id="rId1"/>
   </p:sldMasterIdLst>
   <p:notesMasterIdLst>
-    <p:notesMasterId r:id="rId18"/>
+    <p:notesMasterId r:id="rId19"/>
   </p:notesMasterIdLst>
   <p:sldIdLst>
     <p:sldId id="256" r:id="rId2"/>
@@ -13,17 +13,18 @@
     <p:sldId id="258" r:id="rId4"/>
     <p:sldId id="259" r:id="rId5"/>
     <p:sldId id="260" r:id="rId6"/>
-    <p:sldId id="261" r:id="rId7"/>
-    <p:sldId id="262" r:id="rId8"/>
-    <p:sldId id="263" r:id="rId9"/>
-    <p:sldId id="264" r:id="rId10"/>
-    <p:sldId id="265" r:id="rId11"/>
-    <p:sldId id="271" r:id="rId12"/>
-    <p:sldId id="266" r:id="rId13"/>
-    <p:sldId id="267" r:id="rId14"/>
-    <p:sldId id="268" r:id="rId15"/>
-    <p:sldId id="269" r:id="rId16"/>
-    <p:sldId id="270" r:id="rId17"/>
+    <p:sldId id="272" r:id="rId7"/>
+    <p:sldId id="261" r:id="rId8"/>
+    <p:sldId id="262" r:id="rId9"/>
+    <p:sldId id="263" r:id="rId10"/>
+    <p:sldId id="264" r:id="rId11"/>
+    <p:sldId id="265" r:id="rId12"/>
+    <p:sldId id="271" r:id="rId13"/>
+    <p:sldId id="266" r:id="rId14"/>
+    <p:sldId id="267" r:id="rId15"/>
+    <p:sldId id="268" r:id="rId16"/>
+    <p:sldId id="269" r:id="rId17"/>
+    <p:sldId id="270" r:id="rId18"/>
   </p:sldIdLst>
   <p:sldSz cx="9144000" cy="6858000" type="screen4x3"/>
   <p:notesSz cx="7559675" cy="10691813"/>
@@ -124,7 +125,7 @@
   </p:defaultTextStyle>
   <p:extLst>
     <p:ext uri="{EFAFB233-063F-42B5-8137-9DF3F51BA10A}">
-      <p15:sldGuideLst xmlns:p15="http://schemas.microsoft.com/office/powerpoint/2012/main" xmlns="">
+      <p15:sldGuideLst xmlns="" xmlns:p15="http://schemas.microsoft.com/office/powerpoint/2012/main">
         <p15:guide id="1" orient="horz" pos="2160">
           <p15:clr>
             <a:srgbClr val="A4A3A4"/>
@@ -224,7 +225,7 @@
             <a:fld id="{EF831D22-65D4-44AE-9863-2667985751CA}" type="datetimeFigureOut">
               <a:rPr lang="pt-BR" smtClean="0"/>
               <a:pPr/>
-              <a:t>04/10/2014</a:t>
+              <a:t>11/10/2014</a:t>
             </a:fld>
             <a:endParaRPr lang="pt-BR"/>
           </a:p>
@@ -395,7 +396,7 @@
     </p:spTree>
     <p:extLst>
       <p:ext uri="{BB962C8B-B14F-4D97-AF65-F5344CB8AC3E}">
-        <p14:creationId xmlns:p14="http://schemas.microsoft.com/office/powerpoint/2010/main" xmlns="" val="4032574923"/>
+        <p14:creationId xmlns="" xmlns:p14="http://schemas.microsoft.com/office/powerpoint/2010/main" val="4032574923"/>
       </p:ext>
     </p:extLst>
   </p:cSld>
@@ -563,7 +564,7 @@
             <a:fld id="{16C5F0C8-F95A-4710-9A55-9581A1C1F029}" type="slidenum">
               <a:rPr lang="pt-BR" smtClean="0"/>
               <a:pPr/>
-              <a:t>13</a:t>
+              <a:t>14</a:t>
             </a:fld>
             <a:endParaRPr lang="pt-BR"/>
           </a:p>
@@ -572,7 +573,7 @@
     </p:spTree>
     <p:extLst>
       <p:ext uri="{BB962C8B-B14F-4D97-AF65-F5344CB8AC3E}">
-        <p14:creationId xmlns:p14="http://schemas.microsoft.com/office/powerpoint/2010/main" xmlns="" val="1769993173"/>
+        <p14:creationId xmlns="" xmlns:p14="http://schemas.microsoft.com/office/powerpoint/2010/main" val="1769993173"/>
       </p:ext>
     </p:extLst>
   </p:cSld>
@@ -4526,7 +4527,7 @@
               <a:rPr lang="pt-BR" sz="3200" dirty="0" err="1" smtClean="0">
                 <a:latin typeface="Calibri"/>
               </a:rPr>
-              <a:t>login</a:t>
+              <a:t>Login</a:t>
             </a:r>
             <a:endParaRPr dirty="0"/>
           </a:p>
@@ -4879,13 +4880,80 @@
       </p:grpSpPr>
       <p:sp>
         <p:nvSpPr>
-          <p:cNvPr id="234" name="TextShape 1"/>
+          <p:cNvPr id="208" name="CustomShape 1"/>
+          <p:cNvSpPr/>
+          <p:nvPr/>
+        </p:nvSpPr>
+        <p:spPr>
+          <a:xfrm>
+            <a:off x="323528" y="837120"/>
+            <a:ext cx="8532464" cy="431640"/>
+          </a:xfrm>
+          <a:prstGeom prst="rect">
+            <a:avLst/>
+          </a:prstGeom>
+          <a:noFill/>
+          <a:ln>
+            <a:noFill/>
+          </a:ln>
+        </p:spPr>
+        <p:txBody>
+          <a:bodyPr/>
+          <a:lstStyle/>
+          <a:p>
+            <a:pPr>
+              <a:lnSpc>
+                <a:spcPct val="100000"/>
+              </a:lnSpc>
+            </a:pPr>
+            <a:r>
+              <a:rPr lang="pt-BR" dirty="0" smtClean="0">
+                <a:solidFill>
+                  <a:srgbClr val="000000"/>
+                </a:solidFill>
+                <a:latin typeface="Calibri"/>
+              </a:rPr>
+              <a:t>Código             Nome                                                        </a:t>
+            </a:r>
+            <a:r>
+              <a:rPr lang="pt-BR" dirty="0" smtClean="0">
+                <a:solidFill>
+                  <a:srgbClr val="000000"/>
+                </a:solidFill>
+                <a:latin typeface="Calibri"/>
+              </a:rPr>
+              <a:t>Número </a:t>
+            </a:r>
+            <a:r>
+              <a:rPr lang="pt-BR" dirty="0">
+                <a:solidFill>
+                  <a:srgbClr val="000000"/>
+                </a:solidFill>
+                <a:latin typeface="Calibri"/>
+              </a:rPr>
+              <a:t>do Orçamento:</a:t>
+            </a:r>
+            <a:endParaRPr dirty="0"/>
+          </a:p>
+          <a:p>
+            <a:pPr>
+              <a:lnSpc>
+                <a:spcPct val="100000"/>
+              </a:lnSpc>
+            </a:pPr>
+            <a:endParaRPr dirty="0"/>
+          </a:p>
+        </p:txBody>
+      </p:sp>
+      <p:sp>
+        <p:nvSpPr>
+          <p:cNvPr id="209" name="TextShape 2"/>
           <p:cNvSpPr txBox="1"/>
           <p:nvPr/>
         </p:nvSpPr>
         <p:spPr>
           <a:xfrm>
-            <a:off x="457200" y="89863"/>
+            <a:off x="457200" y="-27360"/>
             <a:ext cx="8229240" cy="849600"/>
           </a:xfrm>
           <a:prstGeom prst="rect">
@@ -4902,13 +4970,13 @@
               </a:lnSpc>
             </a:pPr>
             <a:r>
-              <a:rPr lang="pt-BR" sz="4400" dirty="0" smtClean="0">
+              <a:rPr lang="pt-BR" dirty="0">
                 <a:solidFill>
                   <a:srgbClr val="000000"/>
                 </a:solidFill>
                 <a:latin typeface="Calibri"/>
               </a:rPr>
-              <a:t>Liberar </a:t>
+              <a:t> </a:t>
             </a:r>
             <a:r>
               <a:rPr lang="pt-BR" sz="4400" dirty="0">
@@ -4917,22 +4985,207 @@
                 </a:solidFill>
                 <a:latin typeface="Calibri"/>
               </a:rPr>
-              <a:t>Orçamento</a:t>
+              <a:t>Emissão de Orçamento</a:t>
+            </a:r>
+            <a:endParaRPr sz="4400" dirty="0"/>
+          </a:p>
+        </p:txBody>
+      </p:sp>
+      <p:sp>
+        <p:nvSpPr>
+          <p:cNvPr id="210" name="CustomShape 3"/>
+          <p:cNvSpPr/>
+          <p:nvPr/>
+        </p:nvSpPr>
+        <p:spPr>
+          <a:xfrm>
+            <a:off x="1691680" y="1844648"/>
+            <a:ext cx="3312368" cy="288032"/>
+          </a:xfrm>
+          <a:prstGeom prst="rect">
+            <a:avLst/>
+          </a:prstGeom>
+          <a:solidFill>
+            <a:srgbClr val="FFFFFF"/>
+          </a:solidFill>
+          <a:ln w="25560">
+            <a:solidFill>
+              <a:srgbClr val="000000"/>
+            </a:solidFill>
+            <a:round/>
+          </a:ln>
+        </p:spPr>
+      </p:sp>
+      <p:sp>
+        <p:nvSpPr>
+          <p:cNvPr id="211" name="CustomShape 4"/>
+          <p:cNvSpPr/>
+          <p:nvPr/>
+        </p:nvSpPr>
+        <p:spPr>
+          <a:xfrm>
+            <a:off x="323528" y="1510392"/>
+            <a:ext cx="6112648" cy="406440"/>
+          </a:xfrm>
+          <a:prstGeom prst="rect">
+            <a:avLst/>
+          </a:prstGeom>
+          <a:noFill/>
+          <a:ln>
+            <a:noFill/>
+          </a:ln>
+        </p:spPr>
+        <p:txBody>
+          <a:bodyPr/>
+          <a:lstStyle/>
+          <a:p>
+            <a:pPr>
+              <a:lnSpc>
+                <a:spcPct val="100000"/>
+              </a:lnSpc>
+            </a:pPr>
+            <a:r>
+              <a:rPr lang="pt-BR" dirty="0">
+                <a:solidFill>
+                  <a:srgbClr val="000000"/>
+                </a:solidFill>
+                <a:latin typeface="Calibri"/>
+              </a:rPr>
+              <a:t>Produto</a:t>
             </a:r>
             <a:endParaRPr dirty="0"/>
           </a:p>
-        </p:txBody>
-      </p:sp>
-      <p:sp>
-        <p:nvSpPr>
-          <p:cNvPr id="235" name="CustomShape 2"/>
-          <p:cNvSpPr/>
-          <p:nvPr/>
-        </p:nvSpPr>
-        <p:spPr>
-          <a:xfrm>
-            <a:off x="2987824" y="5661672"/>
-            <a:ext cx="1367640" cy="575640"/>
+          <a:p>
+            <a:pPr>
+              <a:lnSpc>
+                <a:spcPct val="100000"/>
+              </a:lnSpc>
+            </a:pPr>
+            <a:endParaRPr dirty="0"/>
+          </a:p>
+          <a:p>
+            <a:pPr>
+              <a:lnSpc>
+                <a:spcPct val="100000"/>
+              </a:lnSpc>
+            </a:pPr>
+            <a:endParaRPr dirty="0"/>
+          </a:p>
+        </p:txBody>
+      </p:sp>
+      <p:sp>
+        <p:nvSpPr>
+          <p:cNvPr id="212" name="CustomShape 5"/>
+          <p:cNvSpPr/>
+          <p:nvPr/>
+        </p:nvSpPr>
+        <p:spPr>
+          <a:xfrm>
+            <a:off x="5076296" y="1484784"/>
+            <a:ext cx="2160000" cy="406440"/>
+          </a:xfrm>
+          <a:prstGeom prst="rect">
+            <a:avLst/>
+          </a:prstGeom>
+          <a:noFill/>
+          <a:ln>
+            <a:noFill/>
+          </a:ln>
+        </p:spPr>
+        <p:txBody>
+          <a:bodyPr/>
+          <a:lstStyle/>
+          <a:p>
+            <a:pPr>
+              <a:lnSpc>
+                <a:spcPct val="100000"/>
+              </a:lnSpc>
+            </a:pPr>
+            <a:r>
+              <a:rPr lang="pt-BR" dirty="0">
+                <a:solidFill>
+                  <a:srgbClr val="000000"/>
+                </a:solidFill>
+                <a:latin typeface="Calibri"/>
+              </a:rPr>
+              <a:t>Quantidade</a:t>
+            </a:r>
+            <a:endParaRPr dirty="0"/>
+          </a:p>
+          <a:p>
+            <a:pPr>
+              <a:lnSpc>
+                <a:spcPct val="100000"/>
+              </a:lnSpc>
+            </a:pPr>
+            <a:endParaRPr dirty="0"/>
+          </a:p>
+          <a:p>
+            <a:pPr>
+              <a:lnSpc>
+                <a:spcPct val="100000"/>
+              </a:lnSpc>
+            </a:pPr>
+            <a:endParaRPr dirty="0"/>
+          </a:p>
+        </p:txBody>
+      </p:sp>
+      <p:sp>
+        <p:nvSpPr>
+          <p:cNvPr id="213" name="CustomShape 6"/>
+          <p:cNvSpPr/>
+          <p:nvPr/>
+        </p:nvSpPr>
+        <p:spPr>
+          <a:xfrm>
+            <a:off x="5148272" y="1844648"/>
+            <a:ext cx="1944000" cy="288208"/>
+          </a:xfrm>
+          <a:prstGeom prst="rect">
+            <a:avLst/>
+          </a:prstGeom>
+          <a:solidFill>
+            <a:srgbClr val="FFFFFF"/>
+          </a:solidFill>
+          <a:ln w="25560">
+            <a:solidFill>
+              <a:srgbClr val="000000"/>
+            </a:solidFill>
+            <a:round/>
+          </a:ln>
+        </p:spPr>
+        <p:txBody>
+          <a:bodyPr lIns="90000" tIns="45000" rIns="90000" bIns="45000" anchor="ctr"/>
+          <a:lstStyle/>
+          <a:p>
+            <a:pPr algn="ctr">
+              <a:lnSpc>
+                <a:spcPct val="100000"/>
+              </a:lnSpc>
+            </a:pPr>
+            <a:r>
+              <a:rPr lang="pt-BR" dirty="0">
+                <a:solidFill>
+                  <a:srgbClr val="FFFFFF"/>
+                </a:solidFill>
+                <a:latin typeface="Calibri"/>
+              </a:rPr>
+              <a:t>//</a:t>
+            </a:r>
+            <a:endParaRPr dirty="0"/>
+          </a:p>
+        </p:txBody>
+      </p:sp>
+      <p:sp>
+        <p:nvSpPr>
+          <p:cNvPr id="214" name="CustomShape 7"/>
+          <p:cNvSpPr/>
+          <p:nvPr/>
+        </p:nvSpPr>
+        <p:spPr>
+          <a:xfrm>
+            <a:off x="8028824" y="1557216"/>
+            <a:ext cx="719640" cy="575640"/>
           </a:xfrm>
           <a:prstGeom prst="rect">
             <a:avLst/>
@@ -4957,27 +5210,27 @@
               </a:lnSpc>
             </a:pPr>
             <a:r>
-              <a:rPr lang="pt-BR">
+              <a:rPr lang="pt-BR" dirty="0">
                 <a:solidFill>
                   <a:srgbClr val="000000"/>
                 </a:solidFill>
                 <a:latin typeface="Calibri"/>
               </a:rPr>
-              <a:t>Aprovar</a:t>
-            </a:r>
-            <a:endParaRPr/>
-          </a:p>
-        </p:txBody>
-      </p:sp>
-      <p:sp>
-        <p:nvSpPr>
-          <p:cNvPr id="236" name="CustomShape 3"/>
-          <p:cNvSpPr/>
-          <p:nvPr/>
-        </p:nvSpPr>
-        <p:spPr>
-          <a:xfrm>
-            <a:off x="4499824" y="5661672"/>
+              <a:t>+</a:t>
+            </a:r>
+            <a:endParaRPr dirty="0"/>
+          </a:p>
+        </p:txBody>
+      </p:sp>
+      <p:sp>
+        <p:nvSpPr>
+          <p:cNvPr id="215" name="CustomShape 8"/>
+          <p:cNvSpPr/>
+          <p:nvPr/>
+        </p:nvSpPr>
+        <p:spPr>
+          <a:xfrm>
+            <a:off x="2412248" y="6048000"/>
             <a:ext cx="1367640" cy="575640"/>
           </a:xfrm>
           <a:prstGeom prst="rect">
@@ -5003,6 +5256,1428 @@
               </a:lnSpc>
             </a:pPr>
             <a:r>
+              <a:rPr lang="pt-BR">
+                <a:solidFill>
+                  <a:srgbClr val="000000"/>
+                </a:solidFill>
+                <a:latin typeface="Calibri"/>
+              </a:rPr>
+              <a:t>GRAVAR</a:t>
+            </a:r>
+            <a:endParaRPr/>
+          </a:p>
+        </p:txBody>
+      </p:sp>
+      <p:sp>
+        <p:nvSpPr>
+          <p:cNvPr id="216" name="CustomShape 9"/>
+          <p:cNvSpPr/>
+          <p:nvPr/>
+        </p:nvSpPr>
+        <p:spPr>
+          <a:xfrm>
+            <a:off x="3924248" y="6048000"/>
+            <a:ext cx="1367640" cy="575640"/>
+          </a:xfrm>
+          <a:prstGeom prst="rect">
+            <a:avLst/>
+          </a:prstGeom>
+          <a:solidFill>
+            <a:srgbClr val="C6D9F1"/>
+          </a:solidFill>
+          <a:ln w="25560">
+            <a:solidFill>
+              <a:srgbClr val="000000"/>
+            </a:solidFill>
+            <a:round/>
+          </a:ln>
+        </p:spPr>
+        <p:txBody>
+          <a:bodyPr lIns="90000" tIns="45000" rIns="90000" bIns="45000" anchor="ctr"/>
+          <a:lstStyle/>
+          <a:p>
+            <a:pPr algn="ctr">
+              <a:lnSpc>
+                <a:spcPct val="100000"/>
+              </a:lnSpc>
+            </a:pPr>
+            <a:r>
+              <a:rPr lang="pt-BR">
+                <a:solidFill>
+                  <a:srgbClr val="000000"/>
+                </a:solidFill>
+                <a:latin typeface="Calibri"/>
+              </a:rPr>
+              <a:t>Enviar</a:t>
+            </a:r>
+            <a:endParaRPr/>
+          </a:p>
+        </p:txBody>
+      </p:sp>
+      <p:graphicFrame>
+        <p:nvGraphicFramePr>
+          <p:cNvPr id="217" name="Table 10"/>
+          <p:cNvGraphicFramePr/>
+          <p:nvPr/>
+        </p:nvGraphicFramePr>
+        <p:xfrm>
+          <a:off x="404280" y="2237040"/>
+          <a:ext cx="8379720" cy="2334960"/>
+        </p:xfrm>
+        <a:graphic>
+          <a:graphicData uri="http://schemas.openxmlformats.org/drawingml/2006/table">
+            <a:tbl>
+              <a:tblPr>
+                <a:tableStyleId>{D7AC3CCA-C797-4891-BE02-D94E43425B78}</a:tableStyleId>
+              </a:tblPr>
+              <a:tblGrid>
+                <a:gridCol w="1002600"/>
+                <a:gridCol w="3810240"/>
+                <a:gridCol w="1472040"/>
+                <a:gridCol w="1068840"/>
+                <a:gridCol w="1026000"/>
+              </a:tblGrid>
+              <a:tr h="424800">
+                <a:tc>
+                  <a:txBody>
+                    <a:bodyPr/>
+                    <a:lstStyle/>
+                    <a:p>
+                      <a:pPr>
+                        <a:lnSpc>
+                          <a:spcPct val="100000"/>
+                        </a:lnSpc>
+                      </a:pPr>
+                      <a:r>
+                        <a:rPr lang="pt-BR" dirty="0"/>
+                        <a:t>Produto</a:t>
+                      </a:r>
+                      <a:endParaRPr dirty="0">
+                        <a:solidFill>
+                          <a:schemeClr val="tx1"/>
+                        </a:solidFill>
+                      </a:endParaRPr>
+                    </a:p>
+                  </a:txBody>
+                  <a:tcPr/>
+                </a:tc>
+                <a:tc>
+                  <a:txBody>
+                    <a:bodyPr/>
+                    <a:lstStyle/>
+                    <a:p>
+                      <a:pPr>
+                        <a:lnSpc>
+                          <a:spcPct val="100000"/>
+                        </a:lnSpc>
+                      </a:pPr>
+                      <a:r>
+                        <a:rPr lang="pt-BR"/>
+                        <a:t>Descrição</a:t>
+                      </a:r>
+                      <a:endParaRPr>
+                        <a:solidFill>
+                          <a:schemeClr val="tx1"/>
+                        </a:solidFill>
+                      </a:endParaRPr>
+                    </a:p>
+                  </a:txBody>
+                  <a:tcPr/>
+                </a:tc>
+                <a:tc>
+                  <a:txBody>
+                    <a:bodyPr/>
+                    <a:lstStyle/>
+                    <a:p>
+                      <a:pPr algn="l">
+                        <a:lnSpc>
+                          <a:spcPct val="100000"/>
+                        </a:lnSpc>
+                      </a:pPr>
+                      <a:r>
+                        <a:rPr lang="pt-BR" dirty="0"/>
+                        <a:t>Quantidade</a:t>
+                      </a:r>
+                      <a:endParaRPr dirty="0">
+                        <a:solidFill>
+                          <a:schemeClr val="tx1"/>
+                        </a:solidFill>
+                      </a:endParaRPr>
+                    </a:p>
+                  </a:txBody>
+                  <a:tcPr/>
+                </a:tc>
+                <a:tc>
+                  <a:txBody>
+                    <a:bodyPr/>
+                    <a:lstStyle/>
+                    <a:p>
+                      <a:pPr algn="l"/>
+                      <a:r>
+                        <a:rPr lang="pt-BR"/>
+                        <a:t>Preço</a:t>
+                      </a:r>
+                      <a:endParaRPr>
+                        <a:solidFill>
+                          <a:schemeClr val="tx1"/>
+                        </a:solidFill>
+                      </a:endParaRPr>
+                    </a:p>
+                  </a:txBody>
+                  <a:tcPr/>
+                </a:tc>
+                <a:tc>
+                  <a:txBody>
+                    <a:bodyPr/>
+                    <a:lstStyle/>
+                    <a:p>
+                      <a:pPr algn="l"/>
+                      <a:r>
+                        <a:rPr lang="pt-BR" dirty="0"/>
+                        <a:t>Total</a:t>
+                      </a:r>
+                      <a:endParaRPr dirty="0">
+                        <a:solidFill>
+                          <a:schemeClr val="tx1"/>
+                        </a:solidFill>
+                      </a:endParaRPr>
+                    </a:p>
+                  </a:txBody>
+                  <a:tcPr/>
+                </a:tc>
+              </a:tr>
+              <a:tr h="381960">
+                <a:tc>
+                  <a:txBody>
+                    <a:bodyPr/>
+                    <a:lstStyle/>
+                    <a:p>
+                      <a:endParaRPr lang="pt-BR">
+                        <a:solidFill>
+                          <a:schemeClr val="tx1"/>
+                        </a:solidFill>
+                      </a:endParaRPr>
+                    </a:p>
+                  </a:txBody>
+                  <a:tcPr/>
+                </a:tc>
+                <a:tc>
+                  <a:txBody>
+                    <a:bodyPr/>
+                    <a:lstStyle/>
+                    <a:p>
+                      <a:endParaRPr lang="pt-BR" dirty="0">
+                        <a:solidFill>
+                          <a:schemeClr val="tx1"/>
+                        </a:solidFill>
+                      </a:endParaRPr>
+                    </a:p>
+                  </a:txBody>
+                  <a:tcPr/>
+                </a:tc>
+                <a:tc>
+                  <a:txBody>
+                    <a:bodyPr/>
+                    <a:lstStyle/>
+                    <a:p>
+                      <a:endParaRPr lang="pt-BR">
+                        <a:solidFill>
+                          <a:schemeClr val="tx1"/>
+                        </a:solidFill>
+                      </a:endParaRPr>
+                    </a:p>
+                  </a:txBody>
+                  <a:tcPr/>
+                </a:tc>
+                <a:tc>
+                  <a:txBody>
+                    <a:bodyPr/>
+                    <a:lstStyle/>
+                    <a:p>
+                      <a:endParaRPr lang="pt-BR" dirty="0">
+                        <a:solidFill>
+                          <a:schemeClr val="tx1"/>
+                        </a:solidFill>
+                      </a:endParaRPr>
+                    </a:p>
+                  </a:txBody>
+                  <a:tcPr/>
+                </a:tc>
+                <a:tc>
+                  <a:txBody>
+                    <a:bodyPr/>
+                    <a:lstStyle/>
+                    <a:p>
+                      <a:endParaRPr lang="pt-BR" dirty="0">
+                        <a:solidFill>
+                          <a:schemeClr val="tx1"/>
+                        </a:solidFill>
+                      </a:endParaRPr>
+                    </a:p>
+                  </a:txBody>
+                  <a:tcPr/>
+                </a:tc>
+              </a:tr>
+              <a:tr h="381960">
+                <a:tc>
+                  <a:txBody>
+                    <a:bodyPr/>
+                    <a:lstStyle/>
+                    <a:p>
+                      <a:endParaRPr lang="pt-BR">
+                        <a:solidFill>
+                          <a:schemeClr val="tx1"/>
+                        </a:solidFill>
+                      </a:endParaRPr>
+                    </a:p>
+                  </a:txBody>
+                  <a:tcPr/>
+                </a:tc>
+                <a:tc>
+                  <a:txBody>
+                    <a:bodyPr/>
+                    <a:lstStyle/>
+                    <a:p>
+                      <a:endParaRPr lang="pt-BR">
+                        <a:solidFill>
+                          <a:schemeClr val="tx1"/>
+                        </a:solidFill>
+                      </a:endParaRPr>
+                    </a:p>
+                  </a:txBody>
+                  <a:tcPr/>
+                </a:tc>
+                <a:tc>
+                  <a:txBody>
+                    <a:bodyPr/>
+                    <a:lstStyle/>
+                    <a:p>
+                      <a:endParaRPr lang="pt-BR">
+                        <a:solidFill>
+                          <a:schemeClr val="tx1"/>
+                        </a:solidFill>
+                      </a:endParaRPr>
+                    </a:p>
+                  </a:txBody>
+                  <a:tcPr/>
+                </a:tc>
+                <a:tc>
+                  <a:txBody>
+                    <a:bodyPr/>
+                    <a:lstStyle/>
+                    <a:p>
+                      <a:endParaRPr lang="pt-BR">
+                        <a:solidFill>
+                          <a:schemeClr val="tx1"/>
+                        </a:solidFill>
+                      </a:endParaRPr>
+                    </a:p>
+                  </a:txBody>
+                  <a:tcPr/>
+                </a:tc>
+                <a:tc>
+                  <a:txBody>
+                    <a:bodyPr/>
+                    <a:lstStyle/>
+                    <a:p>
+                      <a:endParaRPr lang="pt-BR">
+                        <a:solidFill>
+                          <a:schemeClr val="tx1"/>
+                        </a:solidFill>
+                      </a:endParaRPr>
+                    </a:p>
+                  </a:txBody>
+                  <a:tcPr/>
+                </a:tc>
+              </a:tr>
+              <a:tr h="381960">
+                <a:tc>
+                  <a:txBody>
+                    <a:bodyPr/>
+                    <a:lstStyle/>
+                    <a:p>
+                      <a:endParaRPr lang="pt-BR">
+                        <a:solidFill>
+                          <a:schemeClr val="tx1"/>
+                        </a:solidFill>
+                      </a:endParaRPr>
+                    </a:p>
+                  </a:txBody>
+                  <a:tcPr/>
+                </a:tc>
+                <a:tc>
+                  <a:txBody>
+                    <a:bodyPr/>
+                    <a:lstStyle/>
+                    <a:p>
+                      <a:endParaRPr lang="pt-BR">
+                        <a:solidFill>
+                          <a:schemeClr val="tx1"/>
+                        </a:solidFill>
+                      </a:endParaRPr>
+                    </a:p>
+                  </a:txBody>
+                  <a:tcPr/>
+                </a:tc>
+                <a:tc>
+                  <a:txBody>
+                    <a:bodyPr/>
+                    <a:lstStyle/>
+                    <a:p>
+                      <a:endParaRPr lang="pt-BR">
+                        <a:solidFill>
+                          <a:schemeClr val="tx1"/>
+                        </a:solidFill>
+                      </a:endParaRPr>
+                    </a:p>
+                  </a:txBody>
+                  <a:tcPr/>
+                </a:tc>
+                <a:tc>
+                  <a:txBody>
+                    <a:bodyPr/>
+                    <a:lstStyle/>
+                    <a:p>
+                      <a:endParaRPr lang="pt-BR">
+                        <a:solidFill>
+                          <a:schemeClr val="tx1"/>
+                        </a:solidFill>
+                      </a:endParaRPr>
+                    </a:p>
+                  </a:txBody>
+                  <a:tcPr/>
+                </a:tc>
+                <a:tc>
+                  <a:txBody>
+                    <a:bodyPr/>
+                    <a:lstStyle/>
+                    <a:p>
+                      <a:endParaRPr lang="pt-BR">
+                        <a:solidFill>
+                          <a:schemeClr val="tx1"/>
+                        </a:solidFill>
+                      </a:endParaRPr>
+                    </a:p>
+                  </a:txBody>
+                  <a:tcPr/>
+                </a:tc>
+              </a:tr>
+              <a:tr h="381960">
+                <a:tc>
+                  <a:txBody>
+                    <a:bodyPr/>
+                    <a:lstStyle/>
+                    <a:p>
+                      <a:endParaRPr lang="pt-BR">
+                        <a:solidFill>
+                          <a:schemeClr val="tx1"/>
+                        </a:solidFill>
+                      </a:endParaRPr>
+                    </a:p>
+                  </a:txBody>
+                  <a:tcPr/>
+                </a:tc>
+                <a:tc>
+                  <a:txBody>
+                    <a:bodyPr/>
+                    <a:lstStyle/>
+                    <a:p>
+                      <a:endParaRPr lang="pt-BR">
+                        <a:solidFill>
+                          <a:schemeClr val="tx1"/>
+                        </a:solidFill>
+                      </a:endParaRPr>
+                    </a:p>
+                  </a:txBody>
+                  <a:tcPr/>
+                </a:tc>
+                <a:tc>
+                  <a:txBody>
+                    <a:bodyPr/>
+                    <a:lstStyle/>
+                    <a:p>
+                      <a:endParaRPr lang="pt-BR">
+                        <a:solidFill>
+                          <a:schemeClr val="tx1"/>
+                        </a:solidFill>
+                      </a:endParaRPr>
+                    </a:p>
+                  </a:txBody>
+                  <a:tcPr/>
+                </a:tc>
+                <a:tc>
+                  <a:txBody>
+                    <a:bodyPr/>
+                    <a:lstStyle/>
+                    <a:p>
+                      <a:endParaRPr lang="pt-BR">
+                        <a:solidFill>
+                          <a:schemeClr val="tx1"/>
+                        </a:solidFill>
+                      </a:endParaRPr>
+                    </a:p>
+                  </a:txBody>
+                  <a:tcPr/>
+                </a:tc>
+                <a:tc>
+                  <a:txBody>
+                    <a:bodyPr/>
+                    <a:lstStyle/>
+                    <a:p>
+                      <a:endParaRPr lang="pt-BR">
+                        <a:solidFill>
+                          <a:schemeClr val="tx1"/>
+                        </a:solidFill>
+                      </a:endParaRPr>
+                    </a:p>
+                  </a:txBody>
+                  <a:tcPr/>
+                </a:tc>
+              </a:tr>
+              <a:tr h="382320">
+                <a:tc>
+                  <a:txBody>
+                    <a:bodyPr/>
+                    <a:lstStyle/>
+                    <a:p>
+                      <a:endParaRPr lang="pt-BR">
+                        <a:solidFill>
+                          <a:schemeClr val="tx1"/>
+                        </a:solidFill>
+                      </a:endParaRPr>
+                    </a:p>
+                  </a:txBody>
+                  <a:tcPr/>
+                </a:tc>
+                <a:tc>
+                  <a:txBody>
+                    <a:bodyPr/>
+                    <a:lstStyle/>
+                    <a:p>
+                      <a:endParaRPr lang="pt-BR">
+                        <a:solidFill>
+                          <a:schemeClr val="tx1"/>
+                        </a:solidFill>
+                      </a:endParaRPr>
+                    </a:p>
+                  </a:txBody>
+                  <a:tcPr/>
+                </a:tc>
+                <a:tc>
+                  <a:txBody>
+                    <a:bodyPr/>
+                    <a:lstStyle/>
+                    <a:p>
+                      <a:endParaRPr lang="pt-BR">
+                        <a:solidFill>
+                          <a:schemeClr val="tx1"/>
+                        </a:solidFill>
+                      </a:endParaRPr>
+                    </a:p>
+                  </a:txBody>
+                  <a:tcPr/>
+                </a:tc>
+                <a:tc>
+                  <a:txBody>
+                    <a:bodyPr/>
+                    <a:lstStyle/>
+                    <a:p>
+                      <a:endParaRPr lang="pt-BR">
+                        <a:solidFill>
+                          <a:schemeClr val="tx1"/>
+                        </a:solidFill>
+                      </a:endParaRPr>
+                    </a:p>
+                  </a:txBody>
+                  <a:tcPr/>
+                </a:tc>
+                <a:tc>
+                  <a:txBody>
+                    <a:bodyPr/>
+                    <a:lstStyle/>
+                    <a:p>
+                      <a:endParaRPr lang="pt-BR" dirty="0">
+                        <a:solidFill>
+                          <a:schemeClr val="tx1"/>
+                        </a:solidFill>
+                      </a:endParaRPr>
+                    </a:p>
+                  </a:txBody>
+                  <a:tcPr/>
+                </a:tc>
+              </a:tr>
+            </a:tbl>
+          </a:graphicData>
+        </a:graphic>
+      </p:graphicFrame>
+      <p:sp>
+        <p:nvSpPr>
+          <p:cNvPr id="218" name="CustomShape 11"/>
+          <p:cNvSpPr/>
+          <p:nvPr/>
+        </p:nvSpPr>
+        <p:spPr>
+          <a:xfrm>
+            <a:off x="5436608" y="6048000"/>
+            <a:ext cx="1367640" cy="575640"/>
+          </a:xfrm>
+          <a:prstGeom prst="rect">
+            <a:avLst/>
+          </a:prstGeom>
+          <a:solidFill>
+            <a:srgbClr val="C6D9F1"/>
+          </a:solidFill>
+          <a:ln w="25560">
+            <a:solidFill>
+              <a:srgbClr val="000000"/>
+            </a:solidFill>
+            <a:round/>
+          </a:ln>
+        </p:spPr>
+        <p:txBody>
+          <a:bodyPr lIns="90000" tIns="45000" rIns="90000" bIns="45000" anchor="ctr"/>
+          <a:lstStyle/>
+          <a:p>
+            <a:pPr algn="ctr">
+              <a:lnSpc>
+                <a:spcPct val="100000"/>
+              </a:lnSpc>
+            </a:pPr>
+            <a:r>
+              <a:rPr lang="pt-BR">
+                <a:solidFill>
+                  <a:srgbClr val="000000"/>
+                </a:solidFill>
+                <a:latin typeface="Calibri"/>
+              </a:rPr>
+              <a:t>CANCELAR</a:t>
+            </a:r>
+            <a:endParaRPr/>
+          </a:p>
+        </p:txBody>
+      </p:sp>
+      <p:sp>
+        <p:nvSpPr>
+          <p:cNvPr id="221" name="CustomShape 14"/>
+          <p:cNvSpPr/>
+          <p:nvPr/>
+        </p:nvSpPr>
+        <p:spPr>
+          <a:xfrm>
+            <a:off x="7524328" y="908720"/>
+            <a:ext cx="1188000" cy="288032"/>
+          </a:xfrm>
+          <a:prstGeom prst="rect">
+            <a:avLst/>
+          </a:prstGeom>
+          <a:solidFill>
+            <a:srgbClr val="FFFFFF"/>
+          </a:solidFill>
+          <a:ln w="25560">
+            <a:solidFill>
+              <a:srgbClr val="000000"/>
+            </a:solidFill>
+            <a:round/>
+          </a:ln>
+        </p:spPr>
+        <p:txBody>
+          <a:bodyPr lIns="90000" tIns="45000" rIns="90000" bIns="45000" anchor="ctr"/>
+          <a:lstStyle/>
+          <a:p>
+            <a:pPr algn="ctr">
+              <a:lnSpc>
+                <a:spcPct val="100000"/>
+              </a:lnSpc>
+            </a:pPr>
+            <a:r>
+              <a:rPr lang="pt-BR" dirty="0">
+                <a:solidFill>
+                  <a:srgbClr val="FFFFFF"/>
+                </a:solidFill>
+                <a:latin typeface="Calibri"/>
+              </a:rPr>
+              <a:t>//</a:t>
+            </a:r>
+            <a:endParaRPr dirty="0"/>
+          </a:p>
+        </p:txBody>
+      </p:sp>
+      <p:sp>
+        <p:nvSpPr>
+          <p:cNvPr id="222" name="CustomShape 15"/>
+          <p:cNvSpPr/>
+          <p:nvPr/>
+        </p:nvSpPr>
+        <p:spPr>
+          <a:xfrm>
+            <a:off x="5220072" y="4653136"/>
+            <a:ext cx="1440000" cy="406440"/>
+          </a:xfrm>
+          <a:prstGeom prst="rect">
+            <a:avLst/>
+          </a:prstGeom>
+          <a:noFill/>
+          <a:ln>
+            <a:noFill/>
+          </a:ln>
+        </p:spPr>
+        <p:txBody>
+          <a:bodyPr/>
+          <a:lstStyle/>
+          <a:p>
+            <a:pPr algn="r">
+              <a:lnSpc>
+                <a:spcPct val="100000"/>
+              </a:lnSpc>
+            </a:pPr>
+            <a:r>
+              <a:rPr lang="pt-BR" dirty="0">
+                <a:solidFill>
+                  <a:srgbClr val="000000"/>
+                </a:solidFill>
+                <a:latin typeface="Calibri"/>
+              </a:rPr>
+              <a:t>Total</a:t>
+            </a:r>
+            <a:endParaRPr dirty="0"/>
+          </a:p>
+          <a:p>
+            <a:pPr>
+              <a:lnSpc>
+                <a:spcPct val="100000"/>
+              </a:lnSpc>
+            </a:pPr>
+            <a:endParaRPr dirty="0"/>
+          </a:p>
+          <a:p>
+            <a:pPr>
+              <a:lnSpc>
+                <a:spcPct val="100000"/>
+              </a:lnSpc>
+            </a:pPr>
+            <a:endParaRPr dirty="0"/>
+          </a:p>
+        </p:txBody>
+      </p:sp>
+      <p:sp>
+        <p:nvSpPr>
+          <p:cNvPr id="225" name="CustomShape 18"/>
+          <p:cNvSpPr/>
+          <p:nvPr/>
+        </p:nvSpPr>
+        <p:spPr>
+          <a:xfrm>
+            <a:off x="6696000" y="4715912"/>
+            <a:ext cx="2088000" cy="297264"/>
+          </a:xfrm>
+          <a:prstGeom prst="rect">
+            <a:avLst/>
+          </a:prstGeom>
+          <a:solidFill>
+            <a:srgbClr val="FFFFFF"/>
+          </a:solidFill>
+          <a:ln w="25560">
+            <a:solidFill>
+              <a:srgbClr val="000000"/>
+            </a:solidFill>
+            <a:round/>
+          </a:ln>
+        </p:spPr>
+        <p:txBody>
+          <a:bodyPr lIns="90000" tIns="45000" rIns="90000" bIns="45000" anchor="ctr"/>
+          <a:lstStyle/>
+          <a:p>
+            <a:pPr algn="ctr">
+              <a:lnSpc>
+                <a:spcPct val="100000"/>
+              </a:lnSpc>
+            </a:pPr>
+            <a:r>
+              <a:rPr lang="pt-BR">
+                <a:solidFill>
+                  <a:srgbClr val="FFFFFF"/>
+                </a:solidFill>
+                <a:latin typeface="Calibri"/>
+              </a:rPr>
+              <a:t>//</a:t>
+            </a:r>
+            <a:endParaRPr/>
+          </a:p>
+        </p:txBody>
+      </p:sp>
+      <p:sp>
+        <p:nvSpPr>
+          <p:cNvPr id="226" name="CustomShape 19"/>
+          <p:cNvSpPr/>
+          <p:nvPr/>
+        </p:nvSpPr>
+        <p:spPr>
+          <a:xfrm>
+            <a:off x="5256000" y="5110840"/>
+            <a:ext cx="1440000" cy="406440"/>
+          </a:xfrm>
+          <a:prstGeom prst="rect">
+            <a:avLst/>
+          </a:prstGeom>
+          <a:noFill/>
+          <a:ln>
+            <a:noFill/>
+          </a:ln>
+        </p:spPr>
+        <p:txBody>
+          <a:bodyPr/>
+          <a:lstStyle/>
+          <a:p>
+            <a:pPr algn="r">
+              <a:lnSpc>
+                <a:spcPct val="100000"/>
+              </a:lnSpc>
+            </a:pPr>
+            <a:r>
+              <a:rPr lang="pt-BR" dirty="0">
+                <a:solidFill>
+                  <a:srgbClr val="000000"/>
+                </a:solidFill>
+                <a:latin typeface="Calibri"/>
+              </a:rPr>
+              <a:t>Desconto</a:t>
+            </a:r>
+            <a:endParaRPr dirty="0"/>
+          </a:p>
+          <a:p>
+            <a:pPr>
+              <a:lnSpc>
+                <a:spcPct val="100000"/>
+              </a:lnSpc>
+            </a:pPr>
+            <a:endParaRPr dirty="0"/>
+          </a:p>
+          <a:p>
+            <a:pPr>
+              <a:lnSpc>
+                <a:spcPct val="100000"/>
+              </a:lnSpc>
+            </a:pPr>
+            <a:endParaRPr dirty="0"/>
+          </a:p>
+        </p:txBody>
+      </p:sp>
+      <p:sp>
+        <p:nvSpPr>
+          <p:cNvPr id="227" name="CustomShape 20"/>
+          <p:cNvSpPr/>
+          <p:nvPr/>
+        </p:nvSpPr>
+        <p:spPr>
+          <a:xfrm>
+            <a:off x="6696000" y="5147960"/>
+            <a:ext cx="2088000" cy="297264"/>
+          </a:xfrm>
+          <a:prstGeom prst="rect">
+            <a:avLst/>
+          </a:prstGeom>
+          <a:solidFill>
+            <a:srgbClr val="FFFFFF"/>
+          </a:solidFill>
+          <a:ln w="25560">
+            <a:solidFill>
+              <a:srgbClr val="000000"/>
+            </a:solidFill>
+            <a:round/>
+          </a:ln>
+        </p:spPr>
+        <p:txBody>
+          <a:bodyPr lIns="90000" tIns="45000" rIns="90000" bIns="45000" anchor="ctr"/>
+          <a:lstStyle/>
+          <a:p>
+            <a:pPr algn="ctr">
+              <a:lnSpc>
+                <a:spcPct val="100000"/>
+              </a:lnSpc>
+            </a:pPr>
+            <a:r>
+              <a:rPr lang="pt-BR">
+                <a:solidFill>
+                  <a:srgbClr val="FFFFFF"/>
+                </a:solidFill>
+                <a:latin typeface="Calibri"/>
+              </a:rPr>
+              <a:t>0,00</a:t>
+            </a:r>
+            <a:endParaRPr/>
+          </a:p>
+        </p:txBody>
+      </p:sp>
+      <p:sp>
+        <p:nvSpPr>
+          <p:cNvPr id="228" name="CustomShape 21"/>
+          <p:cNvSpPr/>
+          <p:nvPr/>
+        </p:nvSpPr>
+        <p:spPr>
+          <a:xfrm>
+            <a:off x="5256000" y="5542840"/>
+            <a:ext cx="1440000" cy="406440"/>
+          </a:xfrm>
+          <a:prstGeom prst="rect">
+            <a:avLst/>
+          </a:prstGeom>
+          <a:noFill/>
+          <a:ln>
+            <a:noFill/>
+          </a:ln>
+        </p:spPr>
+        <p:txBody>
+          <a:bodyPr/>
+          <a:lstStyle/>
+          <a:p>
+            <a:pPr algn="r">
+              <a:lnSpc>
+                <a:spcPct val="100000"/>
+              </a:lnSpc>
+            </a:pPr>
+            <a:r>
+              <a:rPr lang="pt-BR" dirty="0">
+                <a:solidFill>
+                  <a:srgbClr val="000000"/>
+                </a:solidFill>
+                <a:latin typeface="Calibri"/>
+              </a:rPr>
+              <a:t>Total Líquido</a:t>
+            </a:r>
+            <a:endParaRPr dirty="0"/>
+          </a:p>
+          <a:p>
+            <a:pPr>
+              <a:lnSpc>
+                <a:spcPct val="100000"/>
+              </a:lnSpc>
+            </a:pPr>
+            <a:endParaRPr dirty="0"/>
+          </a:p>
+          <a:p>
+            <a:pPr>
+              <a:lnSpc>
+                <a:spcPct val="100000"/>
+              </a:lnSpc>
+            </a:pPr>
+            <a:endParaRPr dirty="0"/>
+          </a:p>
+        </p:txBody>
+      </p:sp>
+      <p:sp>
+        <p:nvSpPr>
+          <p:cNvPr id="229" name="CustomShape 22"/>
+          <p:cNvSpPr/>
+          <p:nvPr/>
+        </p:nvSpPr>
+        <p:spPr>
+          <a:xfrm>
+            <a:off x="6696000" y="5580008"/>
+            <a:ext cx="2088000" cy="297264"/>
+          </a:xfrm>
+          <a:prstGeom prst="rect">
+            <a:avLst/>
+          </a:prstGeom>
+          <a:solidFill>
+            <a:srgbClr val="FFFFFF"/>
+          </a:solidFill>
+          <a:ln w="25560">
+            <a:solidFill>
+              <a:srgbClr val="000000"/>
+            </a:solidFill>
+            <a:round/>
+          </a:ln>
+        </p:spPr>
+        <p:txBody>
+          <a:bodyPr lIns="90000" tIns="45000" rIns="90000" bIns="45000" anchor="ctr"/>
+          <a:lstStyle/>
+          <a:p>
+            <a:pPr algn="ctr">
+              <a:lnSpc>
+                <a:spcPct val="100000"/>
+              </a:lnSpc>
+            </a:pPr>
+            <a:r>
+              <a:rPr lang="pt-BR" dirty="0">
+                <a:solidFill>
+                  <a:srgbClr val="FFFFFF"/>
+                </a:solidFill>
+                <a:latin typeface="Calibri"/>
+              </a:rPr>
+              <a:t>//</a:t>
+            </a:r>
+            <a:endParaRPr dirty="0"/>
+          </a:p>
+        </p:txBody>
+      </p:sp>
+      <p:sp>
+        <p:nvSpPr>
+          <p:cNvPr id="231" name="CustomShape 24"/>
+          <p:cNvSpPr/>
+          <p:nvPr/>
+        </p:nvSpPr>
+        <p:spPr>
+          <a:xfrm>
+            <a:off x="404280" y="4581128"/>
+            <a:ext cx="2088000" cy="406440"/>
+          </a:xfrm>
+          <a:prstGeom prst="rect">
+            <a:avLst/>
+          </a:prstGeom>
+          <a:noFill/>
+          <a:ln>
+            <a:noFill/>
+          </a:ln>
+        </p:spPr>
+        <p:txBody>
+          <a:bodyPr/>
+          <a:lstStyle/>
+          <a:p>
+            <a:pPr>
+              <a:lnSpc>
+                <a:spcPct val="100000"/>
+              </a:lnSpc>
+            </a:pPr>
+            <a:r>
+              <a:rPr lang="pt-BR" dirty="0">
+                <a:solidFill>
+                  <a:srgbClr val="000000"/>
+                </a:solidFill>
+                <a:latin typeface="Calibri"/>
+              </a:rPr>
+              <a:t>Data Orçamento</a:t>
+            </a:r>
+            <a:endParaRPr dirty="0"/>
+          </a:p>
+          <a:p>
+            <a:pPr>
+              <a:lnSpc>
+                <a:spcPct val="100000"/>
+              </a:lnSpc>
+            </a:pPr>
+            <a:endParaRPr dirty="0"/>
+          </a:p>
+          <a:p>
+            <a:pPr>
+              <a:lnSpc>
+                <a:spcPct val="100000"/>
+              </a:lnSpc>
+            </a:pPr>
+            <a:endParaRPr dirty="0"/>
+          </a:p>
+        </p:txBody>
+      </p:sp>
+      <p:sp>
+        <p:nvSpPr>
+          <p:cNvPr id="233" name="CustomShape 26"/>
+          <p:cNvSpPr/>
+          <p:nvPr/>
+        </p:nvSpPr>
+        <p:spPr>
+          <a:xfrm>
+            <a:off x="432000" y="5254808"/>
+            <a:ext cx="2088000" cy="406440"/>
+          </a:xfrm>
+          <a:prstGeom prst="rect">
+            <a:avLst/>
+          </a:prstGeom>
+          <a:noFill/>
+          <a:ln>
+            <a:noFill/>
+          </a:ln>
+        </p:spPr>
+        <p:txBody>
+          <a:bodyPr/>
+          <a:lstStyle/>
+          <a:p>
+            <a:pPr>
+              <a:lnSpc>
+                <a:spcPct val="100000"/>
+              </a:lnSpc>
+            </a:pPr>
+            <a:r>
+              <a:rPr lang="pt-BR" dirty="0">
+                <a:solidFill>
+                  <a:srgbClr val="000000"/>
+                </a:solidFill>
+                <a:latin typeface="Calibri"/>
+              </a:rPr>
+              <a:t>Validade Orçamento</a:t>
+            </a:r>
+            <a:endParaRPr dirty="0"/>
+          </a:p>
+          <a:p>
+            <a:pPr>
+              <a:lnSpc>
+                <a:spcPct val="100000"/>
+              </a:lnSpc>
+            </a:pPr>
+            <a:endParaRPr dirty="0"/>
+          </a:p>
+          <a:p>
+            <a:pPr>
+              <a:lnSpc>
+                <a:spcPct val="100000"/>
+              </a:lnSpc>
+            </a:pPr>
+            <a:endParaRPr dirty="0"/>
+          </a:p>
+          <a:p>
+            <a:pPr>
+              <a:lnSpc>
+                <a:spcPct val="100000"/>
+              </a:lnSpc>
+            </a:pPr>
+            <a:endParaRPr dirty="0"/>
+          </a:p>
+        </p:txBody>
+      </p:sp>
+      <p:sp>
+        <p:nvSpPr>
+          <p:cNvPr id="30" name="CustomShape 22"/>
+          <p:cNvSpPr/>
+          <p:nvPr/>
+        </p:nvSpPr>
+        <p:spPr>
+          <a:xfrm>
+            <a:off x="467544" y="4869160"/>
+            <a:ext cx="2088000" cy="297264"/>
+          </a:xfrm>
+          <a:prstGeom prst="rect">
+            <a:avLst/>
+          </a:prstGeom>
+          <a:solidFill>
+            <a:srgbClr val="FFFFFF"/>
+          </a:solidFill>
+          <a:ln w="25560">
+            <a:solidFill>
+              <a:srgbClr val="000000"/>
+            </a:solidFill>
+            <a:round/>
+          </a:ln>
+        </p:spPr>
+        <p:txBody>
+          <a:bodyPr lIns="90000" tIns="45000" rIns="90000" bIns="45000" anchor="ctr"/>
+          <a:lstStyle/>
+          <a:p>
+            <a:pPr algn="ctr">
+              <a:lnSpc>
+                <a:spcPct val="100000"/>
+              </a:lnSpc>
+            </a:pPr>
+            <a:r>
+              <a:rPr lang="pt-BR" dirty="0">
+                <a:solidFill>
+                  <a:srgbClr val="FFFFFF"/>
+                </a:solidFill>
+                <a:latin typeface="Calibri"/>
+              </a:rPr>
+              <a:t>//</a:t>
+            </a:r>
+            <a:endParaRPr dirty="0"/>
+          </a:p>
+        </p:txBody>
+      </p:sp>
+      <p:sp>
+        <p:nvSpPr>
+          <p:cNvPr id="31" name="CustomShape 22"/>
+          <p:cNvSpPr/>
+          <p:nvPr/>
+        </p:nvSpPr>
+        <p:spPr>
+          <a:xfrm>
+            <a:off x="467544" y="5589240"/>
+            <a:ext cx="2088000" cy="297264"/>
+          </a:xfrm>
+          <a:prstGeom prst="rect">
+            <a:avLst/>
+          </a:prstGeom>
+          <a:solidFill>
+            <a:srgbClr val="FFFFFF"/>
+          </a:solidFill>
+          <a:ln w="25560">
+            <a:solidFill>
+              <a:srgbClr val="000000"/>
+            </a:solidFill>
+            <a:round/>
+          </a:ln>
+        </p:spPr>
+        <p:txBody>
+          <a:bodyPr lIns="90000" tIns="45000" rIns="90000" bIns="45000" anchor="ctr"/>
+          <a:lstStyle/>
+          <a:p>
+            <a:pPr algn="ctr">
+              <a:lnSpc>
+                <a:spcPct val="100000"/>
+              </a:lnSpc>
+            </a:pPr>
+            <a:r>
+              <a:rPr lang="pt-BR" dirty="0">
+                <a:solidFill>
+                  <a:srgbClr val="FFFFFF"/>
+                </a:solidFill>
+                <a:latin typeface="Calibri"/>
+              </a:rPr>
+              <a:t>//</a:t>
+            </a:r>
+            <a:endParaRPr dirty="0"/>
+          </a:p>
+        </p:txBody>
+      </p:sp>
+      <p:sp>
+        <p:nvSpPr>
+          <p:cNvPr id="25" name="CustomShape 3"/>
+          <p:cNvSpPr/>
+          <p:nvPr/>
+        </p:nvSpPr>
+        <p:spPr>
+          <a:xfrm>
+            <a:off x="395536" y="1844648"/>
+            <a:ext cx="1224136" cy="288032"/>
+          </a:xfrm>
+          <a:prstGeom prst="rect">
+            <a:avLst/>
+          </a:prstGeom>
+          <a:solidFill>
+            <a:srgbClr val="FFFFFF"/>
+          </a:solidFill>
+          <a:ln w="25560">
+            <a:solidFill>
+              <a:srgbClr val="000000"/>
+            </a:solidFill>
+            <a:round/>
+          </a:ln>
+        </p:spPr>
+      </p:sp>
+      <p:sp>
+        <p:nvSpPr>
+          <p:cNvPr id="26" name="CustomShape 3"/>
+          <p:cNvSpPr/>
+          <p:nvPr/>
+        </p:nvSpPr>
+        <p:spPr>
+          <a:xfrm>
+            <a:off x="1691680" y="1196752"/>
+            <a:ext cx="3312368" cy="288032"/>
+          </a:xfrm>
+          <a:prstGeom prst="rect">
+            <a:avLst/>
+          </a:prstGeom>
+          <a:solidFill>
+            <a:srgbClr val="FFFFFF"/>
+          </a:solidFill>
+          <a:ln w="25560">
+            <a:solidFill>
+              <a:srgbClr val="000000"/>
+            </a:solidFill>
+            <a:round/>
+          </a:ln>
+        </p:spPr>
+      </p:sp>
+      <p:sp>
+        <p:nvSpPr>
+          <p:cNvPr id="27" name="CustomShape 3"/>
+          <p:cNvSpPr/>
+          <p:nvPr/>
+        </p:nvSpPr>
+        <p:spPr>
+          <a:xfrm>
+            <a:off x="395536" y="1196752"/>
+            <a:ext cx="1224136" cy="288032"/>
+          </a:xfrm>
+          <a:prstGeom prst="rect">
+            <a:avLst/>
+          </a:prstGeom>
+          <a:solidFill>
+            <a:srgbClr val="FFFFFF"/>
+          </a:solidFill>
+          <a:ln w="25560">
+            <a:solidFill>
+              <a:srgbClr val="000000"/>
+            </a:solidFill>
+            <a:round/>
+          </a:ln>
+        </p:spPr>
+      </p:sp>
+    </p:spTree>
+  </p:cSld>
+  <p:clrMapOvr>
+    <a:masterClrMapping/>
+  </p:clrMapOvr>
+  <p:timing>
+    <p:tnLst>
+      <p:par>
+        <p:cTn id="1" dur="indefinite" restart="never" nodeType="tmRoot">
+          <p:childTnLst>
+            <p:seq>
+              <p:cTn id="2" nodeType="mainSeq"/>
+              <p:prevCondLst>
+                <p:cond evt="onPrev" delay="0">
+                  <p:tgtEl>
+                    <p:sldTgt/>
+                  </p:tgtEl>
+                </p:cond>
+              </p:prevCondLst>
+              <p:nextCondLst>
+                <p:cond evt="onNext" delay="0">
+                  <p:tgtEl>
+                    <p:sldTgt/>
+                  </p:tgtEl>
+                </p:cond>
+              </p:nextCondLst>
+            </p:seq>
+          </p:childTnLst>
+        </p:cTn>
+      </p:par>
+    </p:tnLst>
+  </p:timing>
+</p:sld>
+</file>
+
+<file path=ppt/slides/slide11.xml><?xml version="1.0" encoding="utf-8"?>
+<p:sld xmlns:a="http://schemas.openxmlformats.org/drawingml/2006/main" xmlns:r="http://schemas.openxmlformats.org/officeDocument/2006/relationships" xmlns:p="http://schemas.openxmlformats.org/presentationml/2006/main">
+  <p:cSld>
+    <p:spTree>
+      <p:nvGrpSpPr>
+        <p:cNvPr id="1" name=""/>
+        <p:cNvGrpSpPr/>
+        <p:nvPr/>
+      </p:nvGrpSpPr>
+      <p:grpSpPr>
+        <a:xfrm>
+          <a:off x="0" y="0"/>
+          <a:ext cx="0" cy="0"/>
+          <a:chOff x="0" y="0"/>
+          <a:chExt cx="0" cy="0"/>
+        </a:xfrm>
+      </p:grpSpPr>
+      <p:sp>
+        <p:nvSpPr>
+          <p:cNvPr id="234" name="TextShape 1"/>
+          <p:cNvSpPr txBox="1"/>
+          <p:nvPr/>
+        </p:nvSpPr>
+        <p:spPr>
+          <a:xfrm>
+            <a:off x="457200" y="89863"/>
+            <a:ext cx="8229240" cy="849600"/>
+          </a:xfrm>
+          <a:prstGeom prst="rect">
+            <a:avLst/>
+          </a:prstGeom>
+        </p:spPr>
+        <p:txBody>
+          <a:bodyPr anchor="ctr"/>
+          <a:lstStyle/>
+          <a:p>
+            <a:pPr algn="ctr">
+              <a:lnSpc>
+                <a:spcPct val="100000"/>
+              </a:lnSpc>
+            </a:pPr>
+            <a:r>
+              <a:rPr lang="pt-BR" sz="4400" dirty="0" smtClean="0">
+                <a:solidFill>
+                  <a:srgbClr val="000000"/>
+                </a:solidFill>
+                <a:latin typeface="Calibri"/>
+              </a:rPr>
+              <a:t>Liberar </a:t>
+            </a:r>
+            <a:r>
+              <a:rPr lang="pt-BR" sz="4400" dirty="0">
+                <a:solidFill>
+                  <a:srgbClr val="000000"/>
+                </a:solidFill>
+                <a:latin typeface="Calibri"/>
+              </a:rPr>
+              <a:t>Orçamento</a:t>
+            </a:r>
+            <a:endParaRPr dirty="0"/>
+          </a:p>
+        </p:txBody>
+      </p:sp>
+      <p:sp>
+        <p:nvSpPr>
+          <p:cNvPr id="235" name="CustomShape 2"/>
+          <p:cNvSpPr/>
+          <p:nvPr/>
+        </p:nvSpPr>
+        <p:spPr>
+          <a:xfrm>
+            <a:off x="2987824" y="5661672"/>
+            <a:ext cx="1367640" cy="575640"/>
+          </a:xfrm>
+          <a:prstGeom prst="rect">
+            <a:avLst/>
+          </a:prstGeom>
+          <a:solidFill>
+            <a:srgbClr val="C6D9F1"/>
+          </a:solidFill>
+          <a:ln w="25560">
+            <a:solidFill>
+              <a:srgbClr val="000000"/>
+            </a:solidFill>
+            <a:round/>
+          </a:ln>
+        </p:spPr>
+        <p:txBody>
+          <a:bodyPr lIns="90000" tIns="45000" rIns="90000" bIns="45000" anchor="ctr"/>
+          <a:lstStyle/>
+          <a:p>
+            <a:pPr algn="ctr">
+              <a:lnSpc>
+                <a:spcPct val="100000"/>
+              </a:lnSpc>
+            </a:pPr>
+            <a:r>
+              <a:rPr lang="pt-BR">
+                <a:solidFill>
+                  <a:srgbClr val="000000"/>
+                </a:solidFill>
+                <a:latin typeface="Calibri"/>
+              </a:rPr>
+              <a:t>Aprovar</a:t>
+            </a:r>
+            <a:endParaRPr/>
+          </a:p>
+        </p:txBody>
+      </p:sp>
+      <p:sp>
+        <p:nvSpPr>
+          <p:cNvPr id="236" name="CustomShape 3"/>
+          <p:cNvSpPr/>
+          <p:nvPr/>
+        </p:nvSpPr>
+        <p:spPr>
+          <a:xfrm>
+            <a:off x="4499824" y="5661672"/>
+            <a:ext cx="1367640" cy="575640"/>
+          </a:xfrm>
+          <a:prstGeom prst="rect">
+            <a:avLst/>
+          </a:prstGeom>
+          <a:solidFill>
+            <a:srgbClr val="C6D9F1"/>
+          </a:solidFill>
+          <a:ln w="25560">
+            <a:solidFill>
+              <a:srgbClr val="000000"/>
+            </a:solidFill>
+            <a:round/>
+          </a:ln>
+        </p:spPr>
+        <p:txBody>
+          <a:bodyPr lIns="90000" tIns="45000" rIns="90000" bIns="45000" anchor="ctr"/>
+          <a:lstStyle/>
+          <a:p>
+            <a:pPr algn="ctr">
+              <a:lnSpc>
+                <a:spcPct val="100000"/>
+              </a:lnSpc>
+            </a:pPr>
+            <a:r>
               <a:rPr lang="pt-BR" smtClean="0"/>
               <a:t>Reprovar</a:t>
             </a:r>
@@ -5017,7 +6692,7 @@
           <p:nvPr>
             <p:extLst>
               <p:ext uri="{D42A27DB-BD31-4B8C-83A1-F6EECF244321}">
-                <p14:modId xmlns:p14="http://schemas.microsoft.com/office/powerpoint/2010/main" xmlns="" val="2246381208"/>
+                <p14:modId xmlns="" xmlns:p14="http://schemas.microsoft.com/office/powerpoint/2010/main" val="2246381208"/>
               </p:ext>
             </p:extLst>
           </p:nvPr>
@@ -5590,15 +7265,8 @@
                 </a:solidFill>
                 <a:latin typeface="Calibri"/>
               </a:rPr>
-              <a:t>Código Cliente</a:t>
-            </a:r>
-          </a:p>
-          <a:p>
-            <a:pPr>
-              <a:lnSpc>
-                <a:spcPct val="100000"/>
-              </a:lnSpc>
-            </a:pPr>
+              <a:t>Código</a:t>
+            </a:r>
             <a:endParaRPr sz="2000" dirty="0"/>
           </a:p>
           <a:p>
@@ -5709,7 +7377,7 @@
         </p:nvSpPr>
         <p:spPr>
           <a:xfrm>
-            <a:off x="2051720" y="702499"/>
+            <a:off x="2123728" y="692696"/>
             <a:ext cx="1738536" cy="406440"/>
           </a:xfrm>
           <a:prstGeom prst="rect">
@@ -5736,7 +7404,7 @@
                 </a:solidFill>
                 <a:latin typeface="Calibri"/>
               </a:rPr>
-              <a:t>Nome:</a:t>
+              <a:t>Cliente</a:t>
             </a:r>
           </a:p>
           <a:p>
@@ -5907,7 +7575,7 @@
 </p:sld>
 </file>
 
-<file path=ppt/slides/slide11.xml><?xml version="1.0" encoding="utf-8"?>
+<file path=ppt/slides/slide12.xml><?xml version="1.0" encoding="utf-8"?>
 <p:sld xmlns:a="http://schemas.openxmlformats.org/drawingml/2006/main" xmlns:r="http://schemas.openxmlformats.org/officeDocument/2006/relationships" xmlns:p="http://schemas.openxmlformats.org/presentationml/2006/main">
   <p:cSld>
     <p:spTree>
@@ -6105,7 +7773,7 @@
           <p:nvPr>
             <p:extLst>
               <p:ext uri="{D42A27DB-BD31-4B8C-83A1-F6EECF244321}">
-                <p14:modId xmlns:p14="http://schemas.microsoft.com/office/powerpoint/2010/main" xmlns="" val="2060689164"/>
+                <p14:modId xmlns="" xmlns:p14="http://schemas.microsoft.com/office/powerpoint/2010/main" val="2060689164"/>
               </p:ext>
             </p:extLst>
           </p:nvPr>
@@ -6844,7 +8512,7 @@
     </p:spTree>
     <p:extLst>
       <p:ext uri="{BB962C8B-B14F-4D97-AF65-F5344CB8AC3E}">
-        <p14:creationId xmlns:p14="http://schemas.microsoft.com/office/powerpoint/2010/main" xmlns="" val="1497100592"/>
+        <p14:creationId xmlns="" xmlns:p14="http://schemas.microsoft.com/office/powerpoint/2010/main" val="1497100592"/>
       </p:ext>
     </p:extLst>
   </p:cSld>
@@ -6881,7 +8549,7 @@
 </p:sld>
 </file>
 
-<file path=ppt/slides/slide12.xml><?xml version="1.0" encoding="utf-8"?>
+<file path=ppt/slides/slide13.xml><?xml version="1.0" encoding="utf-8"?>
 <p:sld xmlns:a="http://schemas.openxmlformats.org/drawingml/2006/main" xmlns:r="http://schemas.openxmlformats.org/officeDocument/2006/relationships" xmlns:p="http://schemas.openxmlformats.org/presentationml/2006/main">
   <p:cSld>
     <p:spTree>
@@ -7256,7 +8924,7 @@
 </p:sld>
 </file>
 
-<file path=ppt/slides/slide13.xml><?xml version="1.0" encoding="utf-8"?>
+<file path=ppt/slides/slide14.xml><?xml version="1.0" encoding="utf-8"?>
 <p:sld xmlns:a="http://schemas.openxmlformats.org/drawingml/2006/main" xmlns:r="http://schemas.openxmlformats.org/officeDocument/2006/relationships" xmlns:p="http://schemas.openxmlformats.org/presentationml/2006/main">
   <p:cSld>
     <p:spTree>
@@ -7659,7 +9327,7 @@
 </p:sld>
 </file>
 
-<file path=ppt/slides/slide14.xml><?xml version="1.0" encoding="utf-8"?>
+<file path=ppt/slides/slide15.xml><?xml version="1.0" encoding="utf-8"?>
 <p:sld xmlns:a="http://schemas.openxmlformats.org/drawingml/2006/main" xmlns:r="http://schemas.openxmlformats.org/officeDocument/2006/relationships" xmlns:p="http://schemas.openxmlformats.org/presentationml/2006/main">
   <p:cSld>
     <p:spTree>
@@ -8405,7 +10073,7 @@
 </p:sld>
 </file>
 
-<file path=ppt/slides/slide15.xml><?xml version="1.0" encoding="utf-8"?>
+<file path=ppt/slides/slide16.xml><?xml version="1.0" encoding="utf-8"?>
 <p:sld xmlns:a="http://schemas.openxmlformats.org/drawingml/2006/main" xmlns:r="http://schemas.openxmlformats.org/officeDocument/2006/relationships" xmlns:p="http://schemas.openxmlformats.org/presentationml/2006/main">
   <p:cSld>
     <p:spTree>
@@ -8930,7 +10598,7 @@
 </p:sld>
 </file>
 
-<file path=ppt/slides/slide16.xml><?xml version="1.0" encoding="utf-8"?>
+<file path=ppt/slides/slide17.xml><?xml version="1.0" encoding="utf-8"?>
 <p:sld xmlns:a="http://schemas.openxmlformats.org/drawingml/2006/main" xmlns:r="http://schemas.openxmlformats.org/officeDocument/2006/relationships" xmlns:p="http://schemas.openxmlformats.org/presentationml/2006/main">
   <p:cSld>
     <p:spTree>
@@ -10919,6 +12587,28 @@
               </a:rPr>
               <a:t>( X ) Cadastrar Produtos </a:t>
             </a:r>
+            <a:endParaRPr lang="pt-BR" sz="2400" dirty="0" smtClean="0">
+              <a:solidFill>
+                <a:srgbClr val="000000"/>
+              </a:solidFill>
+              <a:latin typeface="Calibri"/>
+            </a:endParaRPr>
+          </a:p>
+          <a:p>
+            <a:pPr>
+              <a:lnSpc>
+                <a:spcPct val="100000"/>
+              </a:lnSpc>
+            </a:pPr>
+            <a:r>
+              <a:rPr lang="pt-BR" sz="2400" dirty="0" smtClean="0">
+                <a:solidFill>
+                  <a:srgbClr val="000000"/>
+                </a:solidFill>
+                <a:latin typeface="Calibri"/>
+              </a:rPr>
+              <a:t>( X ) Cadastrar Vendedor</a:t>
+            </a:r>
             <a:endParaRPr sz="2400" dirty="0"/>
           </a:p>
           <a:p>
@@ -12094,39 +13784,48 @@
               </a:lnSpc>
             </a:pPr>
             <a:r>
-              <a:rPr lang="pt-BR" sz="2000">
+              <a:rPr lang="pt-BR" sz="2000" dirty="0">
                 <a:solidFill>
                   <a:srgbClr val="000000"/>
                 </a:solidFill>
                 <a:latin typeface="Calibri"/>
               </a:rPr>
-              <a:t>Pessoa Juridica</a:t>
-            </a:r>
-            <a:endParaRPr sz="2000"/>
-          </a:p>
-          <a:p>
-            <a:pPr>
-              <a:lnSpc>
-                <a:spcPct val="100000"/>
-              </a:lnSpc>
-            </a:pPr>
-            <a:endParaRPr sz="2000"/>
-          </a:p>
-          <a:p>
-            <a:pPr>
-              <a:lnSpc>
-                <a:spcPct val="100000"/>
-              </a:lnSpc>
-            </a:pPr>
-            <a:endParaRPr sz="2000"/>
-          </a:p>
-          <a:p>
-            <a:pPr>
-              <a:lnSpc>
-                <a:spcPct val="100000"/>
-              </a:lnSpc>
-            </a:pPr>
-            <a:endParaRPr sz="2000"/>
+              <a:t>Pessoa </a:t>
+            </a:r>
+            <a:r>
+              <a:rPr lang="pt-BR" sz="2000" dirty="0" err="1">
+                <a:solidFill>
+                  <a:srgbClr val="000000"/>
+                </a:solidFill>
+                <a:latin typeface="Calibri"/>
+              </a:rPr>
+              <a:t>Juridica</a:t>
+            </a:r>
+            <a:endParaRPr sz="2000" dirty="0"/>
+          </a:p>
+          <a:p>
+            <a:pPr>
+              <a:lnSpc>
+                <a:spcPct val="100000"/>
+              </a:lnSpc>
+            </a:pPr>
+            <a:endParaRPr sz="2000" dirty="0"/>
+          </a:p>
+          <a:p>
+            <a:pPr>
+              <a:lnSpc>
+                <a:spcPct val="100000"/>
+              </a:lnSpc>
+            </a:pPr>
+            <a:endParaRPr sz="2000" dirty="0"/>
+          </a:p>
+          <a:p>
+            <a:pPr>
+              <a:lnSpc>
+                <a:spcPct val="100000"/>
+              </a:lnSpc>
+            </a:pPr>
+            <a:endParaRPr sz="2000" dirty="0"/>
           </a:p>
         </p:txBody>
       </p:sp>
@@ -13492,7 +15191,7 @@
         </p:nvSpPr>
         <p:spPr>
           <a:xfrm>
-            <a:off x="611880" y="5562856"/>
+            <a:off x="611880" y="5517232"/>
             <a:ext cx="3888000" cy="287648"/>
           </a:xfrm>
           <a:prstGeom prst="rect">
@@ -13508,6 +15207,56 @@
             <a:round/>
           </a:ln>
         </p:spPr>
+      </p:sp>
+      <p:sp>
+        <p:nvSpPr>
+          <p:cNvPr id="39" name="Botão de ação: Avançar ou Próximo 38">
+            <a:hlinkClick r:id="" action="ppaction://hlinkshowjump?jump=nextslide" highlightClick="1"/>
+          </p:cNvPr>
+          <p:cNvSpPr/>
+          <p:nvPr/>
+        </p:nvSpPr>
+        <p:spPr>
+          <a:xfrm rot="5400000">
+            <a:off x="4103948" y="5409220"/>
+            <a:ext cx="288032" cy="504056"/>
+          </a:xfrm>
+          <a:prstGeom prst="actionButtonForwardNext">
+            <a:avLst/>
+          </a:prstGeom>
+          <a:solidFill>
+            <a:schemeClr val="bg1"/>
+          </a:solidFill>
+          <a:ln>
+            <a:solidFill>
+              <a:schemeClr val="tx1"/>
+            </a:solidFill>
+          </a:ln>
+        </p:spPr>
+        <p:style>
+          <a:lnRef idx="2">
+            <a:schemeClr val="accent1">
+              <a:shade val="50000"/>
+            </a:schemeClr>
+          </a:lnRef>
+          <a:fillRef idx="1">
+            <a:schemeClr val="accent1"/>
+          </a:fillRef>
+          <a:effectRef idx="0">
+            <a:schemeClr val="accent1"/>
+          </a:effectRef>
+          <a:fontRef idx="minor">
+            <a:schemeClr val="lt1"/>
+          </a:fontRef>
+        </p:style>
+        <p:txBody>
+          <a:bodyPr rtlCol="0" anchor="ctr"/>
+          <a:lstStyle/>
+          <a:p>
+            <a:pPr algn="ctr"/>
+            <a:endParaRPr lang="pt-BR"/>
+          </a:p>
+        </p:txBody>
       </p:sp>
     </p:spTree>
   </p:cSld>
@@ -13563,109 +15312,14 @@
       </p:grpSpPr>
       <p:sp>
         <p:nvSpPr>
-          <p:cNvPr id="164" name="TextShape 1"/>
-          <p:cNvSpPr txBox="1"/>
-          <p:nvPr/>
-        </p:nvSpPr>
-        <p:spPr>
-          <a:xfrm>
-            <a:off x="457200" y="490704"/>
-            <a:ext cx="8229240" cy="633600"/>
-          </a:xfrm>
-          <a:prstGeom prst="rect">
-            <a:avLst/>
-          </a:prstGeom>
-        </p:spPr>
-        <p:txBody>
-          <a:bodyPr anchor="ctr"/>
-          <a:lstStyle/>
-          <a:p>
-            <a:pPr algn="ctr">
-              <a:lnSpc>
-                <a:spcPct val="100000"/>
-              </a:lnSpc>
-            </a:pPr>
-            <a:r>
-              <a:rPr lang="pt-BR" sz="4400" dirty="0">
-                <a:solidFill>
-                  <a:srgbClr val="000000"/>
-                </a:solidFill>
-                <a:latin typeface="Calibri"/>
-              </a:rPr>
-              <a:t>Cadastro de Grupo
-</a:t>
-            </a:r>
-            <a:endParaRPr dirty="0"/>
-          </a:p>
-        </p:txBody>
-      </p:sp>
-      <p:sp>
-        <p:nvSpPr>
-          <p:cNvPr id="165" name="CustomShape 2"/>
-          <p:cNvSpPr/>
-          <p:nvPr/>
-        </p:nvSpPr>
-        <p:spPr>
-          <a:xfrm>
-            <a:off x="467640" y="1005863"/>
-            <a:ext cx="2160000" cy="542161"/>
-          </a:xfrm>
-          <a:prstGeom prst="rect">
-            <a:avLst/>
-          </a:prstGeom>
-          <a:noFill/>
-          <a:ln>
-            <a:noFill/>
-          </a:ln>
-        </p:spPr>
-        <p:txBody>
-          <a:bodyPr/>
-          <a:lstStyle/>
-          <a:p>
-            <a:pPr>
-              <a:lnSpc>
-                <a:spcPct val="100000"/>
-              </a:lnSpc>
-            </a:pPr>
-            <a:r>
-              <a:rPr lang="pt-BR" sz="2400" dirty="0">
-                <a:solidFill>
-                  <a:srgbClr val="000000"/>
-                </a:solidFill>
-                <a:latin typeface="Calibri"/>
-              </a:rPr>
-              <a:t>Código</a:t>
-            </a:r>
-            <a:endParaRPr sz="2400" dirty="0"/>
-          </a:p>
-          <a:p>
-            <a:pPr>
-              <a:lnSpc>
-                <a:spcPct val="100000"/>
-              </a:lnSpc>
-            </a:pPr>
-            <a:endParaRPr sz="2400" dirty="0"/>
-          </a:p>
-          <a:p>
-            <a:pPr>
-              <a:lnSpc>
-                <a:spcPct val="100000"/>
-              </a:lnSpc>
-            </a:pPr>
-            <a:endParaRPr sz="2400" dirty="0"/>
-          </a:p>
-        </p:txBody>
-      </p:sp>
-      <p:sp>
-        <p:nvSpPr>
-          <p:cNvPr id="166" name="CustomShape 3"/>
-          <p:cNvSpPr/>
-          <p:nvPr/>
-        </p:nvSpPr>
-        <p:spPr>
-          <a:xfrm>
-            <a:off x="611640" y="1412776"/>
-            <a:ext cx="1404360" cy="287648"/>
+          <p:cNvPr id="127" name="CustomShape 1"/>
+          <p:cNvSpPr/>
+          <p:nvPr/>
+        </p:nvSpPr>
+        <p:spPr>
+          <a:xfrm>
+            <a:off x="2628240" y="1052736"/>
+            <a:ext cx="4104000" cy="251640"/>
           </a:xfrm>
           <a:prstGeom prst="rect">
             <a:avLst/>
@@ -13683,13 +15337,932 @@
       </p:sp>
       <p:sp>
         <p:nvSpPr>
-          <p:cNvPr id="167" name="CustomShape 4"/>
-          <p:cNvSpPr/>
-          <p:nvPr/>
-        </p:nvSpPr>
-        <p:spPr>
-          <a:xfrm>
-            <a:off x="899592" y="5949704"/>
+          <p:cNvPr id="128" name="CustomShape 2"/>
+          <p:cNvSpPr/>
+          <p:nvPr/>
+        </p:nvSpPr>
+        <p:spPr>
+          <a:xfrm>
+            <a:off x="2483768" y="692696"/>
+            <a:ext cx="5940538" cy="406440"/>
+          </a:xfrm>
+          <a:prstGeom prst="rect">
+            <a:avLst/>
+          </a:prstGeom>
+          <a:noFill/>
+          <a:ln>
+            <a:noFill/>
+          </a:ln>
+        </p:spPr>
+        <p:txBody>
+          <a:bodyPr/>
+          <a:lstStyle/>
+          <a:p>
+            <a:pPr>
+              <a:lnSpc>
+                <a:spcPct val="100000"/>
+              </a:lnSpc>
+            </a:pPr>
+            <a:r>
+              <a:rPr lang="pt-BR" sz="2000" dirty="0" smtClean="0">
+                <a:solidFill>
+                  <a:srgbClr val="000000"/>
+                </a:solidFill>
+                <a:latin typeface="Calibri"/>
+              </a:rPr>
+              <a:t>Nome</a:t>
+            </a:r>
+            <a:endParaRPr sz="2000" dirty="0"/>
+          </a:p>
+          <a:p>
+            <a:pPr>
+              <a:lnSpc>
+                <a:spcPct val="100000"/>
+              </a:lnSpc>
+            </a:pPr>
+            <a:endParaRPr sz="2000" dirty="0"/>
+          </a:p>
+          <a:p>
+            <a:pPr>
+              <a:lnSpc>
+                <a:spcPct val="100000"/>
+              </a:lnSpc>
+            </a:pPr>
+            <a:endParaRPr sz="2000" dirty="0"/>
+          </a:p>
+        </p:txBody>
+      </p:sp>
+      <p:sp>
+        <p:nvSpPr>
+          <p:cNvPr id="129" name="CustomShape 3"/>
+          <p:cNvSpPr/>
+          <p:nvPr/>
+        </p:nvSpPr>
+        <p:spPr>
+          <a:xfrm>
+            <a:off x="603728" y="1844824"/>
+            <a:ext cx="1952048" cy="216024"/>
+          </a:xfrm>
+          <a:prstGeom prst="rect">
+            <a:avLst/>
+          </a:prstGeom>
+          <a:solidFill>
+            <a:srgbClr val="FFFFFF"/>
+          </a:solidFill>
+          <a:ln w="25560">
+            <a:solidFill>
+              <a:srgbClr val="000000"/>
+            </a:solidFill>
+            <a:round/>
+          </a:ln>
+        </p:spPr>
+      </p:sp>
+      <p:sp>
+        <p:nvSpPr>
+          <p:cNvPr id="130" name="CustomShape 4"/>
+          <p:cNvSpPr/>
+          <p:nvPr/>
+        </p:nvSpPr>
+        <p:spPr>
+          <a:xfrm>
+            <a:off x="539552" y="1510232"/>
+            <a:ext cx="2829292" cy="406440"/>
+          </a:xfrm>
+          <a:prstGeom prst="rect">
+            <a:avLst/>
+          </a:prstGeom>
+          <a:noFill/>
+          <a:ln>
+            <a:noFill/>
+          </a:ln>
+        </p:spPr>
+        <p:txBody>
+          <a:bodyPr/>
+          <a:lstStyle/>
+          <a:p>
+            <a:pPr>
+              <a:lnSpc>
+                <a:spcPct val="100000"/>
+              </a:lnSpc>
+            </a:pPr>
+            <a:r>
+              <a:rPr lang="pt-BR" sz="2000" dirty="0" smtClean="0">
+                <a:solidFill>
+                  <a:srgbClr val="000000"/>
+                </a:solidFill>
+                <a:latin typeface="Calibri"/>
+              </a:rPr>
+              <a:t>CPF</a:t>
+            </a:r>
+            <a:endParaRPr sz="2000" dirty="0"/>
+          </a:p>
+          <a:p>
+            <a:pPr>
+              <a:lnSpc>
+                <a:spcPct val="100000"/>
+              </a:lnSpc>
+            </a:pPr>
+            <a:endParaRPr sz="2000" dirty="0"/>
+          </a:p>
+          <a:p>
+            <a:pPr>
+              <a:lnSpc>
+                <a:spcPct val="100000"/>
+              </a:lnSpc>
+            </a:pPr>
+            <a:endParaRPr sz="2000" dirty="0"/>
+          </a:p>
+          <a:p>
+            <a:pPr>
+              <a:lnSpc>
+                <a:spcPct val="100000"/>
+              </a:lnSpc>
+            </a:pPr>
+            <a:endParaRPr sz="2000" dirty="0"/>
+          </a:p>
+        </p:txBody>
+      </p:sp>
+      <p:sp>
+        <p:nvSpPr>
+          <p:cNvPr id="132" name="CustomShape 6"/>
+          <p:cNvSpPr/>
+          <p:nvPr/>
+        </p:nvSpPr>
+        <p:spPr>
+          <a:xfrm>
+            <a:off x="3635896" y="1819376"/>
+            <a:ext cx="1944000" cy="251640"/>
+          </a:xfrm>
+          <a:prstGeom prst="rect">
+            <a:avLst/>
+          </a:prstGeom>
+          <a:solidFill>
+            <a:srgbClr val="FFFFFF"/>
+          </a:solidFill>
+          <a:ln w="25560">
+            <a:solidFill>
+              <a:srgbClr val="000000"/>
+            </a:solidFill>
+            <a:round/>
+          </a:ln>
+        </p:spPr>
+      </p:sp>
+      <p:sp>
+        <p:nvSpPr>
+          <p:cNvPr id="133" name="CustomShape 7"/>
+          <p:cNvSpPr/>
+          <p:nvPr/>
+        </p:nvSpPr>
+        <p:spPr>
+          <a:xfrm>
+            <a:off x="2483440" y="1484784"/>
+            <a:ext cx="3024416" cy="406440"/>
+          </a:xfrm>
+          <a:prstGeom prst="rect">
+            <a:avLst/>
+          </a:prstGeom>
+          <a:noFill/>
+          <a:ln>
+            <a:noFill/>
+          </a:ln>
+        </p:spPr>
+        <p:txBody>
+          <a:bodyPr/>
+          <a:lstStyle/>
+          <a:p>
+            <a:pPr>
+              <a:lnSpc>
+                <a:spcPct val="100000"/>
+              </a:lnSpc>
+            </a:pPr>
+            <a:r>
+              <a:rPr lang="pt-BR" sz="2000" dirty="0">
+                <a:solidFill>
+                  <a:srgbClr val="000000"/>
+                </a:solidFill>
+                <a:latin typeface="Calibri"/>
+              </a:rPr>
+              <a:t>DDD / Telefone</a:t>
+            </a:r>
+            <a:endParaRPr sz="2000" dirty="0"/>
+          </a:p>
+          <a:p>
+            <a:pPr>
+              <a:lnSpc>
+                <a:spcPct val="100000"/>
+              </a:lnSpc>
+            </a:pPr>
+            <a:endParaRPr sz="2000" dirty="0"/>
+          </a:p>
+          <a:p>
+            <a:pPr>
+              <a:lnSpc>
+                <a:spcPct val="100000"/>
+              </a:lnSpc>
+            </a:pPr>
+            <a:endParaRPr sz="2000" dirty="0"/>
+          </a:p>
+          <a:p>
+            <a:pPr>
+              <a:lnSpc>
+                <a:spcPct val="100000"/>
+              </a:lnSpc>
+            </a:pPr>
+            <a:endParaRPr sz="2000" dirty="0"/>
+          </a:p>
+        </p:txBody>
+      </p:sp>
+      <p:sp>
+        <p:nvSpPr>
+          <p:cNvPr id="134" name="TextShape 8"/>
+          <p:cNvSpPr txBox="1"/>
+          <p:nvPr/>
+        </p:nvSpPr>
+        <p:spPr>
+          <a:xfrm>
+            <a:off x="457200" y="-27360"/>
+            <a:ext cx="8229240" cy="849600"/>
+          </a:xfrm>
+          <a:prstGeom prst="rect">
+            <a:avLst/>
+          </a:prstGeom>
+        </p:spPr>
+        <p:txBody>
+          <a:bodyPr anchor="ctr"/>
+          <a:lstStyle/>
+          <a:p>
+            <a:pPr algn="ctr">
+              <a:lnSpc>
+                <a:spcPct val="100000"/>
+              </a:lnSpc>
+            </a:pPr>
+            <a:r>
+              <a:rPr lang="pt-BR" sz="4400" dirty="0">
+                <a:solidFill>
+                  <a:srgbClr val="000000"/>
+                </a:solidFill>
+                <a:latin typeface="Calibri"/>
+              </a:rPr>
+              <a:t> Cadastro de </a:t>
+            </a:r>
+            <a:r>
+              <a:rPr lang="pt-BR" sz="4400" dirty="0" smtClean="0">
+                <a:solidFill>
+                  <a:srgbClr val="000000"/>
+                </a:solidFill>
+                <a:latin typeface="Calibri"/>
+              </a:rPr>
+              <a:t>Vendedor</a:t>
+            </a:r>
+            <a:endParaRPr dirty="0"/>
+          </a:p>
+        </p:txBody>
+      </p:sp>
+      <p:sp>
+        <p:nvSpPr>
+          <p:cNvPr id="138" name="CustomShape 12"/>
+          <p:cNvSpPr/>
+          <p:nvPr/>
+        </p:nvSpPr>
+        <p:spPr>
+          <a:xfrm>
+            <a:off x="2700088" y="1819376"/>
+            <a:ext cx="863640" cy="251640"/>
+          </a:xfrm>
+          <a:prstGeom prst="rect">
+            <a:avLst/>
+          </a:prstGeom>
+          <a:solidFill>
+            <a:srgbClr val="FFFFFF"/>
+          </a:solidFill>
+          <a:ln w="25560">
+            <a:solidFill>
+              <a:srgbClr val="000000"/>
+            </a:solidFill>
+            <a:round/>
+          </a:ln>
+        </p:spPr>
+      </p:sp>
+      <p:sp>
+        <p:nvSpPr>
+          <p:cNvPr id="139" name="CustomShape 13"/>
+          <p:cNvSpPr/>
+          <p:nvPr/>
+        </p:nvSpPr>
+        <p:spPr>
+          <a:xfrm>
+            <a:off x="539648" y="2806176"/>
+            <a:ext cx="2160000" cy="406440"/>
+          </a:xfrm>
+          <a:prstGeom prst="rect">
+            <a:avLst/>
+          </a:prstGeom>
+          <a:noFill/>
+          <a:ln>
+            <a:noFill/>
+          </a:ln>
+        </p:spPr>
+        <p:txBody>
+          <a:bodyPr/>
+          <a:lstStyle/>
+          <a:p>
+            <a:pPr>
+              <a:lnSpc>
+                <a:spcPct val="100000"/>
+              </a:lnSpc>
+            </a:pPr>
+            <a:r>
+              <a:rPr lang="pt-BR" sz="2000" dirty="0">
+                <a:solidFill>
+                  <a:srgbClr val="000000"/>
+                </a:solidFill>
+                <a:latin typeface="Calibri"/>
+              </a:rPr>
+              <a:t>Rua</a:t>
+            </a:r>
+            <a:endParaRPr sz="2000" dirty="0"/>
+          </a:p>
+          <a:p>
+            <a:pPr>
+              <a:lnSpc>
+                <a:spcPct val="100000"/>
+              </a:lnSpc>
+            </a:pPr>
+            <a:endParaRPr sz="2000" dirty="0"/>
+          </a:p>
+          <a:p>
+            <a:pPr>
+              <a:lnSpc>
+                <a:spcPct val="100000"/>
+              </a:lnSpc>
+            </a:pPr>
+            <a:endParaRPr sz="2000" dirty="0"/>
+          </a:p>
+        </p:txBody>
+      </p:sp>
+      <p:sp>
+        <p:nvSpPr>
+          <p:cNvPr id="140" name="CustomShape 14"/>
+          <p:cNvSpPr/>
+          <p:nvPr/>
+        </p:nvSpPr>
+        <p:spPr>
+          <a:xfrm>
+            <a:off x="611880" y="3114200"/>
+            <a:ext cx="3888000" cy="287648"/>
+          </a:xfrm>
+          <a:prstGeom prst="rect">
+            <a:avLst/>
+          </a:prstGeom>
+          <a:solidFill>
+            <a:srgbClr val="FFFFFF"/>
+          </a:solidFill>
+          <a:ln w="25560">
+            <a:solidFill>
+              <a:srgbClr val="000000"/>
+            </a:solidFill>
+            <a:round/>
+          </a:ln>
+        </p:spPr>
+      </p:sp>
+      <p:sp>
+        <p:nvSpPr>
+          <p:cNvPr id="141" name="CustomShape 15"/>
+          <p:cNvSpPr/>
+          <p:nvPr/>
+        </p:nvSpPr>
+        <p:spPr>
+          <a:xfrm>
+            <a:off x="4644008" y="2806536"/>
+            <a:ext cx="2160000" cy="406440"/>
+          </a:xfrm>
+          <a:prstGeom prst="rect">
+            <a:avLst/>
+          </a:prstGeom>
+          <a:noFill/>
+          <a:ln>
+            <a:noFill/>
+          </a:ln>
+        </p:spPr>
+        <p:txBody>
+          <a:bodyPr/>
+          <a:lstStyle/>
+          <a:p>
+            <a:pPr>
+              <a:lnSpc>
+                <a:spcPct val="100000"/>
+              </a:lnSpc>
+            </a:pPr>
+            <a:r>
+              <a:rPr lang="pt-BR" sz="2000" dirty="0">
+                <a:solidFill>
+                  <a:srgbClr val="000000"/>
+                </a:solidFill>
+                <a:latin typeface="Calibri"/>
+              </a:rPr>
+              <a:t>Numero</a:t>
+            </a:r>
+            <a:endParaRPr sz="2000" dirty="0"/>
+          </a:p>
+          <a:p>
+            <a:pPr>
+              <a:lnSpc>
+                <a:spcPct val="100000"/>
+              </a:lnSpc>
+            </a:pPr>
+            <a:endParaRPr sz="2000" dirty="0"/>
+          </a:p>
+          <a:p>
+            <a:pPr>
+              <a:lnSpc>
+                <a:spcPct val="100000"/>
+              </a:lnSpc>
+            </a:pPr>
+            <a:endParaRPr sz="2000" dirty="0"/>
+          </a:p>
+        </p:txBody>
+      </p:sp>
+      <p:sp>
+        <p:nvSpPr>
+          <p:cNvPr id="142" name="CustomShape 16"/>
+          <p:cNvSpPr/>
+          <p:nvPr/>
+        </p:nvSpPr>
+        <p:spPr>
+          <a:xfrm>
+            <a:off x="4788240" y="3114584"/>
+            <a:ext cx="1944000" cy="287648"/>
+          </a:xfrm>
+          <a:prstGeom prst="rect">
+            <a:avLst/>
+          </a:prstGeom>
+          <a:solidFill>
+            <a:srgbClr val="FFFFFF"/>
+          </a:solidFill>
+          <a:ln w="25560">
+            <a:solidFill>
+              <a:srgbClr val="000000"/>
+            </a:solidFill>
+            <a:round/>
+          </a:ln>
+        </p:spPr>
+      </p:sp>
+      <p:sp>
+        <p:nvSpPr>
+          <p:cNvPr id="143" name="CustomShape 17"/>
+          <p:cNvSpPr/>
+          <p:nvPr/>
+        </p:nvSpPr>
+        <p:spPr>
+          <a:xfrm>
+            <a:off x="539552" y="4102680"/>
+            <a:ext cx="4032448" cy="406440"/>
+          </a:xfrm>
+          <a:prstGeom prst="rect">
+            <a:avLst/>
+          </a:prstGeom>
+          <a:noFill/>
+          <a:ln>
+            <a:noFill/>
+          </a:ln>
+        </p:spPr>
+        <p:txBody>
+          <a:bodyPr/>
+          <a:lstStyle/>
+          <a:p>
+            <a:pPr>
+              <a:lnSpc>
+                <a:spcPct val="100000"/>
+              </a:lnSpc>
+            </a:pPr>
+            <a:r>
+              <a:rPr lang="pt-BR" sz="2000" dirty="0">
+                <a:solidFill>
+                  <a:srgbClr val="000000"/>
+                </a:solidFill>
+                <a:latin typeface="Calibri"/>
+              </a:rPr>
+              <a:t>Complemento</a:t>
+            </a:r>
+            <a:endParaRPr sz="2000" dirty="0"/>
+          </a:p>
+          <a:p>
+            <a:pPr>
+              <a:lnSpc>
+                <a:spcPct val="100000"/>
+              </a:lnSpc>
+            </a:pPr>
+            <a:endParaRPr sz="2000" dirty="0"/>
+          </a:p>
+          <a:p>
+            <a:pPr>
+              <a:lnSpc>
+                <a:spcPct val="100000"/>
+              </a:lnSpc>
+            </a:pPr>
+            <a:endParaRPr sz="2000" dirty="0"/>
+          </a:p>
+          <a:p>
+            <a:pPr>
+              <a:lnSpc>
+                <a:spcPct val="100000"/>
+              </a:lnSpc>
+            </a:pPr>
+            <a:endParaRPr sz="2000" dirty="0"/>
+          </a:p>
+        </p:txBody>
+      </p:sp>
+      <p:sp>
+        <p:nvSpPr>
+          <p:cNvPr id="144" name="CustomShape 18"/>
+          <p:cNvSpPr/>
+          <p:nvPr/>
+        </p:nvSpPr>
+        <p:spPr>
+          <a:xfrm>
+            <a:off x="611800" y="3762272"/>
+            <a:ext cx="3888000" cy="287648"/>
+          </a:xfrm>
+          <a:prstGeom prst="rect">
+            <a:avLst/>
+          </a:prstGeom>
+          <a:solidFill>
+            <a:srgbClr val="FFFFFF"/>
+          </a:solidFill>
+          <a:ln w="25560">
+            <a:solidFill>
+              <a:srgbClr val="000000"/>
+            </a:solidFill>
+            <a:round/>
+          </a:ln>
+        </p:spPr>
+      </p:sp>
+      <p:sp>
+        <p:nvSpPr>
+          <p:cNvPr id="145" name="CustomShape 19"/>
+          <p:cNvSpPr/>
+          <p:nvPr/>
+        </p:nvSpPr>
+        <p:spPr>
+          <a:xfrm>
+            <a:off x="539648" y="3429000"/>
+            <a:ext cx="2160000" cy="406440"/>
+          </a:xfrm>
+          <a:prstGeom prst="rect">
+            <a:avLst/>
+          </a:prstGeom>
+          <a:noFill/>
+          <a:ln>
+            <a:noFill/>
+          </a:ln>
+        </p:spPr>
+        <p:txBody>
+          <a:bodyPr/>
+          <a:lstStyle/>
+          <a:p>
+            <a:pPr>
+              <a:lnSpc>
+                <a:spcPct val="100000"/>
+              </a:lnSpc>
+            </a:pPr>
+            <a:r>
+              <a:rPr lang="pt-BR" sz="2000" dirty="0">
+                <a:solidFill>
+                  <a:srgbClr val="000000"/>
+                </a:solidFill>
+                <a:latin typeface="Calibri"/>
+              </a:rPr>
+              <a:t>Bairro</a:t>
+            </a:r>
+            <a:endParaRPr sz="2000" dirty="0"/>
+          </a:p>
+          <a:p>
+            <a:pPr>
+              <a:lnSpc>
+                <a:spcPct val="100000"/>
+              </a:lnSpc>
+            </a:pPr>
+            <a:endParaRPr sz="2000" dirty="0"/>
+          </a:p>
+          <a:p>
+            <a:pPr>
+              <a:lnSpc>
+                <a:spcPct val="100000"/>
+              </a:lnSpc>
+            </a:pPr>
+            <a:endParaRPr sz="2000" dirty="0"/>
+          </a:p>
+          <a:p>
+            <a:pPr>
+              <a:lnSpc>
+                <a:spcPct val="100000"/>
+              </a:lnSpc>
+            </a:pPr>
+            <a:endParaRPr sz="2000" dirty="0"/>
+          </a:p>
+        </p:txBody>
+      </p:sp>
+      <p:sp>
+        <p:nvSpPr>
+          <p:cNvPr id="146" name="CustomShape 20"/>
+          <p:cNvSpPr/>
+          <p:nvPr/>
+        </p:nvSpPr>
+        <p:spPr>
+          <a:xfrm>
+            <a:off x="611880" y="4410728"/>
+            <a:ext cx="3888000" cy="287648"/>
+          </a:xfrm>
+          <a:prstGeom prst="rect">
+            <a:avLst/>
+          </a:prstGeom>
+          <a:solidFill>
+            <a:srgbClr val="FFFFFF"/>
+          </a:solidFill>
+          <a:ln w="25560">
+            <a:solidFill>
+              <a:srgbClr val="000000"/>
+            </a:solidFill>
+            <a:round/>
+          </a:ln>
+        </p:spPr>
+      </p:sp>
+      <p:sp>
+        <p:nvSpPr>
+          <p:cNvPr id="147" name="CustomShape 21"/>
+          <p:cNvSpPr/>
+          <p:nvPr/>
+        </p:nvSpPr>
+        <p:spPr>
+          <a:xfrm>
+            <a:off x="2555776" y="2158464"/>
+            <a:ext cx="2160000" cy="406440"/>
+          </a:xfrm>
+          <a:prstGeom prst="rect">
+            <a:avLst/>
+          </a:prstGeom>
+          <a:noFill/>
+          <a:ln>
+            <a:noFill/>
+          </a:ln>
+        </p:spPr>
+        <p:txBody>
+          <a:bodyPr/>
+          <a:lstStyle/>
+          <a:p>
+            <a:pPr>
+              <a:lnSpc>
+                <a:spcPct val="100000"/>
+              </a:lnSpc>
+            </a:pPr>
+            <a:r>
+              <a:rPr lang="pt-BR" sz="2000" dirty="0">
+                <a:solidFill>
+                  <a:srgbClr val="000000"/>
+                </a:solidFill>
+                <a:latin typeface="Calibri"/>
+              </a:rPr>
+              <a:t>CIDADE</a:t>
+            </a:r>
+            <a:endParaRPr sz="2000" dirty="0"/>
+          </a:p>
+          <a:p>
+            <a:pPr>
+              <a:lnSpc>
+                <a:spcPct val="100000"/>
+              </a:lnSpc>
+            </a:pPr>
+            <a:endParaRPr sz="2000" dirty="0"/>
+          </a:p>
+          <a:p>
+            <a:pPr>
+              <a:lnSpc>
+                <a:spcPct val="100000"/>
+              </a:lnSpc>
+            </a:pPr>
+            <a:endParaRPr sz="2000" dirty="0"/>
+          </a:p>
+        </p:txBody>
+      </p:sp>
+      <p:sp>
+        <p:nvSpPr>
+          <p:cNvPr id="148" name="CustomShape 22"/>
+          <p:cNvSpPr/>
+          <p:nvPr/>
+        </p:nvSpPr>
+        <p:spPr>
+          <a:xfrm>
+            <a:off x="2699880" y="2492896"/>
+            <a:ext cx="1800112" cy="288032"/>
+          </a:xfrm>
+          <a:prstGeom prst="rect">
+            <a:avLst/>
+          </a:prstGeom>
+          <a:solidFill>
+            <a:srgbClr val="FFFFFF"/>
+          </a:solidFill>
+          <a:ln w="25560">
+            <a:solidFill>
+              <a:srgbClr val="000000"/>
+            </a:solidFill>
+            <a:round/>
+          </a:ln>
+        </p:spPr>
+        <p:txBody>
+          <a:bodyPr lIns="90000" tIns="45000" rIns="90000" bIns="45000" anchor="ctr"/>
+          <a:lstStyle/>
+          <a:p>
+            <a:pPr algn="ctr">
+              <a:lnSpc>
+                <a:spcPct val="100000"/>
+              </a:lnSpc>
+            </a:pPr>
+            <a:r>
+              <a:rPr lang="pt-BR" sz="2000">
+                <a:solidFill>
+                  <a:srgbClr val="FFFFFF"/>
+                </a:solidFill>
+                <a:latin typeface="Calibri"/>
+              </a:rPr>
+              <a:t>//</a:t>
+            </a:r>
+            <a:endParaRPr sz="2000"/>
+          </a:p>
+        </p:txBody>
+      </p:sp>
+      <p:sp>
+        <p:nvSpPr>
+          <p:cNvPr id="149" name="CustomShape 23"/>
+          <p:cNvSpPr/>
+          <p:nvPr/>
+        </p:nvSpPr>
+        <p:spPr>
+          <a:xfrm>
+            <a:off x="4644008" y="2158464"/>
+            <a:ext cx="2160000" cy="406440"/>
+          </a:xfrm>
+          <a:prstGeom prst="rect">
+            <a:avLst/>
+          </a:prstGeom>
+          <a:noFill/>
+          <a:ln>
+            <a:noFill/>
+          </a:ln>
+        </p:spPr>
+        <p:txBody>
+          <a:bodyPr/>
+          <a:lstStyle/>
+          <a:p>
+            <a:pPr>
+              <a:lnSpc>
+                <a:spcPct val="100000"/>
+              </a:lnSpc>
+            </a:pPr>
+            <a:r>
+              <a:rPr lang="pt-BR" sz="2000">
+                <a:solidFill>
+                  <a:srgbClr val="000000"/>
+                </a:solidFill>
+                <a:latin typeface="Calibri"/>
+              </a:rPr>
+              <a:t>Estado</a:t>
+            </a:r>
+            <a:endParaRPr sz="2000"/>
+          </a:p>
+          <a:p>
+            <a:pPr>
+              <a:lnSpc>
+                <a:spcPct val="100000"/>
+              </a:lnSpc>
+            </a:pPr>
+            <a:endParaRPr sz="2000"/>
+          </a:p>
+          <a:p>
+            <a:pPr>
+              <a:lnSpc>
+                <a:spcPct val="100000"/>
+              </a:lnSpc>
+            </a:pPr>
+            <a:endParaRPr sz="2000"/>
+          </a:p>
+        </p:txBody>
+      </p:sp>
+      <p:sp>
+        <p:nvSpPr>
+          <p:cNvPr id="150" name="CustomShape 24"/>
+          <p:cNvSpPr/>
+          <p:nvPr/>
+        </p:nvSpPr>
+        <p:spPr>
+          <a:xfrm>
+            <a:off x="4780320" y="2492896"/>
+            <a:ext cx="1944000" cy="287648"/>
+          </a:xfrm>
+          <a:prstGeom prst="rect">
+            <a:avLst/>
+          </a:prstGeom>
+          <a:solidFill>
+            <a:srgbClr val="FFFFFF"/>
+          </a:solidFill>
+          <a:ln w="25560">
+            <a:solidFill>
+              <a:srgbClr val="000000"/>
+            </a:solidFill>
+            <a:round/>
+          </a:ln>
+        </p:spPr>
+      </p:sp>
+      <p:sp>
+        <p:nvSpPr>
+          <p:cNvPr id="151" name="CustomShape 25"/>
+          <p:cNvSpPr/>
+          <p:nvPr/>
+        </p:nvSpPr>
+        <p:spPr>
+          <a:xfrm>
+            <a:off x="467544" y="2158464"/>
+            <a:ext cx="2160000" cy="406440"/>
+          </a:xfrm>
+          <a:prstGeom prst="rect">
+            <a:avLst/>
+          </a:prstGeom>
+          <a:noFill/>
+          <a:ln>
+            <a:noFill/>
+          </a:ln>
+        </p:spPr>
+        <p:txBody>
+          <a:bodyPr/>
+          <a:lstStyle/>
+          <a:p>
+            <a:pPr>
+              <a:lnSpc>
+                <a:spcPct val="100000"/>
+              </a:lnSpc>
+            </a:pPr>
+            <a:r>
+              <a:rPr lang="pt-BR" sz="2000" dirty="0">
+                <a:solidFill>
+                  <a:srgbClr val="000000"/>
+                </a:solidFill>
+                <a:latin typeface="Calibri"/>
+              </a:rPr>
+              <a:t>CEP</a:t>
+            </a:r>
+            <a:endParaRPr sz="2000" dirty="0"/>
+          </a:p>
+          <a:p>
+            <a:pPr>
+              <a:lnSpc>
+                <a:spcPct val="100000"/>
+              </a:lnSpc>
+            </a:pPr>
+            <a:endParaRPr sz="2000" dirty="0"/>
+          </a:p>
+          <a:p>
+            <a:pPr>
+              <a:lnSpc>
+                <a:spcPct val="100000"/>
+              </a:lnSpc>
+            </a:pPr>
+            <a:endParaRPr sz="2000" dirty="0"/>
+          </a:p>
+        </p:txBody>
+      </p:sp>
+      <p:sp>
+        <p:nvSpPr>
+          <p:cNvPr id="152" name="CustomShape 26"/>
+          <p:cNvSpPr/>
+          <p:nvPr/>
+        </p:nvSpPr>
+        <p:spPr>
+          <a:xfrm>
+            <a:off x="603960" y="2492896"/>
+            <a:ext cx="1944000" cy="287648"/>
+          </a:xfrm>
+          <a:prstGeom prst="rect">
+            <a:avLst/>
+          </a:prstGeom>
+          <a:solidFill>
+            <a:srgbClr val="FFFFFF"/>
+          </a:solidFill>
+          <a:ln w="25560">
+            <a:solidFill>
+              <a:srgbClr val="000000"/>
+            </a:solidFill>
+            <a:round/>
+          </a:ln>
+        </p:spPr>
+      </p:sp>
+      <p:sp>
+        <p:nvSpPr>
+          <p:cNvPr id="153" name="CustomShape 27"/>
+          <p:cNvSpPr/>
+          <p:nvPr/>
+        </p:nvSpPr>
+        <p:spPr>
+          <a:xfrm>
+            <a:off x="971640" y="6093360"/>
             <a:ext cx="1367640" cy="575640"/>
           </a:xfrm>
           <a:prstGeom prst="rect">
@@ -13729,13 +16302,13 @@
       </p:sp>
       <p:sp>
         <p:nvSpPr>
-          <p:cNvPr id="168" name="CustomShape 5"/>
-          <p:cNvSpPr/>
-          <p:nvPr/>
-        </p:nvSpPr>
-        <p:spPr>
-          <a:xfrm>
-            <a:off x="2411592" y="5949704"/>
+          <p:cNvPr id="154" name="CustomShape 28"/>
+          <p:cNvSpPr/>
+          <p:nvPr/>
+        </p:nvSpPr>
+        <p:spPr>
+          <a:xfrm>
+            <a:off x="2483640" y="6093360"/>
             <a:ext cx="1367640" cy="575640"/>
           </a:xfrm>
           <a:prstGeom prst="rect">
@@ -13775,13 +16348,13 @@
       </p:sp>
       <p:sp>
         <p:nvSpPr>
-          <p:cNvPr id="169" name="CustomShape 6"/>
-          <p:cNvSpPr/>
-          <p:nvPr/>
-        </p:nvSpPr>
-        <p:spPr>
-          <a:xfrm>
-            <a:off x="3923952" y="5949704"/>
+          <p:cNvPr id="155" name="CustomShape 29"/>
+          <p:cNvSpPr/>
+          <p:nvPr/>
+        </p:nvSpPr>
+        <p:spPr>
+          <a:xfrm>
+            <a:off x="3996000" y="6093360"/>
             <a:ext cx="1367640" cy="575640"/>
           </a:xfrm>
           <a:prstGeom prst="rect">
@@ -13821,13 +16394,13 @@
       </p:sp>
       <p:sp>
         <p:nvSpPr>
-          <p:cNvPr id="170" name="CustomShape 7"/>
-          <p:cNvSpPr/>
-          <p:nvPr/>
-        </p:nvSpPr>
-        <p:spPr>
-          <a:xfrm>
-            <a:off x="5435952" y="5949704"/>
+          <p:cNvPr id="156" name="CustomShape 30"/>
+          <p:cNvSpPr/>
+          <p:nvPr/>
+        </p:nvSpPr>
+        <p:spPr>
+          <a:xfrm>
+            <a:off x="5508000" y="6093360"/>
             <a:ext cx="1367640" cy="575640"/>
           </a:xfrm>
           <a:prstGeom prst="rect">
@@ -13867,13 +16440,13 @@
       </p:sp>
       <p:sp>
         <p:nvSpPr>
-          <p:cNvPr id="171" name="CustomShape 8"/>
-          <p:cNvSpPr/>
-          <p:nvPr/>
-        </p:nvSpPr>
-        <p:spPr>
-          <a:xfrm>
-            <a:off x="6948312" y="5949704"/>
+          <p:cNvPr id="157" name="CustomShape 31"/>
+          <p:cNvSpPr/>
+          <p:nvPr/>
+        </p:nvSpPr>
+        <p:spPr>
+          <a:xfrm>
+            <a:off x="7020360" y="6093360"/>
             <a:ext cx="1367640" cy="575640"/>
           </a:xfrm>
           <a:prstGeom prst="rect">
@@ -13913,14 +16486,14 @@
       </p:sp>
       <p:sp>
         <p:nvSpPr>
-          <p:cNvPr id="172" name="CustomShape 9"/>
-          <p:cNvSpPr/>
-          <p:nvPr/>
-        </p:nvSpPr>
-        <p:spPr>
-          <a:xfrm>
-            <a:off x="2295531" y="992332"/>
-            <a:ext cx="2160000" cy="542161"/>
+          <p:cNvPr id="160" name="CustomShape 34"/>
+          <p:cNvSpPr/>
+          <p:nvPr/>
+        </p:nvSpPr>
+        <p:spPr>
+          <a:xfrm>
+            <a:off x="467544" y="692696"/>
+            <a:ext cx="2926854" cy="406440"/>
           </a:xfrm>
           <a:prstGeom prst="rect">
             <a:avLst/>
@@ -13940,44 +16513,44 @@
               </a:lnSpc>
             </a:pPr>
             <a:r>
-              <a:rPr lang="pt-BR" sz="2400" dirty="0">
+              <a:rPr lang="pt-BR" sz="2000" dirty="0">
                 <a:solidFill>
                   <a:srgbClr val="000000"/>
                 </a:solidFill>
                 <a:latin typeface="Calibri"/>
               </a:rPr>
-              <a:t>Descrição</a:t>
-            </a:r>
-            <a:endParaRPr sz="2400" dirty="0"/>
-          </a:p>
-          <a:p>
-            <a:pPr>
-              <a:lnSpc>
-                <a:spcPct val="100000"/>
-              </a:lnSpc>
-            </a:pPr>
-            <a:endParaRPr sz="2400" dirty="0"/>
-          </a:p>
-          <a:p>
-            <a:pPr>
-              <a:lnSpc>
-                <a:spcPct val="100000"/>
-              </a:lnSpc>
-            </a:pPr>
-            <a:endParaRPr sz="2400" dirty="0"/>
-          </a:p>
-        </p:txBody>
-      </p:sp>
-      <p:sp>
-        <p:nvSpPr>
-          <p:cNvPr id="173" name="CustomShape 10"/>
-          <p:cNvSpPr/>
-          <p:nvPr/>
-        </p:nvSpPr>
-        <p:spPr>
-          <a:xfrm>
-            <a:off x="2439627" y="1390861"/>
-            <a:ext cx="4536000" cy="287648"/>
+              <a:t>Código</a:t>
+            </a:r>
+            <a:endParaRPr sz="2000" dirty="0"/>
+          </a:p>
+          <a:p>
+            <a:pPr>
+              <a:lnSpc>
+                <a:spcPct val="100000"/>
+              </a:lnSpc>
+            </a:pPr>
+            <a:endParaRPr sz="2000" dirty="0"/>
+          </a:p>
+          <a:p>
+            <a:pPr>
+              <a:lnSpc>
+                <a:spcPct val="100000"/>
+              </a:lnSpc>
+            </a:pPr>
+            <a:endParaRPr sz="2000" dirty="0"/>
+          </a:p>
+        </p:txBody>
+      </p:sp>
+      <p:sp>
+        <p:nvSpPr>
+          <p:cNvPr id="161" name="CustomShape 35"/>
+          <p:cNvSpPr/>
+          <p:nvPr/>
+        </p:nvSpPr>
+        <p:spPr>
+          <a:xfrm>
+            <a:off x="612240" y="1077936"/>
+            <a:ext cx="1944000" cy="215640"/>
           </a:xfrm>
           <a:prstGeom prst="rect">
             <a:avLst/>
@@ -13992,6 +16565,335 @@
             <a:round/>
           </a:ln>
         </p:spPr>
+      </p:sp>
+      <p:sp>
+        <p:nvSpPr>
+          <p:cNvPr id="40" name="CustomShape 17"/>
+          <p:cNvSpPr/>
+          <p:nvPr/>
+        </p:nvSpPr>
+        <p:spPr>
+          <a:xfrm>
+            <a:off x="539552" y="4725144"/>
+            <a:ext cx="4032448" cy="406440"/>
+          </a:xfrm>
+          <a:prstGeom prst="rect">
+            <a:avLst/>
+          </a:prstGeom>
+          <a:noFill/>
+          <a:ln>
+            <a:noFill/>
+          </a:ln>
+        </p:spPr>
+        <p:txBody>
+          <a:bodyPr/>
+          <a:lstStyle/>
+          <a:p>
+            <a:pPr>
+              <a:lnSpc>
+                <a:spcPct val="100000"/>
+              </a:lnSpc>
+            </a:pPr>
+            <a:r>
+              <a:rPr lang="pt-BR" sz="2000" dirty="0" smtClean="0">
+                <a:solidFill>
+                  <a:srgbClr val="000000"/>
+                </a:solidFill>
+                <a:latin typeface="Calibri"/>
+              </a:rPr>
+              <a:t>Usu</a:t>
+            </a:r>
+            <a:r>
+              <a:rPr lang="pt-BR" sz="2000" dirty="0" smtClean="0">
+                <a:solidFill>
+                  <a:srgbClr val="000000"/>
+                </a:solidFill>
+                <a:latin typeface="Calibri"/>
+              </a:rPr>
+              <a:t>ário</a:t>
+            </a:r>
+            <a:endParaRPr sz="2000" dirty="0"/>
+          </a:p>
+          <a:p>
+            <a:pPr>
+              <a:lnSpc>
+                <a:spcPct val="100000"/>
+              </a:lnSpc>
+            </a:pPr>
+            <a:endParaRPr sz="2000" dirty="0"/>
+          </a:p>
+          <a:p>
+            <a:pPr>
+              <a:lnSpc>
+                <a:spcPct val="100000"/>
+              </a:lnSpc>
+            </a:pPr>
+            <a:endParaRPr sz="2000" dirty="0"/>
+          </a:p>
+          <a:p>
+            <a:pPr>
+              <a:lnSpc>
+                <a:spcPct val="100000"/>
+              </a:lnSpc>
+            </a:pPr>
+            <a:endParaRPr sz="2000" dirty="0"/>
+          </a:p>
+        </p:txBody>
+      </p:sp>
+      <p:sp>
+        <p:nvSpPr>
+          <p:cNvPr id="41" name="CustomShape 20"/>
+          <p:cNvSpPr/>
+          <p:nvPr/>
+        </p:nvSpPr>
+        <p:spPr>
+          <a:xfrm>
+            <a:off x="611560" y="5085184"/>
+            <a:ext cx="3888000" cy="287648"/>
+          </a:xfrm>
+          <a:prstGeom prst="rect">
+            <a:avLst/>
+          </a:prstGeom>
+          <a:solidFill>
+            <a:srgbClr val="FFFFFF"/>
+          </a:solidFill>
+          <a:ln w="25560">
+            <a:solidFill>
+              <a:srgbClr val="000000"/>
+            </a:solidFill>
+            <a:round/>
+          </a:ln>
+        </p:spPr>
+      </p:sp>
+      <p:sp>
+        <p:nvSpPr>
+          <p:cNvPr id="44" name="CustomShape 5"/>
+          <p:cNvSpPr/>
+          <p:nvPr/>
+        </p:nvSpPr>
+        <p:spPr>
+          <a:xfrm>
+            <a:off x="5148064" y="4725144"/>
+            <a:ext cx="2829292" cy="406440"/>
+          </a:xfrm>
+          <a:prstGeom prst="rect">
+            <a:avLst/>
+          </a:prstGeom>
+          <a:noFill/>
+          <a:ln>
+            <a:noFill/>
+          </a:ln>
+        </p:spPr>
+        <p:txBody>
+          <a:bodyPr/>
+          <a:lstStyle/>
+          <a:p>
+            <a:pPr>
+              <a:lnSpc>
+                <a:spcPct val="100000"/>
+              </a:lnSpc>
+            </a:pPr>
+            <a:r>
+              <a:rPr lang="pt-BR" sz="2000" dirty="0" smtClean="0">
+                <a:solidFill>
+                  <a:srgbClr val="000000"/>
+                </a:solidFill>
+                <a:latin typeface="Calibri"/>
+              </a:rPr>
+              <a:t>Vendedor</a:t>
+            </a:r>
+            <a:endParaRPr sz="2000" dirty="0"/>
+          </a:p>
+          <a:p>
+            <a:pPr>
+              <a:lnSpc>
+                <a:spcPct val="100000"/>
+              </a:lnSpc>
+            </a:pPr>
+            <a:endParaRPr sz="2000" dirty="0"/>
+          </a:p>
+          <a:p>
+            <a:pPr>
+              <a:lnSpc>
+                <a:spcPct val="100000"/>
+              </a:lnSpc>
+            </a:pPr>
+            <a:endParaRPr sz="2000" dirty="0"/>
+          </a:p>
+          <a:p>
+            <a:pPr>
+              <a:lnSpc>
+                <a:spcPct val="100000"/>
+              </a:lnSpc>
+            </a:pPr>
+            <a:endParaRPr sz="2000" dirty="0"/>
+          </a:p>
+        </p:txBody>
+      </p:sp>
+      <p:sp>
+        <p:nvSpPr>
+          <p:cNvPr id="45" name="CustomShape 9"/>
+          <p:cNvSpPr/>
+          <p:nvPr/>
+        </p:nvSpPr>
+        <p:spPr>
+          <a:xfrm>
+            <a:off x="4953100" y="5165008"/>
+            <a:ext cx="215640" cy="215640"/>
+          </a:xfrm>
+          <a:prstGeom prst="ellipse">
+            <a:avLst/>
+          </a:prstGeom>
+          <a:solidFill>
+            <a:srgbClr val="FFFFFF"/>
+          </a:solidFill>
+          <a:ln w="25560">
+            <a:solidFill>
+              <a:srgbClr val="000000"/>
+            </a:solidFill>
+            <a:round/>
+          </a:ln>
+        </p:spPr>
+      </p:sp>
+      <p:sp>
+        <p:nvSpPr>
+          <p:cNvPr id="46" name="CustomShape 10"/>
+          <p:cNvSpPr/>
+          <p:nvPr/>
+        </p:nvSpPr>
+        <p:spPr>
+          <a:xfrm>
+            <a:off x="5148064" y="5046272"/>
+            <a:ext cx="2829292" cy="406440"/>
+          </a:xfrm>
+          <a:prstGeom prst="rect">
+            <a:avLst/>
+          </a:prstGeom>
+          <a:noFill/>
+          <a:ln>
+            <a:noFill/>
+          </a:ln>
+        </p:spPr>
+        <p:txBody>
+          <a:bodyPr/>
+          <a:lstStyle/>
+          <a:p>
+            <a:pPr>
+              <a:lnSpc>
+                <a:spcPct val="100000"/>
+              </a:lnSpc>
+            </a:pPr>
+            <a:r>
+              <a:rPr lang="pt-BR" sz="2000" dirty="0" smtClean="0">
+                <a:solidFill>
+                  <a:srgbClr val="000000"/>
+                </a:solidFill>
+                <a:latin typeface="Calibri"/>
+              </a:rPr>
+              <a:t>Supervisor</a:t>
+            </a:r>
+            <a:endParaRPr sz="2000" dirty="0"/>
+          </a:p>
+          <a:p>
+            <a:pPr>
+              <a:lnSpc>
+                <a:spcPct val="100000"/>
+              </a:lnSpc>
+            </a:pPr>
+            <a:endParaRPr sz="2000" dirty="0"/>
+          </a:p>
+          <a:p>
+            <a:pPr>
+              <a:lnSpc>
+                <a:spcPct val="100000"/>
+              </a:lnSpc>
+            </a:pPr>
+            <a:endParaRPr sz="2000" dirty="0"/>
+          </a:p>
+          <a:p>
+            <a:pPr>
+              <a:lnSpc>
+                <a:spcPct val="100000"/>
+              </a:lnSpc>
+            </a:pPr>
+            <a:endParaRPr sz="2000" dirty="0"/>
+          </a:p>
+        </p:txBody>
+      </p:sp>
+      <p:sp>
+        <p:nvSpPr>
+          <p:cNvPr id="47" name="CustomShape 11"/>
+          <p:cNvSpPr/>
+          <p:nvPr/>
+        </p:nvSpPr>
+        <p:spPr>
+          <a:xfrm>
+            <a:off x="4953100" y="4804640"/>
+            <a:ext cx="215640" cy="215640"/>
+          </a:xfrm>
+          <a:prstGeom prst="ellipse">
+            <a:avLst/>
+          </a:prstGeom>
+          <a:solidFill>
+            <a:srgbClr val="000000"/>
+          </a:solidFill>
+          <a:ln w="25560">
+            <a:solidFill>
+              <a:srgbClr val="000000"/>
+            </a:solidFill>
+            <a:round/>
+          </a:ln>
+        </p:spPr>
+      </p:sp>
+      <p:sp>
+        <p:nvSpPr>
+          <p:cNvPr id="39" name="Botão de ação: Avançar ou Próximo 38">
+            <a:hlinkClick r:id="" action="ppaction://hlinkshowjump?jump=nextslide" highlightClick="1"/>
+          </p:cNvPr>
+          <p:cNvSpPr/>
+          <p:nvPr/>
+        </p:nvSpPr>
+        <p:spPr>
+          <a:xfrm rot="5400000">
+            <a:off x="4103948" y="4977172"/>
+            <a:ext cx="288032" cy="504056"/>
+          </a:xfrm>
+          <a:prstGeom prst="actionButtonForwardNext">
+            <a:avLst/>
+          </a:prstGeom>
+          <a:solidFill>
+            <a:schemeClr val="bg1"/>
+          </a:solidFill>
+          <a:ln>
+            <a:solidFill>
+              <a:schemeClr val="tx1"/>
+            </a:solidFill>
+          </a:ln>
+        </p:spPr>
+        <p:style>
+          <a:lnRef idx="2">
+            <a:schemeClr val="accent1">
+              <a:shade val="50000"/>
+            </a:schemeClr>
+          </a:lnRef>
+          <a:fillRef idx="1">
+            <a:schemeClr val="accent1"/>
+          </a:fillRef>
+          <a:effectRef idx="0">
+            <a:schemeClr val="accent1"/>
+          </a:effectRef>
+          <a:fontRef idx="minor">
+            <a:schemeClr val="lt1"/>
+          </a:fontRef>
+        </p:style>
+        <p:txBody>
+          <a:bodyPr rtlCol="0" anchor="ctr"/>
+          <a:lstStyle/>
+          <a:p>
+            <a:pPr algn="ctr"/>
+            <a:endParaRPr lang="pt-BR"/>
+          </a:p>
+        </p:txBody>
       </p:sp>
     </p:spTree>
   </p:cSld>
@@ -14047,7 +16949,7 @@
       </p:grpSpPr>
       <p:sp>
         <p:nvSpPr>
-          <p:cNvPr id="174" name="TextShape 1"/>
+          <p:cNvPr id="164" name="TextShape 1"/>
           <p:cNvSpPr txBox="1"/>
           <p:nvPr/>
         </p:nvSpPr>
@@ -14076,7 +16978,7 @@
                 </a:solidFill>
                 <a:latin typeface="Calibri"/>
               </a:rPr>
-              <a:t>Cadastro de Marca
+              <a:t>Cadastro de Grupo
 </a:t>
             </a:r>
             <a:endParaRPr dirty="0"/>
@@ -14085,14 +16987,14 @@
       </p:sp>
       <p:sp>
         <p:nvSpPr>
-          <p:cNvPr id="175" name="CustomShape 2"/>
-          <p:cNvSpPr/>
-          <p:nvPr/>
-        </p:nvSpPr>
-        <p:spPr>
-          <a:xfrm>
-            <a:off x="539792" y="1124744"/>
-            <a:ext cx="2160000" cy="406440"/>
+          <p:cNvPr id="165" name="CustomShape 2"/>
+          <p:cNvSpPr/>
+          <p:nvPr/>
+        </p:nvSpPr>
+        <p:spPr>
+          <a:xfrm>
+            <a:off x="467640" y="1005863"/>
+            <a:ext cx="2160000" cy="542161"/>
           </a:xfrm>
           <a:prstGeom prst="rect">
             <a:avLst/>
@@ -14112,7 +17014,7 @@
               </a:lnSpc>
             </a:pPr>
             <a:r>
-              <a:rPr lang="pt-BR" sz="2400">
+              <a:rPr lang="pt-BR" sz="2400" dirty="0">
                 <a:solidFill>
                   <a:srgbClr val="000000"/>
                 </a:solidFill>
@@ -14120,36 +17022,36 @@
               </a:rPr>
               <a:t>Código</a:t>
             </a:r>
-            <a:endParaRPr sz="2400"/>
-          </a:p>
-          <a:p>
-            <a:pPr>
-              <a:lnSpc>
-                <a:spcPct val="100000"/>
-              </a:lnSpc>
-            </a:pPr>
-            <a:endParaRPr sz="2400"/>
-          </a:p>
-          <a:p>
-            <a:pPr>
-              <a:lnSpc>
-                <a:spcPct val="100000"/>
-              </a:lnSpc>
-            </a:pPr>
-            <a:endParaRPr sz="2400"/>
-          </a:p>
-        </p:txBody>
-      </p:sp>
-      <p:sp>
-        <p:nvSpPr>
-          <p:cNvPr id="176" name="CustomShape 3"/>
-          <p:cNvSpPr/>
-          <p:nvPr/>
-        </p:nvSpPr>
-        <p:spPr>
-          <a:xfrm>
-            <a:off x="611640" y="1556688"/>
-            <a:ext cx="1404360" cy="313048"/>
+            <a:endParaRPr sz="2400" dirty="0"/>
+          </a:p>
+          <a:p>
+            <a:pPr>
+              <a:lnSpc>
+                <a:spcPct val="100000"/>
+              </a:lnSpc>
+            </a:pPr>
+            <a:endParaRPr sz="2400" dirty="0"/>
+          </a:p>
+          <a:p>
+            <a:pPr>
+              <a:lnSpc>
+                <a:spcPct val="100000"/>
+              </a:lnSpc>
+            </a:pPr>
+            <a:endParaRPr sz="2400" dirty="0"/>
+          </a:p>
+        </p:txBody>
+      </p:sp>
+      <p:sp>
+        <p:nvSpPr>
+          <p:cNvPr id="166" name="CustomShape 3"/>
+          <p:cNvSpPr/>
+          <p:nvPr/>
+        </p:nvSpPr>
+        <p:spPr>
+          <a:xfrm>
+            <a:off x="611640" y="1412776"/>
+            <a:ext cx="1404360" cy="287648"/>
           </a:xfrm>
           <a:prstGeom prst="rect">
             <a:avLst/>
@@ -14167,13 +17069,13 @@
       </p:sp>
       <p:sp>
         <p:nvSpPr>
-          <p:cNvPr id="177" name="CustomShape 4"/>
-          <p:cNvSpPr/>
-          <p:nvPr/>
-        </p:nvSpPr>
-        <p:spPr>
-          <a:xfrm>
-            <a:off x="971640" y="6093360"/>
+          <p:cNvPr id="167" name="CustomShape 4"/>
+          <p:cNvSpPr/>
+          <p:nvPr/>
+        </p:nvSpPr>
+        <p:spPr>
+          <a:xfrm>
+            <a:off x="899592" y="5949704"/>
             <a:ext cx="1367640" cy="575640"/>
           </a:xfrm>
           <a:prstGeom prst="rect">
@@ -14213,13 +17115,13 @@
       </p:sp>
       <p:sp>
         <p:nvSpPr>
-          <p:cNvPr id="178" name="CustomShape 5"/>
-          <p:cNvSpPr/>
-          <p:nvPr/>
-        </p:nvSpPr>
-        <p:spPr>
-          <a:xfrm>
-            <a:off x="2483640" y="6093360"/>
+          <p:cNvPr id="168" name="CustomShape 5"/>
+          <p:cNvSpPr/>
+          <p:nvPr/>
+        </p:nvSpPr>
+        <p:spPr>
+          <a:xfrm>
+            <a:off x="2411592" y="5949704"/>
             <a:ext cx="1367640" cy="575640"/>
           </a:xfrm>
           <a:prstGeom prst="rect">
@@ -14259,13 +17161,13 @@
       </p:sp>
       <p:sp>
         <p:nvSpPr>
-          <p:cNvPr id="179" name="CustomShape 6"/>
-          <p:cNvSpPr/>
-          <p:nvPr/>
-        </p:nvSpPr>
-        <p:spPr>
-          <a:xfrm>
-            <a:off x="3996000" y="6093360"/>
+          <p:cNvPr id="169" name="CustomShape 6"/>
+          <p:cNvSpPr/>
+          <p:nvPr/>
+        </p:nvSpPr>
+        <p:spPr>
+          <a:xfrm>
+            <a:off x="3923952" y="5949704"/>
             <a:ext cx="1367640" cy="575640"/>
           </a:xfrm>
           <a:prstGeom prst="rect">
@@ -14305,13 +17207,13 @@
       </p:sp>
       <p:sp>
         <p:nvSpPr>
-          <p:cNvPr id="180" name="CustomShape 7"/>
-          <p:cNvSpPr/>
-          <p:nvPr/>
-        </p:nvSpPr>
-        <p:spPr>
-          <a:xfrm>
-            <a:off x="5508000" y="6093360"/>
+          <p:cNvPr id="170" name="CustomShape 7"/>
+          <p:cNvSpPr/>
+          <p:nvPr/>
+        </p:nvSpPr>
+        <p:spPr>
+          <a:xfrm>
+            <a:off x="5435952" y="5949704"/>
             <a:ext cx="1367640" cy="575640"/>
           </a:xfrm>
           <a:prstGeom prst="rect">
@@ -14351,13 +17253,13 @@
       </p:sp>
       <p:sp>
         <p:nvSpPr>
-          <p:cNvPr id="181" name="CustomShape 8"/>
-          <p:cNvSpPr/>
-          <p:nvPr/>
-        </p:nvSpPr>
-        <p:spPr>
-          <a:xfrm>
-            <a:off x="7020360" y="6093360"/>
+          <p:cNvPr id="171" name="CustomShape 8"/>
+          <p:cNvSpPr/>
+          <p:nvPr/>
+        </p:nvSpPr>
+        <p:spPr>
+          <a:xfrm>
+            <a:off x="6948312" y="5949704"/>
             <a:ext cx="1367640" cy="575640"/>
           </a:xfrm>
           <a:prstGeom prst="rect">
@@ -14397,14 +17299,14 @@
       </p:sp>
       <p:sp>
         <p:nvSpPr>
-          <p:cNvPr id="182" name="CustomShape 9"/>
-          <p:cNvSpPr/>
-          <p:nvPr/>
-        </p:nvSpPr>
-        <p:spPr>
-          <a:xfrm>
-            <a:off x="2260023" y="1096765"/>
-            <a:ext cx="2160000" cy="406440"/>
+          <p:cNvPr id="172" name="CustomShape 9"/>
+          <p:cNvSpPr/>
+          <p:nvPr/>
+        </p:nvSpPr>
+        <p:spPr>
+          <a:xfrm>
+            <a:off x="2295531" y="992332"/>
+            <a:ext cx="2160000" cy="542161"/>
           </a:xfrm>
           <a:prstGeom prst="rect">
             <a:avLst/>
@@ -14454,14 +17356,14 @@
       </p:sp>
       <p:sp>
         <p:nvSpPr>
-          <p:cNvPr id="183" name="CustomShape 10"/>
-          <p:cNvSpPr/>
-          <p:nvPr/>
-        </p:nvSpPr>
-        <p:spPr>
-          <a:xfrm>
-            <a:off x="2331871" y="1550197"/>
-            <a:ext cx="4536000" cy="313048"/>
+          <p:cNvPr id="173" name="CustomShape 10"/>
+          <p:cNvSpPr/>
+          <p:nvPr/>
+        </p:nvSpPr>
+        <p:spPr>
+          <a:xfrm>
+            <a:off x="2439627" y="1390861"/>
+            <a:ext cx="4536000" cy="287648"/>
           </a:xfrm>
           <a:prstGeom prst="rect">
             <a:avLst/>
@@ -14531,14 +17433,109 @@
       </p:grpSpPr>
       <p:sp>
         <p:nvSpPr>
-          <p:cNvPr id="184" name="CustomShape 1"/>
-          <p:cNvSpPr/>
-          <p:nvPr/>
-        </p:nvSpPr>
-        <p:spPr>
-          <a:xfrm>
-            <a:off x="2699792" y="1484784"/>
-            <a:ext cx="4031992" cy="288032"/>
+          <p:cNvPr id="174" name="TextShape 1"/>
+          <p:cNvSpPr txBox="1"/>
+          <p:nvPr/>
+        </p:nvSpPr>
+        <p:spPr>
+          <a:xfrm>
+            <a:off x="457200" y="490704"/>
+            <a:ext cx="8229240" cy="633600"/>
+          </a:xfrm>
+          <a:prstGeom prst="rect">
+            <a:avLst/>
+          </a:prstGeom>
+        </p:spPr>
+        <p:txBody>
+          <a:bodyPr anchor="ctr"/>
+          <a:lstStyle/>
+          <a:p>
+            <a:pPr algn="ctr">
+              <a:lnSpc>
+                <a:spcPct val="100000"/>
+              </a:lnSpc>
+            </a:pPr>
+            <a:r>
+              <a:rPr lang="pt-BR" sz="4400" dirty="0">
+                <a:solidFill>
+                  <a:srgbClr val="000000"/>
+                </a:solidFill>
+                <a:latin typeface="Calibri"/>
+              </a:rPr>
+              <a:t>Cadastro de Marca
+</a:t>
+            </a:r>
+            <a:endParaRPr dirty="0"/>
+          </a:p>
+        </p:txBody>
+      </p:sp>
+      <p:sp>
+        <p:nvSpPr>
+          <p:cNvPr id="175" name="CustomShape 2"/>
+          <p:cNvSpPr/>
+          <p:nvPr/>
+        </p:nvSpPr>
+        <p:spPr>
+          <a:xfrm>
+            <a:off x="539792" y="1124744"/>
+            <a:ext cx="2160000" cy="406440"/>
+          </a:xfrm>
+          <a:prstGeom prst="rect">
+            <a:avLst/>
+          </a:prstGeom>
+          <a:noFill/>
+          <a:ln>
+            <a:noFill/>
+          </a:ln>
+        </p:spPr>
+        <p:txBody>
+          <a:bodyPr/>
+          <a:lstStyle/>
+          <a:p>
+            <a:pPr>
+              <a:lnSpc>
+                <a:spcPct val="100000"/>
+              </a:lnSpc>
+            </a:pPr>
+            <a:r>
+              <a:rPr lang="pt-BR" sz="2400">
+                <a:solidFill>
+                  <a:srgbClr val="000000"/>
+                </a:solidFill>
+                <a:latin typeface="Calibri"/>
+              </a:rPr>
+              <a:t>Código</a:t>
+            </a:r>
+            <a:endParaRPr sz="2400"/>
+          </a:p>
+          <a:p>
+            <a:pPr>
+              <a:lnSpc>
+                <a:spcPct val="100000"/>
+              </a:lnSpc>
+            </a:pPr>
+            <a:endParaRPr sz="2400"/>
+          </a:p>
+          <a:p>
+            <a:pPr>
+              <a:lnSpc>
+                <a:spcPct val="100000"/>
+              </a:lnSpc>
+            </a:pPr>
+            <a:endParaRPr sz="2400"/>
+          </a:p>
+        </p:txBody>
+      </p:sp>
+      <p:sp>
+        <p:nvSpPr>
+          <p:cNvPr id="176" name="CustomShape 3"/>
+          <p:cNvSpPr/>
+          <p:nvPr/>
+        </p:nvSpPr>
+        <p:spPr>
+          <a:xfrm>
+            <a:off x="611640" y="1556688"/>
+            <a:ext cx="1404360" cy="313048"/>
           </a:xfrm>
           <a:prstGeom prst="rect">
             <a:avLst/>
@@ -14556,319 +17553,13 @@
       </p:sp>
       <p:sp>
         <p:nvSpPr>
-          <p:cNvPr id="185" name="CustomShape 2"/>
-          <p:cNvSpPr/>
-          <p:nvPr/>
-        </p:nvSpPr>
-        <p:spPr>
-          <a:xfrm>
-            <a:off x="2668718" y="1024546"/>
-            <a:ext cx="4384080" cy="406440"/>
-          </a:xfrm>
-          <a:prstGeom prst="rect">
-            <a:avLst/>
-          </a:prstGeom>
-          <a:noFill/>
-          <a:ln>
-            <a:noFill/>
-          </a:ln>
-        </p:spPr>
-        <p:txBody>
-          <a:bodyPr/>
-          <a:lstStyle/>
-          <a:p>
-            <a:pPr>
-              <a:lnSpc>
-                <a:spcPct val="100000"/>
-              </a:lnSpc>
-            </a:pPr>
-            <a:r>
-              <a:rPr lang="pt-BR" sz="2400" dirty="0">
-                <a:solidFill>
-                  <a:srgbClr val="000000"/>
-                </a:solidFill>
-                <a:latin typeface="Calibri"/>
-              </a:rPr>
-              <a:t>Descrição </a:t>
-            </a:r>
-            <a:endParaRPr sz="2400" dirty="0"/>
-          </a:p>
-          <a:p>
-            <a:pPr>
-              <a:lnSpc>
-                <a:spcPct val="100000"/>
-              </a:lnSpc>
-            </a:pPr>
-            <a:endParaRPr sz="2400" dirty="0"/>
-          </a:p>
-          <a:p>
-            <a:pPr>
-              <a:lnSpc>
-                <a:spcPct val="100000"/>
-              </a:lnSpc>
-            </a:pPr>
-            <a:endParaRPr sz="2400" dirty="0"/>
-          </a:p>
-        </p:txBody>
-      </p:sp>
-      <p:sp>
-        <p:nvSpPr>
-          <p:cNvPr id="187" name="CustomShape 4"/>
-          <p:cNvSpPr/>
-          <p:nvPr/>
-        </p:nvSpPr>
-        <p:spPr>
-          <a:xfrm>
-            <a:off x="2628016" y="1942440"/>
-            <a:ext cx="2088000" cy="406440"/>
-          </a:xfrm>
-          <a:prstGeom prst="rect">
-            <a:avLst/>
-          </a:prstGeom>
-          <a:noFill/>
-          <a:ln>
-            <a:noFill/>
-          </a:ln>
-        </p:spPr>
-        <p:txBody>
-          <a:bodyPr/>
-          <a:lstStyle/>
-          <a:p>
-            <a:pPr>
-              <a:lnSpc>
-                <a:spcPct val="100000"/>
-              </a:lnSpc>
-            </a:pPr>
-            <a:r>
-              <a:rPr lang="pt-BR" sz="2400" dirty="0">
-                <a:solidFill>
-                  <a:srgbClr val="000000"/>
-                </a:solidFill>
-                <a:latin typeface="Calibri"/>
-              </a:rPr>
-              <a:t>Marca</a:t>
-            </a:r>
-            <a:endParaRPr sz="2400" dirty="0"/>
-          </a:p>
-          <a:p>
-            <a:pPr>
-              <a:lnSpc>
-                <a:spcPct val="100000"/>
-              </a:lnSpc>
-            </a:pPr>
-            <a:endParaRPr sz="2400" dirty="0"/>
-          </a:p>
-          <a:p>
-            <a:pPr>
-              <a:lnSpc>
-                <a:spcPct val="100000"/>
-              </a:lnSpc>
-            </a:pPr>
-            <a:endParaRPr sz="2400" dirty="0"/>
-          </a:p>
-          <a:p>
-            <a:pPr>
-              <a:lnSpc>
-                <a:spcPct val="100000"/>
-              </a:lnSpc>
-            </a:pPr>
-            <a:endParaRPr sz="2400" dirty="0"/>
-          </a:p>
-        </p:txBody>
-      </p:sp>
-      <p:sp>
-        <p:nvSpPr>
-          <p:cNvPr id="188" name="TextShape 5"/>
-          <p:cNvSpPr txBox="1"/>
-          <p:nvPr/>
-        </p:nvSpPr>
-        <p:spPr>
-          <a:xfrm>
-            <a:off x="457200" y="-27360"/>
-            <a:ext cx="8229240" cy="849600"/>
-          </a:xfrm>
-          <a:prstGeom prst="rect">
-            <a:avLst/>
-          </a:prstGeom>
-        </p:spPr>
-        <p:txBody>
-          <a:bodyPr anchor="ctr"/>
-          <a:lstStyle/>
-          <a:p>
-            <a:pPr algn="ctr">
-              <a:lnSpc>
-                <a:spcPct val="100000"/>
-              </a:lnSpc>
-            </a:pPr>
-            <a:r>
-              <a:rPr lang="pt-BR" sz="4400">
-                <a:solidFill>
-                  <a:srgbClr val="000000"/>
-                </a:solidFill>
-                <a:latin typeface="Calibri"/>
-              </a:rPr>
-              <a:t> Cadastro de Produto</a:t>
-            </a:r>
-            <a:endParaRPr/>
-          </a:p>
-        </p:txBody>
-      </p:sp>
-      <p:sp>
-        <p:nvSpPr>
-          <p:cNvPr id="189" name="CustomShape 6"/>
-          <p:cNvSpPr/>
-          <p:nvPr/>
-        </p:nvSpPr>
-        <p:spPr>
-          <a:xfrm>
-            <a:off x="539640" y="3213760"/>
-            <a:ext cx="1944000" cy="287640"/>
-          </a:xfrm>
-          <a:prstGeom prst="rect">
-            <a:avLst/>
-          </a:prstGeom>
-          <a:solidFill>
-            <a:srgbClr val="FFFFFF"/>
-          </a:solidFill>
-          <a:ln w="25560">
-            <a:solidFill>
-              <a:srgbClr val="000000"/>
-            </a:solidFill>
-            <a:round/>
-          </a:ln>
-        </p:spPr>
-      </p:sp>
-      <p:sp>
-        <p:nvSpPr>
-          <p:cNvPr id="190" name="CustomShape 7"/>
-          <p:cNvSpPr/>
-          <p:nvPr/>
-        </p:nvSpPr>
-        <p:spPr>
-          <a:xfrm>
-            <a:off x="395536" y="2806536"/>
-            <a:ext cx="3888336" cy="406440"/>
-          </a:xfrm>
-          <a:prstGeom prst="rect">
-            <a:avLst/>
-          </a:prstGeom>
-          <a:noFill/>
-          <a:ln>
-            <a:noFill/>
-          </a:ln>
-        </p:spPr>
-        <p:txBody>
-          <a:bodyPr/>
-          <a:lstStyle/>
-          <a:p>
-            <a:pPr>
-              <a:lnSpc>
-                <a:spcPct val="100000"/>
-              </a:lnSpc>
-            </a:pPr>
-            <a:r>
-              <a:rPr lang="pt-BR" sz="2400" dirty="0">
-                <a:solidFill>
-                  <a:srgbClr val="000000"/>
-                </a:solidFill>
-                <a:latin typeface="Calibri"/>
-              </a:rPr>
-              <a:t>Código de Barras</a:t>
-            </a:r>
-            <a:endParaRPr sz="2400" dirty="0"/>
-          </a:p>
-          <a:p>
-            <a:pPr>
-              <a:lnSpc>
-                <a:spcPct val="100000"/>
-              </a:lnSpc>
-            </a:pPr>
-            <a:endParaRPr sz="2400" dirty="0"/>
-          </a:p>
-          <a:p>
-            <a:pPr>
-              <a:lnSpc>
-                <a:spcPct val="100000"/>
-              </a:lnSpc>
-            </a:pPr>
-            <a:endParaRPr sz="2400" dirty="0"/>
-          </a:p>
-          <a:p>
-            <a:pPr>
-              <a:lnSpc>
-                <a:spcPct val="100000"/>
-              </a:lnSpc>
-            </a:pPr>
-            <a:endParaRPr sz="2400" dirty="0"/>
-          </a:p>
-        </p:txBody>
-      </p:sp>
-      <p:sp>
-        <p:nvSpPr>
-          <p:cNvPr id="191" name="CustomShape 8"/>
-          <p:cNvSpPr/>
-          <p:nvPr/>
-        </p:nvSpPr>
-        <p:spPr>
-          <a:xfrm>
-            <a:off x="395536" y="1053144"/>
-            <a:ext cx="3520376" cy="406440"/>
-          </a:xfrm>
-          <a:prstGeom prst="rect">
-            <a:avLst/>
-          </a:prstGeom>
-          <a:noFill/>
-          <a:ln>
-            <a:noFill/>
-          </a:ln>
-        </p:spPr>
-        <p:txBody>
-          <a:bodyPr/>
-          <a:lstStyle/>
-          <a:p>
-            <a:pPr>
-              <a:lnSpc>
-                <a:spcPct val="100000"/>
-              </a:lnSpc>
-            </a:pPr>
-            <a:r>
-              <a:rPr lang="pt-BR" sz="2400" dirty="0">
-                <a:solidFill>
-                  <a:srgbClr val="000000"/>
-                </a:solidFill>
-                <a:latin typeface="Calibri"/>
-              </a:rPr>
-              <a:t>Código</a:t>
-            </a:r>
-            <a:endParaRPr sz="2400" dirty="0"/>
-          </a:p>
-          <a:p>
-            <a:pPr>
-              <a:lnSpc>
-                <a:spcPct val="100000"/>
-              </a:lnSpc>
-            </a:pPr>
-            <a:endParaRPr sz="2400" dirty="0"/>
-          </a:p>
-          <a:p>
-            <a:pPr>
-              <a:lnSpc>
-                <a:spcPct val="100000"/>
-              </a:lnSpc>
-            </a:pPr>
-            <a:endParaRPr sz="2400" dirty="0"/>
-          </a:p>
-        </p:txBody>
-      </p:sp>
-      <p:sp>
-        <p:nvSpPr>
-          <p:cNvPr id="193" name="CustomShape 10"/>
-          <p:cNvSpPr/>
-          <p:nvPr/>
-        </p:nvSpPr>
-        <p:spPr>
-          <a:xfrm>
-            <a:off x="1692336" y="6093360"/>
+          <p:cNvPr id="177" name="CustomShape 4"/>
+          <p:cNvSpPr/>
+          <p:nvPr/>
+        </p:nvSpPr>
+        <p:spPr>
+          <a:xfrm>
+            <a:off x="971640" y="6093360"/>
             <a:ext cx="1367640" cy="575640"/>
           </a:xfrm>
           <a:prstGeom prst="rect">
@@ -14908,13 +17599,13 @@
       </p:sp>
       <p:sp>
         <p:nvSpPr>
-          <p:cNvPr id="194" name="CustomShape 11"/>
-          <p:cNvSpPr/>
-          <p:nvPr/>
-        </p:nvSpPr>
-        <p:spPr>
-          <a:xfrm>
-            <a:off x="3204336" y="6093360"/>
+          <p:cNvPr id="178" name="CustomShape 5"/>
+          <p:cNvSpPr/>
+          <p:nvPr/>
+        </p:nvSpPr>
+        <p:spPr>
+          <a:xfrm>
+            <a:off x="2483640" y="6093360"/>
             <a:ext cx="1367640" cy="575640"/>
           </a:xfrm>
           <a:prstGeom prst="rect">
@@ -14954,13 +17645,13 @@
       </p:sp>
       <p:sp>
         <p:nvSpPr>
-          <p:cNvPr id="195" name="CustomShape 12"/>
-          <p:cNvSpPr/>
-          <p:nvPr/>
-        </p:nvSpPr>
-        <p:spPr>
-          <a:xfrm>
-            <a:off x="4716696" y="6093360"/>
+          <p:cNvPr id="179" name="CustomShape 6"/>
+          <p:cNvSpPr/>
+          <p:nvPr/>
+        </p:nvSpPr>
+        <p:spPr>
+          <a:xfrm>
+            <a:off x="3996000" y="6093360"/>
             <a:ext cx="1367640" cy="575640"/>
           </a:xfrm>
           <a:prstGeom prst="rect">
@@ -15000,13 +17691,13 @@
       </p:sp>
       <p:sp>
         <p:nvSpPr>
-          <p:cNvPr id="196" name="CustomShape 13"/>
-          <p:cNvSpPr/>
-          <p:nvPr/>
-        </p:nvSpPr>
-        <p:spPr>
-          <a:xfrm>
-            <a:off x="6228696" y="6093360"/>
+          <p:cNvPr id="180" name="CustomShape 7"/>
+          <p:cNvSpPr/>
+          <p:nvPr/>
+        </p:nvSpPr>
+        <p:spPr>
+          <a:xfrm>
+            <a:off x="5508000" y="6093360"/>
             <a:ext cx="1367640" cy="575640"/>
           </a:xfrm>
           <a:prstGeom prst="rect">
@@ -15038,7 +17729,7 @@
                 </a:solidFill>
                 <a:latin typeface="Calibri"/>
               </a:rPr>
-              <a:t>CANCELAR</a:t>
+              <a:t>EXCLUIR</a:t>
             </a:r>
             <a:endParaRPr/>
           </a:p>
@@ -15046,134 +17737,20 @@
       </p:sp>
       <p:sp>
         <p:nvSpPr>
-          <p:cNvPr id="197" name="CustomShape 14"/>
-          <p:cNvSpPr/>
-          <p:nvPr/>
-        </p:nvSpPr>
-        <p:spPr>
-          <a:xfrm>
-            <a:off x="6876360" y="908720"/>
-            <a:ext cx="2160000" cy="406440"/>
-          </a:xfrm>
-          <a:prstGeom prst="rect">
-            <a:avLst/>
-          </a:prstGeom>
-          <a:noFill/>
-          <a:ln>
-            <a:noFill/>
-          </a:ln>
-        </p:spPr>
-        <p:txBody>
-          <a:bodyPr/>
-          <a:lstStyle/>
-          <a:p>
-            <a:pPr>
-              <a:lnSpc>
-                <a:spcPct val="100000"/>
-              </a:lnSpc>
-            </a:pPr>
-            <a:r>
-              <a:rPr lang="pt-BR" sz="2400" dirty="0">
-                <a:solidFill>
-                  <a:srgbClr val="000000"/>
-                </a:solidFill>
-                <a:latin typeface="Calibri"/>
-              </a:rPr>
-              <a:t>Status</a:t>
-            </a:r>
-            <a:endParaRPr sz="2400" dirty="0"/>
-          </a:p>
-          <a:p>
-            <a:pPr>
-              <a:lnSpc>
-                <a:spcPct val="100000"/>
-              </a:lnSpc>
-            </a:pPr>
-            <a:endParaRPr sz="2400" dirty="0"/>
-          </a:p>
-          <a:p>
-            <a:pPr>
-              <a:lnSpc>
-                <a:spcPct val="100000"/>
-              </a:lnSpc>
-            </a:pPr>
-            <a:endParaRPr sz="2400" dirty="0"/>
-          </a:p>
-        </p:txBody>
-      </p:sp>
-      <p:sp>
-        <p:nvSpPr>
-          <p:cNvPr id="198" name="CustomShape 15"/>
-          <p:cNvSpPr/>
-          <p:nvPr/>
-        </p:nvSpPr>
-        <p:spPr>
-          <a:xfrm>
-            <a:off x="7236360" y="1366376"/>
-            <a:ext cx="2088000" cy="406440"/>
-          </a:xfrm>
-          <a:prstGeom prst="rect">
-            <a:avLst/>
-          </a:prstGeom>
-          <a:noFill/>
-          <a:ln>
-            <a:noFill/>
-          </a:ln>
-        </p:spPr>
-        <p:txBody>
-          <a:bodyPr/>
-          <a:lstStyle/>
-          <a:p>
-            <a:pPr>
-              <a:lnSpc>
-                <a:spcPct val="100000"/>
-              </a:lnSpc>
-            </a:pPr>
-            <a:r>
-              <a:rPr lang="pt-BR" sz="2400" dirty="0">
-                <a:solidFill>
-                  <a:srgbClr val="000000"/>
-                </a:solidFill>
-                <a:latin typeface="Calibri"/>
-              </a:rPr>
-              <a:t>Ativo</a:t>
-            </a:r>
-            <a:endParaRPr sz="2400" dirty="0"/>
-          </a:p>
-          <a:p>
-            <a:pPr>
-              <a:lnSpc>
-                <a:spcPct val="100000"/>
-              </a:lnSpc>
-            </a:pPr>
-            <a:endParaRPr sz="2400" dirty="0"/>
-          </a:p>
-          <a:p>
-            <a:pPr>
-              <a:lnSpc>
-                <a:spcPct val="100000"/>
-              </a:lnSpc>
-            </a:pPr>
-            <a:endParaRPr sz="2400" dirty="0"/>
-          </a:p>
-        </p:txBody>
-      </p:sp>
-      <p:sp>
-        <p:nvSpPr>
-          <p:cNvPr id="199" name="CustomShape 16"/>
-          <p:cNvSpPr/>
-          <p:nvPr/>
-        </p:nvSpPr>
-        <p:spPr>
-          <a:xfrm>
-            <a:off x="7020656" y="1773200"/>
-            <a:ext cx="215640" cy="215640"/>
-          </a:xfrm>
-          <a:prstGeom prst="ellipse">
+          <p:cNvPr id="181" name="CustomShape 8"/>
+          <p:cNvSpPr/>
+          <p:nvPr/>
+        </p:nvSpPr>
+        <p:spPr>
+          <a:xfrm>
+            <a:off x="7020360" y="6093360"/>
+            <a:ext cx="1367640" cy="575640"/>
+          </a:xfrm>
+          <a:prstGeom prst="rect">
             <a:avLst/>
           </a:prstGeom>
           <a:solidFill>
-            <a:srgbClr val="FFFFFF"/>
+            <a:srgbClr val="C6D9F1"/>
           </a:solidFill>
           <a:ln w="25560">
             <a:solidFill>
@@ -15182,17 +17759,38 @@
             <a:round/>
           </a:ln>
         </p:spPr>
-      </p:sp>
-      <p:sp>
-        <p:nvSpPr>
-          <p:cNvPr id="200" name="CustomShape 17"/>
-          <p:cNvSpPr/>
-          <p:nvPr/>
-        </p:nvSpPr>
-        <p:spPr>
-          <a:xfrm>
-            <a:off x="7236528" y="1654408"/>
-            <a:ext cx="2088000" cy="406440"/>
+        <p:txBody>
+          <a:bodyPr lIns="90000" tIns="45000" rIns="90000" bIns="45000" anchor="ctr"/>
+          <a:lstStyle/>
+          <a:p>
+            <a:pPr algn="ctr">
+              <a:lnSpc>
+                <a:spcPct val="100000"/>
+              </a:lnSpc>
+            </a:pPr>
+            <a:r>
+              <a:rPr lang="pt-BR">
+                <a:solidFill>
+                  <a:srgbClr val="000000"/>
+                </a:solidFill>
+                <a:latin typeface="Calibri"/>
+              </a:rPr>
+              <a:t>CANCELAR</a:t>
+            </a:r>
+            <a:endParaRPr/>
+          </a:p>
+        </p:txBody>
+      </p:sp>
+      <p:sp>
+        <p:nvSpPr>
+          <p:cNvPr id="182" name="CustomShape 9"/>
+          <p:cNvSpPr/>
+          <p:nvPr/>
+        </p:nvSpPr>
+        <p:spPr>
+          <a:xfrm>
+            <a:off x="2260023" y="1096765"/>
+            <a:ext cx="2160000" cy="406440"/>
           </a:xfrm>
           <a:prstGeom prst="rect">
             <a:avLst/>
@@ -15218,7 +17816,7 @@
                 </a:solidFill>
                 <a:latin typeface="Calibri"/>
               </a:rPr>
-              <a:t>Inativo</a:t>
+              <a:t>Descrição</a:t>
             </a:r>
             <a:endParaRPr sz="2400" dirty="0"/>
           </a:p>
@@ -15238,330 +17836,18 @@
             </a:pPr>
             <a:endParaRPr sz="2400" dirty="0"/>
           </a:p>
-          <a:p>
-            <a:pPr>
-              <a:lnSpc>
-                <a:spcPct val="100000"/>
-              </a:lnSpc>
-            </a:pPr>
-            <a:endParaRPr sz="2400" dirty="0"/>
-          </a:p>
-        </p:txBody>
-      </p:sp>
-      <p:sp>
-        <p:nvSpPr>
-          <p:cNvPr id="201" name="CustomShape 18"/>
-          <p:cNvSpPr/>
-          <p:nvPr/>
-        </p:nvSpPr>
-        <p:spPr>
-          <a:xfrm>
-            <a:off x="7020656" y="1485200"/>
-            <a:ext cx="215640" cy="215640"/>
-          </a:xfrm>
-          <a:prstGeom prst="ellipse">
-            <a:avLst/>
-          </a:prstGeom>
-          <a:solidFill>
-            <a:srgbClr val="000000"/>
-          </a:solidFill>
-          <a:ln w="25560">
-            <a:solidFill>
-              <a:srgbClr val="000000"/>
-            </a:solidFill>
-            <a:round/>
-          </a:ln>
-        </p:spPr>
-      </p:sp>
-      <p:sp>
-        <p:nvSpPr>
-          <p:cNvPr id="203" name="CustomShape 20"/>
-          <p:cNvSpPr/>
-          <p:nvPr/>
-        </p:nvSpPr>
-        <p:spPr>
-          <a:xfrm>
-            <a:off x="395536" y="3645024"/>
-            <a:ext cx="3491936" cy="406440"/>
-          </a:xfrm>
-          <a:prstGeom prst="rect">
-            <a:avLst/>
-          </a:prstGeom>
-          <a:noFill/>
-          <a:ln>
-            <a:noFill/>
-          </a:ln>
-        </p:spPr>
-        <p:txBody>
-          <a:bodyPr/>
-          <a:lstStyle/>
-          <a:p>
-            <a:pPr>
-              <a:lnSpc>
-                <a:spcPct val="100000"/>
-              </a:lnSpc>
-            </a:pPr>
-            <a:r>
-              <a:rPr lang="pt-BR" sz="2400" dirty="0">
-                <a:solidFill>
-                  <a:srgbClr val="000000"/>
-                </a:solidFill>
-                <a:latin typeface="Calibri"/>
-              </a:rPr>
-              <a:t>Preço Custo</a:t>
-            </a:r>
-            <a:endParaRPr sz="2400" dirty="0"/>
-          </a:p>
-          <a:p>
-            <a:pPr>
-              <a:lnSpc>
-                <a:spcPct val="100000"/>
-              </a:lnSpc>
-            </a:pPr>
-            <a:endParaRPr sz="2400" dirty="0"/>
-          </a:p>
-          <a:p>
-            <a:pPr>
-              <a:lnSpc>
-                <a:spcPct val="100000"/>
-              </a:lnSpc>
-            </a:pPr>
-            <a:endParaRPr sz="2400" dirty="0"/>
-          </a:p>
-          <a:p>
-            <a:pPr>
-              <a:lnSpc>
-                <a:spcPct val="100000"/>
-              </a:lnSpc>
-            </a:pPr>
-            <a:endParaRPr sz="2400" dirty="0"/>
-          </a:p>
-        </p:txBody>
-      </p:sp>
-      <p:sp>
-        <p:nvSpPr>
-          <p:cNvPr id="204" name="CustomShape 21"/>
-          <p:cNvSpPr/>
-          <p:nvPr/>
-        </p:nvSpPr>
-        <p:spPr>
-          <a:xfrm>
-            <a:off x="2591992" y="3645024"/>
-            <a:ext cx="2916112" cy="406440"/>
-          </a:xfrm>
-          <a:prstGeom prst="rect">
-            <a:avLst/>
-          </a:prstGeom>
-          <a:noFill/>
-          <a:ln>
-            <a:noFill/>
-          </a:ln>
-        </p:spPr>
-        <p:txBody>
-          <a:bodyPr/>
-          <a:lstStyle/>
-          <a:p>
-            <a:pPr>
-              <a:lnSpc>
-                <a:spcPct val="100000"/>
-              </a:lnSpc>
-            </a:pPr>
-            <a:r>
-              <a:rPr lang="pt-BR" sz="2400" dirty="0">
-                <a:solidFill>
-                  <a:srgbClr val="000000"/>
-                </a:solidFill>
-                <a:latin typeface="Calibri"/>
-              </a:rPr>
-              <a:t>Preço Venda</a:t>
-            </a:r>
-            <a:endParaRPr sz="2400" dirty="0"/>
-          </a:p>
-          <a:p>
-            <a:pPr>
-              <a:lnSpc>
-                <a:spcPct val="100000"/>
-              </a:lnSpc>
-            </a:pPr>
-            <a:endParaRPr sz="2400" dirty="0"/>
-          </a:p>
-          <a:p>
-            <a:pPr>
-              <a:lnSpc>
-                <a:spcPct val="100000"/>
-              </a:lnSpc>
-            </a:pPr>
-            <a:endParaRPr sz="2400" dirty="0"/>
-          </a:p>
-        </p:txBody>
-      </p:sp>
-      <p:sp>
-        <p:nvSpPr>
-          <p:cNvPr id="206" name="CustomShape 23"/>
-          <p:cNvSpPr/>
-          <p:nvPr/>
-        </p:nvSpPr>
-        <p:spPr>
-          <a:xfrm>
-            <a:off x="395536" y="1916832"/>
-            <a:ext cx="2160000" cy="406440"/>
-          </a:xfrm>
-          <a:prstGeom prst="rect">
-            <a:avLst/>
-          </a:prstGeom>
-          <a:noFill/>
-          <a:ln>
-            <a:noFill/>
-          </a:ln>
-        </p:spPr>
-        <p:txBody>
-          <a:bodyPr/>
-          <a:lstStyle/>
-          <a:p>
-            <a:pPr>
-              <a:lnSpc>
-                <a:spcPct val="100000"/>
-              </a:lnSpc>
-            </a:pPr>
-            <a:r>
-              <a:rPr lang="pt-BR" sz="2400" dirty="0">
-                <a:solidFill>
-                  <a:srgbClr val="000000"/>
-                </a:solidFill>
-                <a:latin typeface="Calibri"/>
-              </a:rPr>
-              <a:t>Grupo</a:t>
-            </a:r>
-            <a:endParaRPr sz="2400" dirty="0"/>
-          </a:p>
-          <a:p>
-            <a:pPr>
-              <a:lnSpc>
-                <a:spcPct val="100000"/>
-              </a:lnSpc>
-            </a:pPr>
-            <a:endParaRPr sz="2400" dirty="0"/>
-          </a:p>
-          <a:p>
-            <a:pPr>
-              <a:lnSpc>
-                <a:spcPct val="100000"/>
-              </a:lnSpc>
-            </a:pPr>
-            <a:endParaRPr sz="2400" dirty="0"/>
-          </a:p>
-        </p:txBody>
-      </p:sp>
-      <p:sp>
-        <p:nvSpPr>
-          <p:cNvPr id="26" name="CustomShape 1"/>
-          <p:cNvSpPr/>
-          <p:nvPr/>
-        </p:nvSpPr>
-        <p:spPr>
-          <a:xfrm>
-            <a:off x="539552" y="1484784"/>
-            <a:ext cx="2016224" cy="288032"/>
-          </a:xfrm>
-          <a:prstGeom prst="rect">
-            <a:avLst/>
-          </a:prstGeom>
-          <a:solidFill>
-            <a:srgbClr val="FFFFFF"/>
-          </a:solidFill>
-          <a:ln w="25560">
-            <a:solidFill>
-              <a:srgbClr val="000000"/>
-            </a:solidFill>
-            <a:round/>
-          </a:ln>
-        </p:spPr>
-      </p:sp>
-      <p:sp>
-        <p:nvSpPr>
-          <p:cNvPr id="27" name="CustomShape 1"/>
-          <p:cNvSpPr/>
-          <p:nvPr/>
-        </p:nvSpPr>
-        <p:spPr>
-          <a:xfrm>
-            <a:off x="539552" y="2349272"/>
-            <a:ext cx="2016224" cy="288032"/>
-          </a:xfrm>
-          <a:prstGeom prst="rect">
-            <a:avLst/>
-          </a:prstGeom>
-          <a:solidFill>
-            <a:srgbClr val="FFFFFF"/>
-          </a:solidFill>
-          <a:ln w="25560">
-            <a:solidFill>
-              <a:srgbClr val="000000"/>
-            </a:solidFill>
-            <a:round/>
-          </a:ln>
-        </p:spPr>
-      </p:sp>
-      <p:sp>
-        <p:nvSpPr>
-          <p:cNvPr id="28" name="CustomShape 1"/>
-          <p:cNvSpPr/>
-          <p:nvPr/>
-        </p:nvSpPr>
-        <p:spPr>
-          <a:xfrm>
-            <a:off x="2699792" y="2349272"/>
-            <a:ext cx="2016224" cy="288032"/>
-          </a:xfrm>
-          <a:prstGeom prst="rect">
-            <a:avLst/>
-          </a:prstGeom>
-          <a:solidFill>
-            <a:srgbClr val="FFFFFF"/>
-          </a:solidFill>
-          <a:ln w="25560">
-            <a:solidFill>
-              <a:srgbClr val="000000"/>
-            </a:solidFill>
-            <a:round/>
-          </a:ln>
-        </p:spPr>
-      </p:sp>
-      <p:sp>
-        <p:nvSpPr>
-          <p:cNvPr id="29" name="CustomShape 6"/>
-          <p:cNvSpPr/>
-          <p:nvPr/>
-        </p:nvSpPr>
-        <p:spPr>
-          <a:xfrm>
-            <a:off x="539552" y="4077464"/>
-            <a:ext cx="1944000" cy="287640"/>
-          </a:xfrm>
-          <a:prstGeom prst="rect">
-            <a:avLst/>
-          </a:prstGeom>
-          <a:solidFill>
-            <a:srgbClr val="FFFFFF"/>
-          </a:solidFill>
-          <a:ln w="25560">
-            <a:solidFill>
-              <a:srgbClr val="000000"/>
-            </a:solidFill>
-            <a:round/>
-          </a:ln>
-        </p:spPr>
-      </p:sp>
-      <p:sp>
-        <p:nvSpPr>
-          <p:cNvPr id="30" name="CustomShape 6"/>
-          <p:cNvSpPr/>
-          <p:nvPr/>
-        </p:nvSpPr>
-        <p:spPr>
-          <a:xfrm>
-            <a:off x="2699792" y="4077464"/>
-            <a:ext cx="1944000" cy="287640"/>
+        </p:txBody>
+      </p:sp>
+      <p:sp>
+        <p:nvSpPr>
+          <p:cNvPr id="183" name="CustomShape 10"/>
+          <p:cNvSpPr/>
+          <p:nvPr/>
+        </p:nvSpPr>
+        <p:spPr>
+          <a:xfrm>
+            <a:off x="2331871" y="1550197"/>
+            <a:ext cx="4536000" cy="313048"/>
           </a:xfrm>
           <a:prstGeom prst="rect">
             <a:avLst/>
@@ -15631,127 +17917,14 @@
       </p:grpSpPr>
       <p:sp>
         <p:nvSpPr>
-          <p:cNvPr id="208" name="CustomShape 1"/>
-          <p:cNvSpPr/>
-          <p:nvPr/>
-        </p:nvSpPr>
-        <p:spPr>
-          <a:xfrm>
-            <a:off x="323528" y="837120"/>
-            <a:ext cx="8532464" cy="431640"/>
-          </a:xfrm>
-          <a:prstGeom prst="rect">
-            <a:avLst/>
-          </a:prstGeom>
-          <a:noFill/>
-          <a:ln>
-            <a:noFill/>
-          </a:ln>
-        </p:spPr>
-        <p:txBody>
-          <a:bodyPr/>
-          <a:lstStyle/>
-          <a:p>
-            <a:pPr>
-              <a:lnSpc>
-                <a:spcPct val="100000"/>
-              </a:lnSpc>
-            </a:pPr>
-            <a:r>
-              <a:rPr lang="pt-BR" dirty="0">
-                <a:solidFill>
-                  <a:srgbClr val="000000"/>
-                </a:solidFill>
-                <a:latin typeface="Calibri"/>
-              </a:rPr>
-              <a:t>Cliente</a:t>
-            </a:r>
-            <a:r>
-              <a:rPr lang="pt-BR" dirty="0" smtClean="0">
-                <a:solidFill>
-                  <a:srgbClr val="000000"/>
-                </a:solidFill>
-                <a:latin typeface="Calibri"/>
-              </a:rPr>
-              <a:t>:                                                                             Número </a:t>
-            </a:r>
-            <a:r>
-              <a:rPr lang="pt-BR" dirty="0">
-                <a:solidFill>
-                  <a:srgbClr val="000000"/>
-                </a:solidFill>
-                <a:latin typeface="Calibri"/>
-              </a:rPr>
-              <a:t>do Orçamento:</a:t>
-            </a:r>
-            <a:endParaRPr dirty="0"/>
-          </a:p>
-          <a:p>
-            <a:pPr>
-              <a:lnSpc>
-                <a:spcPct val="100000"/>
-              </a:lnSpc>
-            </a:pPr>
-            <a:endParaRPr dirty="0"/>
-          </a:p>
-        </p:txBody>
-      </p:sp>
-      <p:sp>
-        <p:nvSpPr>
-          <p:cNvPr id="209" name="TextShape 2"/>
-          <p:cNvSpPr txBox="1"/>
-          <p:nvPr/>
-        </p:nvSpPr>
-        <p:spPr>
-          <a:xfrm>
-            <a:off x="457200" y="-27360"/>
-            <a:ext cx="8229240" cy="849600"/>
-          </a:xfrm>
-          <a:prstGeom prst="rect">
-            <a:avLst/>
-          </a:prstGeom>
-        </p:spPr>
-        <p:txBody>
-          <a:bodyPr anchor="ctr"/>
-          <a:lstStyle/>
-          <a:p>
-            <a:pPr algn="ctr">
-              <a:lnSpc>
-                <a:spcPct val="100000"/>
-              </a:lnSpc>
-            </a:pPr>
-            <a:r>
-              <a:rPr lang="pt-BR" dirty="0">
-                <a:solidFill>
-                  <a:srgbClr val="000000"/>
-                </a:solidFill>
-                <a:latin typeface="Calibri"/>
-              </a:rPr>
-              <a:t> </a:t>
-            </a:r>
-            <a:r>
-              <a:rPr lang="pt-BR" sz="4400" dirty="0">
-                <a:solidFill>
-                  <a:srgbClr val="000000"/>
-                </a:solidFill>
-                <a:latin typeface="Calibri"/>
-              </a:rPr>
-              <a:t>Emissão de Orçamento</a:t>
-            </a:r>
-            <a:endParaRPr sz="4400" dirty="0"/>
-          </a:p>
-        </p:txBody>
-      </p:sp>
-      <p:sp>
-        <p:nvSpPr>
-          <p:cNvPr id="210" name="CustomShape 3"/>
-          <p:cNvSpPr/>
-          <p:nvPr/>
-        </p:nvSpPr>
-        <p:spPr>
-          <a:xfrm>
-            <a:off x="395536" y="1628800"/>
-            <a:ext cx="4608512" cy="288032"/>
+          <p:cNvPr id="184" name="CustomShape 1"/>
+          <p:cNvSpPr/>
+          <p:nvPr/>
+        </p:nvSpPr>
+        <p:spPr>
+          <a:xfrm>
+            <a:off x="2699792" y="1484784"/>
+            <a:ext cx="4031992" cy="288032"/>
           </a:xfrm>
           <a:prstGeom prst="rect">
             <a:avLst/>
@@ -15769,14 +17942,14 @@
       </p:sp>
       <p:sp>
         <p:nvSpPr>
-          <p:cNvPr id="211" name="CustomShape 4"/>
-          <p:cNvSpPr/>
-          <p:nvPr/>
-        </p:nvSpPr>
-        <p:spPr>
-          <a:xfrm>
-            <a:off x="323528" y="1294368"/>
-            <a:ext cx="6112648" cy="406440"/>
+          <p:cNvPr id="185" name="CustomShape 2"/>
+          <p:cNvSpPr/>
+          <p:nvPr/>
+        </p:nvSpPr>
+        <p:spPr>
+          <a:xfrm>
+            <a:off x="2668718" y="1024546"/>
+            <a:ext cx="4384080" cy="406440"/>
           </a:xfrm>
           <a:prstGeom prst="rect">
             <a:avLst/>
@@ -15796,44 +17969,44 @@
               </a:lnSpc>
             </a:pPr>
             <a:r>
-              <a:rPr lang="pt-BR" dirty="0">
+              <a:rPr lang="pt-BR" sz="2400" dirty="0">
                 <a:solidFill>
                   <a:srgbClr val="000000"/>
                 </a:solidFill>
                 <a:latin typeface="Calibri"/>
               </a:rPr>
-              <a:t>Produto</a:t>
-            </a:r>
-            <a:endParaRPr dirty="0"/>
-          </a:p>
-          <a:p>
-            <a:pPr>
-              <a:lnSpc>
-                <a:spcPct val="100000"/>
-              </a:lnSpc>
-            </a:pPr>
-            <a:endParaRPr dirty="0"/>
-          </a:p>
-          <a:p>
-            <a:pPr>
-              <a:lnSpc>
-                <a:spcPct val="100000"/>
-              </a:lnSpc>
-            </a:pPr>
-            <a:endParaRPr dirty="0"/>
-          </a:p>
-        </p:txBody>
-      </p:sp>
-      <p:sp>
-        <p:nvSpPr>
-          <p:cNvPr id="212" name="CustomShape 5"/>
-          <p:cNvSpPr/>
-          <p:nvPr/>
-        </p:nvSpPr>
-        <p:spPr>
-          <a:xfrm>
-            <a:off x="5076296" y="1268760"/>
-            <a:ext cx="2160000" cy="406440"/>
+              <a:t>Descrição </a:t>
+            </a:r>
+            <a:endParaRPr sz="2400" dirty="0"/>
+          </a:p>
+          <a:p>
+            <a:pPr>
+              <a:lnSpc>
+                <a:spcPct val="100000"/>
+              </a:lnSpc>
+            </a:pPr>
+            <a:endParaRPr sz="2400" dirty="0"/>
+          </a:p>
+          <a:p>
+            <a:pPr>
+              <a:lnSpc>
+                <a:spcPct val="100000"/>
+              </a:lnSpc>
+            </a:pPr>
+            <a:endParaRPr sz="2400" dirty="0"/>
+          </a:p>
+        </p:txBody>
+      </p:sp>
+      <p:sp>
+        <p:nvSpPr>
+          <p:cNvPr id="187" name="CustomShape 4"/>
+          <p:cNvSpPr/>
+          <p:nvPr/>
+        </p:nvSpPr>
+        <p:spPr>
+          <a:xfrm>
+            <a:off x="2628016" y="1942440"/>
+            <a:ext cx="2088000" cy="406440"/>
           </a:xfrm>
           <a:prstGeom prst="rect">
             <a:avLst/>
@@ -15853,44 +18026,89 @@
               </a:lnSpc>
             </a:pPr>
             <a:r>
-              <a:rPr lang="pt-BR">
+              <a:rPr lang="pt-BR" sz="2400" dirty="0">
                 <a:solidFill>
                   <a:srgbClr val="000000"/>
                 </a:solidFill>
                 <a:latin typeface="Calibri"/>
               </a:rPr>
-              <a:t>Quantidade</a:t>
+              <a:t>Marca</a:t>
+            </a:r>
+            <a:endParaRPr sz="2400" dirty="0"/>
+          </a:p>
+          <a:p>
+            <a:pPr>
+              <a:lnSpc>
+                <a:spcPct val="100000"/>
+              </a:lnSpc>
+            </a:pPr>
+            <a:endParaRPr sz="2400" dirty="0"/>
+          </a:p>
+          <a:p>
+            <a:pPr>
+              <a:lnSpc>
+                <a:spcPct val="100000"/>
+              </a:lnSpc>
+            </a:pPr>
+            <a:endParaRPr sz="2400" dirty="0"/>
+          </a:p>
+          <a:p>
+            <a:pPr>
+              <a:lnSpc>
+                <a:spcPct val="100000"/>
+              </a:lnSpc>
+            </a:pPr>
+            <a:endParaRPr sz="2400" dirty="0"/>
+          </a:p>
+        </p:txBody>
+      </p:sp>
+      <p:sp>
+        <p:nvSpPr>
+          <p:cNvPr id="188" name="TextShape 5"/>
+          <p:cNvSpPr txBox="1"/>
+          <p:nvPr/>
+        </p:nvSpPr>
+        <p:spPr>
+          <a:xfrm>
+            <a:off x="457200" y="-27360"/>
+            <a:ext cx="8229240" cy="849600"/>
+          </a:xfrm>
+          <a:prstGeom prst="rect">
+            <a:avLst/>
+          </a:prstGeom>
+        </p:spPr>
+        <p:txBody>
+          <a:bodyPr anchor="ctr"/>
+          <a:lstStyle/>
+          <a:p>
+            <a:pPr algn="ctr">
+              <a:lnSpc>
+                <a:spcPct val="100000"/>
+              </a:lnSpc>
+            </a:pPr>
+            <a:r>
+              <a:rPr lang="pt-BR" sz="4400">
+                <a:solidFill>
+                  <a:srgbClr val="000000"/>
+                </a:solidFill>
+                <a:latin typeface="Calibri"/>
+              </a:rPr>
+              <a:t> Cadastro de Produto</a:t>
             </a:r>
             <a:endParaRPr/>
           </a:p>
-          <a:p>
-            <a:pPr>
-              <a:lnSpc>
-                <a:spcPct val="100000"/>
-              </a:lnSpc>
-            </a:pPr>
-            <a:endParaRPr/>
-          </a:p>
-          <a:p>
-            <a:pPr>
-              <a:lnSpc>
-                <a:spcPct val="100000"/>
-              </a:lnSpc>
-            </a:pPr>
-            <a:endParaRPr/>
-          </a:p>
-        </p:txBody>
-      </p:sp>
-      <p:sp>
-        <p:nvSpPr>
-          <p:cNvPr id="213" name="CustomShape 6"/>
-          <p:cNvSpPr/>
-          <p:nvPr/>
-        </p:nvSpPr>
-        <p:spPr>
-          <a:xfrm>
-            <a:off x="5148272" y="1628800"/>
-            <a:ext cx="1944000" cy="288208"/>
+        </p:txBody>
+      </p:sp>
+      <p:sp>
+        <p:nvSpPr>
+          <p:cNvPr id="189" name="CustomShape 6"/>
+          <p:cNvSpPr/>
+          <p:nvPr/>
+        </p:nvSpPr>
+        <p:spPr>
+          <a:xfrm>
+            <a:off x="539640" y="3213760"/>
+            <a:ext cx="1944000" cy="287640"/>
           </a:xfrm>
           <a:prstGeom prst="rect">
             <a:avLst/>
@@ -15905,38 +18123,139 @@
             <a:round/>
           </a:ln>
         </p:spPr>
-        <p:txBody>
-          <a:bodyPr lIns="90000" tIns="45000" rIns="90000" bIns="45000" anchor="ctr"/>
-          <a:lstStyle/>
-          <a:p>
-            <a:pPr algn="ctr">
-              <a:lnSpc>
-                <a:spcPct val="100000"/>
-              </a:lnSpc>
-            </a:pPr>
-            <a:r>
-              <a:rPr lang="pt-BR" dirty="0">
-                <a:solidFill>
-                  <a:srgbClr val="FFFFFF"/>
-                </a:solidFill>
-                <a:latin typeface="Calibri"/>
-              </a:rPr>
-              <a:t>//</a:t>
-            </a:r>
-            <a:endParaRPr dirty="0"/>
-          </a:p>
-        </p:txBody>
-      </p:sp>
-      <p:sp>
-        <p:nvSpPr>
-          <p:cNvPr id="214" name="CustomShape 7"/>
-          <p:cNvSpPr/>
-          <p:nvPr/>
-        </p:nvSpPr>
-        <p:spPr>
-          <a:xfrm>
-            <a:off x="8028824" y="1340768"/>
-            <a:ext cx="719640" cy="575640"/>
+      </p:sp>
+      <p:sp>
+        <p:nvSpPr>
+          <p:cNvPr id="190" name="CustomShape 7"/>
+          <p:cNvSpPr/>
+          <p:nvPr/>
+        </p:nvSpPr>
+        <p:spPr>
+          <a:xfrm>
+            <a:off x="395536" y="2806536"/>
+            <a:ext cx="3888336" cy="406440"/>
+          </a:xfrm>
+          <a:prstGeom prst="rect">
+            <a:avLst/>
+          </a:prstGeom>
+          <a:noFill/>
+          <a:ln>
+            <a:noFill/>
+          </a:ln>
+        </p:spPr>
+        <p:txBody>
+          <a:bodyPr/>
+          <a:lstStyle/>
+          <a:p>
+            <a:pPr>
+              <a:lnSpc>
+                <a:spcPct val="100000"/>
+              </a:lnSpc>
+            </a:pPr>
+            <a:r>
+              <a:rPr lang="pt-BR" sz="2400" dirty="0">
+                <a:solidFill>
+                  <a:srgbClr val="000000"/>
+                </a:solidFill>
+                <a:latin typeface="Calibri"/>
+              </a:rPr>
+              <a:t>Código de Barras</a:t>
+            </a:r>
+            <a:endParaRPr sz="2400" dirty="0"/>
+          </a:p>
+          <a:p>
+            <a:pPr>
+              <a:lnSpc>
+                <a:spcPct val="100000"/>
+              </a:lnSpc>
+            </a:pPr>
+            <a:endParaRPr sz="2400" dirty="0"/>
+          </a:p>
+          <a:p>
+            <a:pPr>
+              <a:lnSpc>
+                <a:spcPct val="100000"/>
+              </a:lnSpc>
+            </a:pPr>
+            <a:endParaRPr sz="2400" dirty="0"/>
+          </a:p>
+          <a:p>
+            <a:pPr>
+              <a:lnSpc>
+                <a:spcPct val="100000"/>
+              </a:lnSpc>
+            </a:pPr>
+            <a:endParaRPr sz="2400" dirty="0"/>
+          </a:p>
+        </p:txBody>
+      </p:sp>
+      <p:sp>
+        <p:nvSpPr>
+          <p:cNvPr id="191" name="CustomShape 8"/>
+          <p:cNvSpPr/>
+          <p:nvPr/>
+        </p:nvSpPr>
+        <p:spPr>
+          <a:xfrm>
+            <a:off x="395536" y="1053144"/>
+            <a:ext cx="3520376" cy="406440"/>
+          </a:xfrm>
+          <a:prstGeom prst="rect">
+            <a:avLst/>
+          </a:prstGeom>
+          <a:noFill/>
+          <a:ln>
+            <a:noFill/>
+          </a:ln>
+        </p:spPr>
+        <p:txBody>
+          <a:bodyPr/>
+          <a:lstStyle/>
+          <a:p>
+            <a:pPr>
+              <a:lnSpc>
+                <a:spcPct val="100000"/>
+              </a:lnSpc>
+            </a:pPr>
+            <a:r>
+              <a:rPr lang="pt-BR" sz="2400" dirty="0">
+                <a:solidFill>
+                  <a:srgbClr val="000000"/>
+                </a:solidFill>
+                <a:latin typeface="Calibri"/>
+              </a:rPr>
+              <a:t>Código</a:t>
+            </a:r>
+            <a:endParaRPr sz="2400" dirty="0"/>
+          </a:p>
+          <a:p>
+            <a:pPr>
+              <a:lnSpc>
+                <a:spcPct val="100000"/>
+              </a:lnSpc>
+            </a:pPr>
+            <a:endParaRPr sz="2400" dirty="0"/>
+          </a:p>
+          <a:p>
+            <a:pPr>
+              <a:lnSpc>
+                <a:spcPct val="100000"/>
+              </a:lnSpc>
+            </a:pPr>
+            <a:endParaRPr sz="2400" dirty="0"/>
+          </a:p>
+        </p:txBody>
+      </p:sp>
+      <p:sp>
+        <p:nvSpPr>
+          <p:cNvPr id="193" name="CustomShape 10"/>
+          <p:cNvSpPr/>
+          <p:nvPr/>
+        </p:nvSpPr>
+        <p:spPr>
+          <a:xfrm>
+            <a:off x="1692336" y="6093360"/>
+            <a:ext cx="1367640" cy="575640"/>
           </a:xfrm>
           <a:prstGeom prst="rect">
             <a:avLst/>
@@ -15961,27 +18280,27 @@
               </a:lnSpc>
             </a:pPr>
             <a:r>
-              <a:rPr lang="pt-BR" dirty="0">
+              <a:rPr lang="pt-BR">
                 <a:solidFill>
                   <a:srgbClr val="000000"/>
                 </a:solidFill>
                 <a:latin typeface="Calibri"/>
               </a:rPr>
-              <a:t>+</a:t>
-            </a:r>
-            <a:endParaRPr dirty="0"/>
-          </a:p>
-        </p:txBody>
-      </p:sp>
-      <p:sp>
-        <p:nvSpPr>
-          <p:cNvPr id="215" name="CustomShape 8"/>
-          <p:cNvSpPr/>
-          <p:nvPr/>
-        </p:nvSpPr>
-        <p:spPr>
-          <a:xfrm>
-            <a:off x="2412248" y="6048000"/>
+              <a:t>NOVO</a:t>
+            </a:r>
+            <a:endParaRPr/>
+          </a:p>
+        </p:txBody>
+      </p:sp>
+      <p:sp>
+        <p:nvSpPr>
+          <p:cNvPr id="194" name="CustomShape 11"/>
+          <p:cNvSpPr/>
+          <p:nvPr/>
+        </p:nvSpPr>
+        <p:spPr>
+          <a:xfrm>
+            <a:off x="3204336" y="6093360"/>
             <a:ext cx="1367640" cy="575640"/>
           </a:xfrm>
           <a:prstGeom prst="rect">
@@ -16013,7 +18332,7 @@
                 </a:solidFill>
                 <a:latin typeface="Calibri"/>
               </a:rPr>
-              <a:t>GRAVAR</a:t>
+              <a:t>ALTERAR</a:t>
             </a:r>
             <a:endParaRPr/>
           </a:p>
@@ -16021,13 +18340,13 @@
       </p:sp>
       <p:sp>
         <p:nvSpPr>
-          <p:cNvPr id="216" name="CustomShape 9"/>
-          <p:cNvSpPr/>
-          <p:nvPr/>
-        </p:nvSpPr>
-        <p:spPr>
-          <a:xfrm>
-            <a:off x="3924248" y="6048000"/>
+          <p:cNvPr id="195" name="CustomShape 12"/>
+          <p:cNvSpPr/>
+          <p:nvPr/>
+        </p:nvSpPr>
+        <p:spPr>
+          <a:xfrm>
+            <a:off x="4716696" y="6093360"/>
             <a:ext cx="1367640" cy="575640"/>
           </a:xfrm>
           <a:prstGeom prst="rect">
@@ -16059,517 +18378,21 @@
                 </a:solidFill>
                 <a:latin typeface="Calibri"/>
               </a:rPr>
-              <a:t>Enviar</a:t>
+              <a:t>GRAVAR</a:t>
             </a:r>
             <a:endParaRPr/>
           </a:p>
         </p:txBody>
       </p:sp>
-      <p:graphicFrame>
-        <p:nvGraphicFramePr>
-          <p:cNvPr id="217" name="Table 10"/>
-          <p:cNvGraphicFramePr/>
-          <p:nvPr/>
-        </p:nvGraphicFramePr>
-        <p:xfrm>
-          <a:off x="404280" y="2237040"/>
-          <a:ext cx="8379720" cy="2334960"/>
-        </p:xfrm>
-        <a:graphic>
-          <a:graphicData uri="http://schemas.openxmlformats.org/drawingml/2006/table">
-            <a:tbl>
-              <a:tblPr>
-                <a:tableStyleId>{D7AC3CCA-C797-4891-BE02-D94E43425B78}</a:tableStyleId>
-              </a:tblPr>
-              <a:tblGrid>
-                <a:gridCol w="1002600"/>
-                <a:gridCol w="3810240"/>
-                <a:gridCol w="1472040"/>
-                <a:gridCol w="1068840"/>
-                <a:gridCol w="1026000"/>
-              </a:tblGrid>
-              <a:tr h="424800">
-                <a:tc>
-                  <a:txBody>
-                    <a:bodyPr/>
-                    <a:lstStyle/>
-                    <a:p>
-                      <a:pPr>
-                        <a:lnSpc>
-                          <a:spcPct val="100000"/>
-                        </a:lnSpc>
-                      </a:pPr>
-                      <a:r>
-                        <a:rPr lang="pt-BR" dirty="0"/>
-                        <a:t>Produto</a:t>
-                      </a:r>
-                      <a:endParaRPr dirty="0">
-                        <a:solidFill>
-                          <a:schemeClr val="tx1"/>
-                        </a:solidFill>
-                      </a:endParaRPr>
-                    </a:p>
-                  </a:txBody>
-                  <a:tcPr/>
-                </a:tc>
-                <a:tc>
-                  <a:txBody>
-                    <a:bodyPr/>
-                    <a:lstStyle/>
-                    <a:p>
-                      <a:pPr>
-                        <a:lnSpc>
-                          <a:spcPct val="100000"/>
-                        </a:lnSpc>
-                      </a:pPr>
-                      <a:r>
-                        <a:rPr lang="pt-BR"/>
-                        <a:t>Descrição</a:t>
-                      </a:r>
-                      <a:endParaRPr>
-                        <a:solidFill>
-                          <a:schemeClr val="tx1"/>
-                        </a:solidFill>
-                      </a:endParaRPr>
-                    </a:p>
-                  </a:txBody>
-                  <a:tcPr/>
-                </a:tc>
-                <a:tc>
-                  <a:txBody>
-                    <a:bodyPr/>
-                    <a:lstStyle/>
-                    <a:p>
-                      <a:pPr algn="l">
-                        <a:lnSpc>
-                          <a:spcPct val="100000"/>
-                        </a:lnSpc>
-                      </a:pPr>
-                      <a:r>
-                        <a:rPr lang="pt-BR" dirty="0"/>
-                        <a:t>Quantidade</a:t>
-                      </a:r>
-                      <a:endParaRPr dirty="0">
-                        <a:solidFill>
-                          <a:schemeClr val="tx1"/>
-                        </a:solidFill>
-                      </a:endParaRPr>
-                    </a:p>
-                  </a:txBody>
-                  <a:tcPr/>
-                </a:tc>
-                <a:tc>
-                  <a:txBody>
-                    <a:bodyPr/>
-                    <a:lstStyle/>
-                    <a:p>
-                      <a:pPr algn="l"/>
-                      <a:r>
-                        <a:rPr lang="pt-BR"/>
-                        <a:t>Preço</a:t>
-                      </a:r>
-                      <a:endParaRPr>
-                        <a:solidFill>
-                          <a:schemeClr val="tx1"/>
-                        </a:solidFill>
-                      </a:endParaRPr>
-                    </a:p>
-                  </a:txBody>
-                  <a:tcPr/>
-                </a:tc>
-                <a:tc>
-                  <a:txBody>
-                    <a:bodyPr/>
-                    <a:lstStyle/>
-                    <a:p>
-                      <a:pPr algn="l"/>
-                      <a:r>
-                        <a:rPr lang="pt-BR" dirty="0"/>
-                        <a:t>Total</a:t>
-                      </a:r>
-                      <a:endParaRPr dirty="0">
-                        <a:solidFill>
-                          <a:schemeClr val="tx1"/>
-                        </a:solidFill>
-                      </a:endParaRPr>
-                    </a:p>
-                  </a:txBody>
-                  <a:tcPr/>
-                </a:tc>
-              </a:tr>
-              <a:tr h="381960">
-                <a:tc>
-                  <a:txBody>
-                    <a:bodyPr/>
-                    <a:lstStyle/>
-                    <a:p>
-                      <a:endParaRPr lang="pt-BR">
-                        <a:solidFill>
-                          <a:schemeClr val="tx1"/>
-                        </a:solidFill>
-                      </a:endParaRPr>
-                    </a:p>
-                  </a:txBody>
-                  <a:tcPr/>
-                </a:tc>
-                <a:tc>
-                  <a:txBody>
-                    <a:bodyPr/>
-                    <a:lstStyle/>
-                    <a:p>
-                      <a:endParaRPr lang="pt-BR" dirty="0">
-                        <a:solidFill>
-                          <a:schemeClr val="tx1"/>
-                        </a:solidFill>
-                      </a:endParaRPr>
-                    </a:p>
-                  </a:txBody>
-                  <a:tcPr/>
-                </a:tc>
-                <a:tc>
-                  <a:txBody>
-                    <a:bodyPr/>
-                    <a:lstStyle/>
-                    <a:p>
-                      <a:endParaRPr lang="pt-BR">
-                        <a:solidFill>
-                          <a:schemeClr val="tx1"/>
-                        </a:solidFill>
-                      </a:endParaRPr>
-                    </a:p>
-                  </a:txBody>
-                  <a:tcPr/>
-                </a:tc>
-                <a:tc>
-                  <a:txBody>
-                    <a:bodyPr/>
-                    <a:lstStyle/>
-                    <a:p>
-                      <a:endParaRPr lang="pt-BR" dirty="0">
-                        <a:solidFill>
-                          <a:schemeClr val="tx1"/>
-                        </a:solidFill>
-                      </a:endParaRPr>
-                    </a:p>
-                  </a:txBody>
-                  <a:tcPr/>
-                </a:tc>
-                <a:tc>
-                  <a:txBody>
-                    <a:bodyPr/>
-                    <a:lstStyle/>
-                    <a:p>
-                      <a:endParaRPr lang="pt-BR" dirty="0">
-                        <a:solidFill>
-                          <a:schemeClr val="tx1"/>
-                        </a:solidFill>
-                      </a:endParaRPr>
-                    </a:p>
-                  </a:txBody>
-                  <a:tcPr/>
-                </a:tc>
-              </a:tr>
-              <a:tr h="381960">
-                <a:tc>
-                  <a:txBody>
-                    <a:bodyPr/>
-                    <a:lstStyle/>
-                    <a:p>
-                      <a:endParaRPr lang="pt-BR">
-                        <a:solidFill>
-                          <a:schemeClr val="tx1"/>
-                        </a:solidFill>
-                      </a:endParaRPr>
-                    </a:p>
-                  </a:txBody>
-                  <a:tcPr/>
-                </a:tc>
-                <a:tc>
-                  <a:txBody>
-                    <a:bodyPr/>
-                    <a:lstStyle/>
-                    <a:p>
-                      <a:endParaRPr lang="pt-BR">
-                        <a:solidFill>
-                          <a:schemeClr val="tx1"/>
-                        </a:solidFill>
-                      </a:endParaRPr>
-                    </a:p>
-                  </a:txBody>
-                  <a:tcPr/>
-                </a:tc>
-                <a:tc>
-                  <a:txBody>
-                    <a:bodyPr/>
-                    <a:lstStyle/>
-                    <a:p>
-                      <a:endParaRPr lang="pt-BR">
-                        <a:solidFill>
-                          <a:schemeClr val="tx1"/>
-                        </a:solidFill>
-                      </a:endParaRPr>
-                    </a:p>
-                  </a:txBody>
-                  <a:tcPr/>
-                </a:tc>
-                <a:tc>
-                  <a:txBody>
-                    <a:bodyPr/>
-                    <a:lstStyle/>
-                    <a:p>
-                      <a:endParaRPr lang="pt-BR">
-                        <a:solidFill>
-                          <a:schemeClr val="tx1"/>
-                        </a:solidFill>
-                      </a:endParaRPr>
-                    </a:p>
-                  </a:txBody>
-                  <a:tcPr/>
-                </a:tc>
-                <a:tc>
-                  <a:txBody>
-                    <a:bodyPr/>
-                    <a:lstStyle/>
-                    <a:p>
-                      <a:endParaRPr lang="pt-BR">
-                        <a:solidFill>
-                          <a:schemeClr val="tx1"/>
-                        </a:solidFill>
-                      </a:endParaRPr>
-                    </a:p>
-                  </a:txBody>
-                  <a:tcPr/>
-                </a:tc>
-              </a:tr>
-              <a:tr h="381960">
-                <a:tc>
-                  <a:txBody>
-                    <a:bodyPr/>
-                    <a:lstStyle/>
-                    <a:p>
-                      <a:endParaRPr lang="pt-BR">
-                        <a:solidFill>
-                          <a:schemeClr val="tx1"/>
-                        </a:solidFill>
-                      </a:endParaRPr>
-                    </a:p>
-                  </a:txBody>
-                  <a:tcPr/>
-                </a:tc>
-                <a:tc>
-                  <a:txBody>
-                    <a:bodyPr/>
-                    <a:lstStyle/>
-                    <a:p>
-                      <a:endParaRPr lang="pt-BR">
-                        <a:solidFill>
-                          <a:schemeClr val="tx1"/>
-                        </a:solidFill>
-                      </a:endParaRPr>
-                    </a:p>
-                  </a:txBody>
-                  <a:tcPr/>
-                </a:tc>
-                <a:tc>
-                  <a:txBody>
-                    <a:bodyPr/>
-                    <a:lstStyle/>
-                    <a:p>
-                      <a:endParaRPr lang="pt-BR">
-                        <a:solidFill>
-                          <a:schemeClr val="tx1"/>
-                        </a:solidFill>
-                      </a:endParaRPr>
-                    </a:p>
-                  </a:txBody>
-                  <a:tcPr/>
-                </a:tc>
-                <a:tc>
-                  <a:txBody>
-                    <a:bodyPr/>
-                    <a:lstStyle/>
-                    <a:p>
-                      <a:endParaRPr lang="pt-BR">
-                        <a:solidFill>
-                          <a:schemeClr val="tx1"/>
-                        </a:solidFill>
-                      </a:endParaRPr>
-                    </a:p>
-                  </a:txBody>
-                  <a:tcPr/>
-                </a:tc>
-                <a:tc>
-                  <a:txBody>
-                    <a:bodyPr/>
-                    <a:lstStyle/>
-                    <a:p>
-                      <a:endParaRPr lang="pt-BR">
-                        <a:solidFill>
-                          <a:schemeClr val="tx1"/>
-                        </a:solidFill>
-                      </a:endParaRPr>
-                    </a:p>
-                  </a:txBody>
-                  <a:tcPr/>
-                </a:tc>
-              </a:tr>
-              <a:tr h="381960">
-                <a:tc>
-                  <a:txBody>
-                    <a:bodyPr/>
-                    <a:lstStyle/>
-                    <a:p>
-                      <a:endParaRPr lang="pt-BR">
-                        <a:solidFill>
-                          <a:schemeClr val="tx1"/>
-                        </a:solidFill>
-                      </a:endParaRPr>
-                    </a:p>
-                  </a:txBody>
-                  <a:tcPr/>
-                </a:tc>
-                <a:tc>
-                  <a:txBody>
-                    <a:bodyPr/>
-                    <a:lstStyle/>
-                    <a:p>
-                      <a:endParaRPr lang="pt-BR">
-                        <a:solidFill>
-                          <a:schemeClr val="tx1"/>
-                        </a:solidFill>
-                      </a:endParaRPr>
-                    </a:p>
-                  </a:txBody>
-                  <a:tcPr/>
-                </a:tc>
-                <a:tc>
-                  <a:txBody>
-                    <a:bodyPr/>
-                    <a:lstStyle/>
-                    <a:p>
-                      <a:endParaRPr lang="pt-BR">
-                        <a:solidFill>
-                          <a:schemeClr val="tx1"/>
-                        </a:solidFill>
-                      </a:endParaRPr>
-                    </a:p>
-                  </a:txBody>
-                  <a:tcPr/>
-                </a:tc>
-                <a:tc>
-                  <a:txBody>
-                    <a:bodyPr/>
-                    <a:lstStyle/>
-                    <a:p>
-                      <a:endParaRPr lang="pt-BR">
-                        <a:solidFill>
-                          <a:schemeClr val="tx1"/>
-                        </a:solidFill>
-                      </a:endParaRPr>
-                    </a:p>
-                  </a:txBody>
-                  <a:tcPr/>
-                </a:tc>
-                <a:tc>
-                  <a:txBody>
-                    <a:bodyPr/>
-                    <a:lstStyle/>
-                    <a:p>
-                      <a:endParaRPr lang="pt-BR">
-                        <a:solidFill>
-                          <a:schemeClr val="tx1"/>
-                        </a:solidFill>
-                      </a:endParaRPr>
-                    </a:p>
-                  </a:txBody>
-                  <a:tcPr/>
-                </a:tc>
-              </a:tr>
-              <a:tr h="382320">
-                <a:tc>
-                  <a:txBody>
-                    <a:bodyPr/>
-                    <a:lstStyle/>
-                    <a:p>
-                      <a:endParaRPr lang="pt-BR">
-                        <a:solidFill>
-                          <a:schemeClr val="tx1"/>
-                        </a:solidFill>
-                      </a:endParaRPr>
-                    </a:p>
-                  </a:txBody>
-                  <a:tcPr/>
-                </a:tc>
-                <a:tc>
-                  <a:txBody>
-                    <a:bodyPr/>
-                    <a:lstStyle/>
-                    <a:p>
-                      <a:endParaRPr lang="pt-BR">
-                        <a:solidFill>
-                          <a:schemeClr val="tx1"/>
-                        </a:solidFill>
-                      </a:endParaRPr>
-                    </a:p>
-                  </a:txBody>
-                  <a:tcPr/>
-                </a:tc>
-                <a:tc>
-                  <a:txBody>
-                    <a:bodyPr/>
-                    <a:lstStyle/>
-                    <a:p>
-                      <a:endParaRPr lang="pt-BR">
-                        <a:solidFill>
-                          <a:schemeClr val="tx1"/>
-                        </a:solidFill>
-                      </a:endParaRPr>
-                    </a:p>
-                  </a:txBody>
-                  <a:tcPr/>
-                </a:tc>
-                <a:tc>
-                  <a:txBody>
-                    <a:bodyPr/>
-                    <a:lstStyle/>
-                    <a:p>
-                      <a:endParaRPr lang="pt-BR">
-                        <a:solidFill>
-                          <a:schemeClr val="tx1"/>
-                        </a:solidFill>
-                      </a:endParaRPr>
-                    </a:p>
-                  </a:txBody>
-                  <a:tcPr/>
-                </a:tc>
-                <a:tc>
-                  <a:txBody>
-                    <a:bodyPr/>
-                    <a:lstStyle/>
-                    <a:p>
-                      <a:endParaRPr lang="pt-BR" dirty="0">
-                        <a:solidFill>
-                          <a:schemeClr val="tx1"/>
-                        </a:solidFill>
-                      </a:endParaRPr>
-                    </a:p>
-                  </a:txBody>
-                  <a:tcPr/>
-                </a:tc>
-              </a:tr>
-            </a:tbl>
-          </a:graphicData>
-        </a:graphic>
-      </p:graphicFrame>
-      <p:sp>
-        <p:nvSpPr>
-          <p:cNvPr id="218" name="CustomShape 11"/>
-          <p:cNvSpPr/>
-          <p:nvPr/>
-        </p:nvSpPr>
-        <p:spPr>
-          <a:xfrm>
-            <a:off x="5436608" y="6048000"/>
+      <p:sp>
+        <p:nvSpPr>
+          <p:cNvPr id="196" name="CustomShape 13"/>
+          <p:cNvSpPr/>
+          <p:nvPr/>
+        </p:nvSpPr>
+        <p:spPr>
+          <a:xfrm>
+            <a:off x="6228696" y="6093360"/>
             <a:ext cx="1367640" cy="575640"/>
           </a:xfrm>
           <a:prstGeom prst="rect">
@@ -16609,16 +18432,130 @@
       </p:sp>
       <p:sp>
         <p:nvSpPr>
-          <p:cNvPr id="221" name="CustomShape 14"/>
-          <p:cNvSpPr/>
-          <p:nvPr/>
-        </p:nvSpPr>
-        <p:spPr>
-          <a:xfrm>
-            <a:off x="7524328" y="836712"/>
-            <a:ext cx="1188000" cy="288032"/>
-          </a:xfrm>
-          <a:prstGeom prst="rect">
+          <p:cNvPr id="197" name="CustomShape 14"/>
+          <p:cNvSpPr/>
+          <p:nvPr/>
+        </p:nvSpPr>
+        <p:spPr>
+          <a:xfrm>
+            <a:off x="6876360" y="908720"/>
+            <a:ext cx="2160000" cy="406440"/>
+          </a:xfrm>
+          <a:prstGeom prst="rect">
+            <a:avLst/>
+          </a:prstGeom>
+          <a:noFill/>
+          <a:ln>
+            <a:noFill/>
+          </a:ln>
+        </p:spPr>
+        <p:txBody>
+          <a:bodyPr/>
+          <a:lstStyle/>
+          <a:p>
+            <a:pPr>
+              <a:lnSpc>
+                <a:spcPct val="100000"/>
+              </a:lnSpc>
+            </a:pPr>
+            <a:r>
+              <a:rPr lang="pt-BR" sz="2400" dirty="0">
+                <a:solidFill>
+                  <a:srgbClr val="000000"/>
+                </a:solidFill>
+                <a:latin typeface="Calibri"/>
+              </a:rPr>
+              <a:t>Status</a:t>
+            </a:r>
+            <a:endParaRPr sz="2400" dirty="0"/>
+          </a:p>
+          <a:p>
+            <a:pPr>
+              <a:lnSpc>
+                <a:spcPct val="100000"/>
+              </a:lnSpc>
+            </a:pPr>
+            <a:endParaRPr sz="2400" dirty="0"/>
+          </a:p>
+          <a:p>
+            <a:pPr>
+              <a:lnSpc>
+                <a:spcPct val="100000"/>
+              </a:lnSpc>
+            </a:pPr>
+            <a:endParaRPr sz="2400" dirty="0"/>
+          </a:p>
+        </p:txBody>
+      </p:sp>
+      <p:sp>
+        <p:nvSpPr>
+          <p:cNvPr id="198" name="CustomShape 15"/>
+          <p:cNvSpPr/>
+          <p:nvPr/>
+        </p:nvSpPr>
+        <p:spPr>
+          <a:xfrm>
+            <a:off x="7236360" y="1366376"/>
+            <a:ext cx="2088000" cy="406440"/>
+          </a:xfrm>
+          <a:prstGeom prst="rect">
+            <a:avLst/>
+          </a:prstGeom>
+          <a:noFill/>
+          <a:ln>
+            <a:noFill/>
+          </a:ln>
+        </p:spPr>
+        <p:txBody>
+          <a:bodyPr/>
+          <a:lstStyle/>
+          <a:p>
+            <a:pPr>
+              <a:lnSpc>
+                <a:spcPct val="100000"/>
+              </a:lnSpc>
+            </a:pPr>
+            <a:r>
+              <a:rPr lang="pt-BR" sz="2400" dirty="0">
+                <a:solidFill>
+                  <a:srgbClr val="000000"/>
+                </a:solidFill>
+                <a:latin typeface="Calibri"/>
+              </a:rPr>
+              <a:t>Ativo</a:t>
+            </a:r>
+            <a:endParaRPr sz="2400" dirty="0"/>
+          </a:p>
+          <a:p>
+            <a:pPr>
+              <a:lnSpc>
+                <a:spcPct val="100000"/>
+              </a:lnSpc>
+            </a:pPr>
+            <a:endParaRPr sz="2400" dirty="0"/>
+          </a:p>
+          <a:p>
+            <a:pPr>
+              <a:lnSpc>
+                <a:spcPct val="100000"/>
+              </a:lnSpc>
+            </a:pPr>
+            <a:endParaRPr sz="2400" dirty="0"/>
+          </a:p>
+        </p:txBody>
+      </p:sp>
+      <p:sp>
+        <p:nvSpPr>
+          <p:cNvPr id="199" name="CustomShape 16"/>
+          <p:cNvSpPr/>
+          <p:nvPr/>
+        </p:nvSpPr>
+        <p:spPr>
+          <a:xfrm>
+            <a:off x="7020656" y="1773200"/>
+            <a:ext cx="215640" cy="215640"/>
+          </a:xfrm>
+          <a:prstGeom prst="ellipse">
             <a:avLst/>
           </a:prstGeom>
           <a:solidFill>
@@ -16631,38 +18568,17 @@
             <a:round/>
           </a:ln>
         </p:spPr>
-        <p:txBody>
-          <a:bodyPr lIns="90000" tIns="45000" rIns="90000" bIns="45000" anchor="ctr"/>
-          <a:lstStyle/>
-          <a:p>
-            <a:pPr algn="ctr">
-              <a:lnSpc>
-                <a:spcPct val="100000"/>
-              </a:lnSpc>
-            </a:pPr>
-            <a:r>
-              <a:rPr lang="pt-BR" dirty="0">
-                <a:solidFill>
-                  <a:srgbClr val="FFFFFF"/>
-                </a:solidFill>
-                <a:latin typeface="Calibri"/>
-              </a:rPr>
-              <a:t>//</a:t>
-            </a:r>
-            <a:endParaRPr dirty="0"/>
-          </a:p>
-        </p:txBody>
-      </p:sp>
-      <p:sp>
-        <p:nvSpPr>
-          <p:cNvPr id="222" name="CustomShape 15"/>
-          <p:cNvSpPr/>
-          <p:nvPr/>
-        </p:nvSpPr>
-        <p:spPr>
-          <a:xfrm>
-            <a:off x="5220072" y="4653136"/>
-            <a:ext cx="1440000" cy="406440"/>
+      </p:sp>
+      <p:sp>
+        <p:nvSpPr>
+          <p:cNvPr id="200" name="CustomShape 17"/>
+          <p:cNvSpPr/>
+          <p:nvPr/>
+        </p:nvSpPr>
+        <p:spPr>
+          <a:xfrm>
+            <a:off x="7236528" y="1654408"/>
+            <a:ext cx="2088000" cy="406440"/>
           </a:xfrm>
           <a:prstGeom prst="rect">
             <a:avLst/>
@@ -16676,50 +18592,262 @@
           <a:bodyPr/>
           <a:lstStyle/>
           <a:p>
-            <a:pPr algn="r">
-              <a:lnSpc>
-                <a:spcPct val="100000"/>
-              </a:lnSpc>
-            </a:pPr>
-            <a:r>
-              <a:rPr lang="pt-BR" dirty="0">
+            <a:pPr>
+              <a:lnSpc>
+                <a:spcPct val="100000"/>
+              </a:lnSpc>
+            </a:pPr>
+            <a:r>
+              <a:rPr lang="pt-BR" sz="2400" dirty="0">
                 <a:solidFill>
                   <a:srgbClr val="000000"/>
                 </a:solidFill>
                 <a:latin typeface="Calibri"/>
               </a:rPr>
-              <a:t>Total</a:t>
-            </a:r>
-            <a:endParaRPr dirty="0"/>
-          </a:p>
-          <a:p>
-            <a:pPr>
-              <a:lnSpc>
-                <a:spcPct val="100000"/>
-              </a:lnSpc>
-            </a:pPr>
-            <a:endParaRPr dirty="0"/>
-          </a:p>
-          <a:p>
-            <a:pPr>
-              <a:lnSpc>
-                <a:spcPct val="100000"/>
-              </a:lnSpc>
-            </a:pPr>
-            <a:endParaRPr dirty="0"/>
-          </a:p>
-        </p:txBody>
-      </p:sp>
-      <p:sp>
-        <p:nvSpPr>
-          <p:cNvPr id="225" name="CustomShape 18"/>
-          <p:cNvSpPr/>
-          <p:nvPr/>
-        </p:nvSpPr>
-        <p:spPr>
-          <a:xfrm>
-            <a:off x="6696000" y="4715912"/>
-            <a:ext cx="2088000" cy="297264"/>
+              <a:t>Inativo</a:t>
+            </a:r>
+            <a:endParaRPr sz="2400" dirty="0"/>
+          </a:p>
+          <a:p>
+            <a:pPr>
+              <a:lnSpc>
+                <a:spcPct val="100000"/>
+              </a:lnSpc>
+            </a:pPr>
+            <a:endParaRPr sz="2400" dirty="0"/>
+          </a:p>
+          <a:p>
+            <a:pPr>
+              <a:lnSpc>
+                <a:spcPct val="100000"/>
+              </a:lnSpc>
+            </a:pPr>
+            <a:endParaRPr sz="2400" dirty="0"/>
+          </a:p>
+          <a:p>
+            <a:pPr>
+              <a:lnSpc>
+                <a:spcPct val="100000"/>
+              </a:lnSpc>
+            </a:pPr>
+            <a:endParaRPr sz="2400" dirty="0"/>
+          </a:p>
+        </p:txBody>
+      </p:sp>
+      <p:sp>
+        <p:nvSpPr>
+          <p:cNvPr id="201" name="CustomShape 18"/>
+          <p:cNvSpPr/>
+          <p:nvPr/>
+        </p:nvSpPr>
+        <p:spPr>
+          <a:xfrm>
+            <a:off x="7020656" y="1485200"/>
+            <a:ext cx="215640" cy="215640"/>
+          </a:xfrm>
+          <a:prstGeom prst="ellipse">
+            <a:avLst/>
+          </a:prstGeom>
+          <a:solidFill>
+            <a:srgbClr val="000000"/>
+          </a:solidFill>
+          <a:ln w="25560">
+            <a:solidFill>
+              <a:srgbClr val="000000"/>
+            </a:solidFill>
+            <a:round/>
+          </a:ln>
+        </p:spPr>
+      </p:sp>
+      <p:sp>
+        <p:nvSpPr>
+          <p:cNvPr id="203" name="CustomShape 20"/>
+          <p:cNvSpPr/>
+          <p:nvPr/>
+        </p:nvSpPr>
+        <p:spPr>
+          <a:xfrm>
+            <a:off x="395536" y="3645024"/>
+            <a:ext cx="3491936" cy="406440"/>
+          </a:xfrm>
+          <a:prstGeom prst="rect">
+            <a:avLst/>
+          </a:prstGeom>
+          <a:noFill/>
+          <a:ln>
+            <a:noFill/>
+          </a:ln>
+        </p:spPr>
+        <p:txBody>
+          <a:bodyPr/>
+          <a:lstStyle/>
+          <a:p>
+            <a:pPr>
+              <a:lnSpc>
+                <a:spcPct val="100000"/>
+              </a:lnSpc>
+            </a:pPr>
+            <a:r>
+              <a:rPr lang="pt-BR" sz="2400" dirty="0">
+                <a:solidFill>
+                  <a:srgbClr val="000000"/>
+                </a:solidFill>
+                <a:latin typeface="Calibri"/>
+              </a:rPr>
+              <a:t>Preço Custo</a:t>
+            </a:r>
+            <a:endParaRPr sz="2400" dirty="0"/>
+          </a:p>
+          <a:p>
+            <a:pPr>
+              <a:lnSpc>
+                <a:spcPct val="100000"/>
+              </a:lnSpc>
+            </a:pPr>
+            <a:endParaRPr sz="2400" dirty="0"/>
+          </a:p>
+          <a:p>
+            <a:pPr>
+              <a:lnSpc>
+                <a:spcPct val="100000"/>
+              </a:lnSpc>
+            </a:pPr>
+            <a:endParaRPr sz="2400" dirty="0"/>
+          </a:p>
+          <a:p>
+            <a:pPr>
+              <a:lnSpc>
+                <a:spcPct val="100000"/>
+              </a:lnSpc>
+            </a:pPr>
+            <a:endParaRPr sz="2400" dirty="0"/>
+          </a:p>
+        </p:txBody>
+      </p:sp>
+      <p:sp>
+        <p:nvSpPr>
+          <p:cNvPr id="204" name="CustomShape 21"/>
+          <p:cNvSpPr/>
+          <p:nvPr/>
+        </p:nvSpPr>
+        <p:spPr>
+          <a:xfrm>
+            <a:off x="2591992" y="3645024"/>
+            <a:ext cx="2916112" cy="406440"/>
+          </a:xfrm>
+          <a:prstGeom prst="rect">
+            <a:avLst/>
+          </a:prstGeom>
+          <a:noFill/>
+          <a:ln>
+            <a:noFill/>
+          </a:ln>
+        </p:spPr>
+        <p:txBody>
+          <a:bodyPr/>
+          <a:lstStyle/>
+          <a:p>
+            <a:pPr>
+              <a:lnSpc>
+                <a:spcPct val="100000"/>
+              </a:lnSpc>
+            </a:pPr>
+            <a:r>
+              <a:rPr lang="pt-BR" sz="2400" dirty="0">
+                <a:solidFill>
+                  <a:srgbClr val="000000"/>
+                </a:solidFill>
+                <a:latin typeface="Calibri"/>
+              </a:rPr>
+              <a:t>Preço Venda</a:t>
+            </a:r>
+            <a:endParaRPr sz="2400" dirty="0"/>
+          </a:p>
+          <a:p>
+            <a:pPr>
+              <a:lnSpc>
+                <a:spcPct val="100000"/>
+              </a:lnSpc>
+            </a:pPr>
+            <a:endParaRPr sz="2400" dirty="0"/>
+          </a:p>
+          <a:p>
+            <a:pPr>
+              <a:lnSpc>
+                <a:spcPct val="100000"/>
+              </a:lnSpc>
+            </a:pPr>
+            <a:endParaRPr sz="2400" dirty="0"/>
+          </a:p>
+        </p:txBody>
+      </p:sp>
+      <p:sp>
+        <p:nvSpPr>
+          <p:cNvPr id="206" name="CustomShape 23"/>
+          <p:cNvSpPr/>
+          <p:nvPr/>
+        </p:nvSpPr>
+        <p:spPr>
+          <a:xfrm>
+            <a:off x="395536" y="1916832"/>
+            <a:ext cx="2160000" cy="406440"/>
+          </a:xfrm>
+          <a:prstGeom prst="rect">
+            <a:avLst/>
+          </a:prstGeom>
+          <a:noFill/>
+          <a:ln>
+            <a:noFill/>
+          </a:ln>
+        </p:spPr>
+        <p:txBody>
+          <a:bodyPr/>
+          <a:lstStyle/>
+          <a:p>
+            <a:pPr>
+              <a:lnSpc>
+                <a:spcPct val="100000"/>
+              </a:lnSpc>
+            </a:pPr>
+            <a:r>
+              <a:rPr lang="pt-BR" sz="2400" dirty="0">
+                <a:solidFill>
+                  <a:srgbClr val="000000"/>
+                </a:solidFill>
+                <a:latin typeface="Calibri"/>
+              </a:rPr>
+              <a:t>Grupo</a:t>
+            </a:r>
+            <a:endParaRPr sz="2400" dirty="0"/>
+          </a:p>
+          <a:p>
+            <a:pPr>
+              <a:lnSpc>
+                <a:spcPct val="100000"/>
+              </a:lnSpc>
+            </a:pPr>
+            <a:endParaRPr sz="2400" dirty="0"/>
+          </a:p>
+          <a:p>
+            <a:pPr>
+              <a:lnSpc>
+                <a:spcPct val="100000"/>
+              </a:lnSpc>
+            </a:pPr>
+            <a:endParaRPr sz="2400" dirty="0"/>
+          </a:p>
+        </p:txBody>
+      </p:sp>
+      <p:sp>
+        <p:nvSpPr>
+          <p:cNvPr id="26" name="CustomShape 1"/>
+          <p:cNvSpPr/>
+          <p:nvPr/>
+        </p:nvSpPr>
+        <p:spPr>
+          <a:xfrm>
+            <a:off x="539552" y="1484784"/>
+            <a:ext cx="2016224" cy="288032"/>
           </a:xfrm>
           <a:prstGeom prst="rect">
             <a:avLst/>
@@ -16734,95 +18862,17 @@
             <a:round/>
           </a:ln>
         </p:spPr>
-        <p:txBody>
-          <a:bodyPr lIns="90000" tIns="45000" rIns="90000" bIns="45000" anchor="ctr"/>
-          <a:lstStyle/>
-          <a:p>
-            <a:pPr algn="ctr">
-              <a:lnSpc>
-                <a:spcPct val="100000"/>
-              </a:lnSpc>
-            </a:pPr>
-            <a:r>
-              <a:rPr lang="pt-BR">
-                <a:solidFill>
-                  <a:srgbClr val="FFFFFF"/>
-                </a:solidFill>
-                <a:latin typeface="Calibri"/>
-              </a:rPr>
-              <a:t>//</a:t>
-            </a:r>
-            <a:endParaRPr/>
-          </a:p>
-        </p:txBody>
-      </p:sp>
-      <p:sp>
-        <p:nvSpPr>
-          <p:cNvPr id="226" name="CustomShape 19"/>
-          <p:cNvSpPr/>
-          <p:nvPr/>
-        </p:nvSpPr>
-        <p:spPr>
-          <a:xfrm>
-            <a:off x="5256000" y="5110840"/>
-            <a:ext cx="1440000" cy="406440"/>
-          </a:xfrm>
-          <a:prstGeom prst="rect">
-            <a:avLst/>
-          </a:prstGeom>
-          <a:noFill/>
-          <a:ln>
-            <a:noFill/>
-          </a:ln>
-        </p:spPr>
-        <p:txBody>
-          <a:bodyPr/>
-          <a:lstStyle/>
-          <a:p>
-            <a:pPr algn="r">
-              <a:lnSpc>
-                <a:spcPct val="100000"/>
-              </a:lnSpc>
-            </a:pPr>
-            <a:r>
-              <a:rPr lang="pt-BR" dirty="0">
-                <a:solidFill>
-                  <a:srgbClr val="000000"/>
-                </a:solidFill>
-                <a:latin typeface="Calibri"/>
-              </a:rPr>
-              <a:t>Desconto</a:t>
-            </a:r>
-            <a:endParaRPr dirty="0"/>
-          </a:p>
-          <a:p>
-            <a:pPr>
-              <a:lnSpc>
-                <a:spcPct val="100000"/>
-              </a:lnSpc>
-            </a:pPr>
-            <a:endParaRPr dirty="0"/>
-          </a:p>
-          <a:p>
-            <a:pPr>
-              <a:lnSpc>
-                <a:spcPct val="100000"/>
-              </a:lnSpc>
-            </a:pPr>
-            <a:endParaRPr dirty="0"/>
-          </a:p>
-        </p:txBody>
-      </p:sp>
-      <p:sp>
-        <p:nvSpPr>
-          <p:cNvPr id="227" name="CustomShape 20"/>
-          <p:cNvSpPr/>
-          <p:nvPr/>
-        </p:nvSpPr>
-        <p:spPr>
-          <a:xfrm>
-            <a:off x="6696000" y="5147960"/>
-            <a:ext cx="2088000" cy="297264"/>
+      </p:sp>
+      <p:sp>
+        <p:nvSpPr>
+          <p:cNvPr id="27" name="CustomShape 1"/>
+          <p:cNvSpPr/>
+          <p:nvPr/>
+        </p:nvSpPr>
+        <p:spPr>
+          <a:xfrm>
+            <a:off x="539552" y="2349272"/>
+            <a:ext cx="2016224" cy="288032"/>
           </a:xfrm>
           <a:prstGeom prst="rect">
             <a:avLst/>
@@ -16837,95 +18887,17 @@
             <a:round/>
           </a:ln>
         </p:spPr>
-        <p:txBody>
-          <a:bodyPr lIns="90000" tIns="45000" rIns="90000" bIns="45000" anchor="ctr"/>
-          <a:lstStyle/>
-          <a:p>
-            <a:pPr algn="ctr">
-              <a:lnSpc>
-                <a:spcPct val="100000"/>
-              </a:lnSpc>
-            </a:pPr>
-            <a:r>
-              <a:rPr lang="pt-BR">
-                <a:solidFill>
-                  <a:srgbClr val="FFFFFF"/>
-                </a:solidFill>
-                <a:latin typeface="Calibri"/>
-              </a:rPr>
-              <a:t>0,00</a:t>
-            </a:r>
-            <a:endParaRPr/>
-          </a:p>
-        </p:txBody>
-      </p:sp>
-      <p:sp>
-        <p:nvSpPr>
-          <p:cNvPr id="228" name="CustomShape 21"/>
-          <p:cNvSpPr/>
-          <p:nvPr/>
-        </p:nvSpPr>
-        <p:spPr>
-          <a:xfrm>
-            <a:off x="5256000" y="5542840"/>
-            <a:ext cx="1440000" cy="406440"/>
-          </a:xfrm>
-          <a:prstGeom prst="rect">
-            <a:avLst/>
-          </a:prstGeom>
-          <a:noFill/>
-          <a:ln>
-            <a:noFill/>
-          </a:ln>
-        </p:spPr>
-        <p:txBody>
-          <a:bodyPr/>
-          <a:lstStyle/>
-          <a:p>
-            <a:pPr algn="r">
-              <a:lnSpc>
-                <a:spcPct val="100000"/>
-              </a:lnSpc>
-            </a:pPr>
-            <a:r>
-              <a:rPr lang="pt-BR" dirty="0">
-                <a:solidFill>
-                  <a:srgbClr val="000000"/>
-                </a:solidFill>
-                <a:latin typeface="Calibri"/>
-              </a:rPr>
-              <a:t>Total Líquido</a:t>
-            </a:r>
-            <a:endParaRPr dirty="0"/>
-          </a:p>
-          <a:p>
-            <a:pPr>
-              <a:lnSpc>
-                <a:spcPct val="100000"/>
-              </a:lnSpc>
-            </a:pPr>
-            <a:endParaRPr dirty="0"/>
-          </a:p>
-          <a:p>
-            <a:pPr>
-              <a:lnSpc>
-                <a:spcPct val="100000"/>
-              </a:lnSpc>
-            </a:pPr>
-            <a:endParaRPr dirty="0"/>
-          </a:p>
-        </p:txBody>
-      </p:sp>
-      <p:sp>
-        <p:nvSpPr>
-          <p:cNvPr id="229" name="CustomShape 22"/>
-          <p:cNvSpPr/>
-          <p:nvPr/>
-        </p:nvSpPr>
-        <p:spPr>
-          <a:xfrm>
-            <a:off x="6696000" y="5580008"/>
-            <a:ext cx="2088000" cy="297264"/>
+      </p:sp>
+      <p:sp>
+        <p:nvSpPr>
+          <p:cNvPr id="28" name="CustomShape 1"/>
+          <p:cNvSpPr/>
+          <p:nvPr/>
+        </p:nvSpPr>
+        <p:spPr>
+          <a:xfrm>
+            <a:off x="2699792" y="2349272"/>
+            <a:ext cx="2016224" cy="288032"/>
           </a:xfrm>
           <a:prstGeom prst="rect">
             <a:avLst/>
@@ -16940,160 +18912,17 @@
             <a:round/>
           </a:ln>
         </p:spPr>
-        <p:txBody>
-          <a:bodyPr lIns="90000" tIns="45000" rIns="90000" bIns="45000" anchor="ctr"/>
-          <a:lstStyle/>
-          <a:p>
-            <a:pPr algn="ctr">
-              <a:lnSpc>
-                <a:spcPct val="100000"/>
-              </a:lnSpc>
-            </a:pPr>
-            <a:r>
-              <a:rPr lang="pt-BR" dirty="0">
-                <a:solidFill>
-                  <a:srgbClr val="FFFFFF"/>
-                </a:solidFill>
-                <a:latin typeface="Calibri"/>
-              </a:rPr>
-              <a:t>//</a:t>
-            </a:r>
-            <a:endParaRPr dirty="0"/>
-          </a:p>
-        </p:txBody>
-      </p:sp>
-      <p:sp>
-        <p:nvSpPr>
-          <p:cNvPr id="231" name="CustomShape 24"/>
-          <p:cNvSpPr/>
-          <p:nvPr/>
-        </p:nvSpPr>
-        <p:spPr>
-          <a:xfrm>
-            <a:off x="404280" y="4581128"/>
-            <a:ext cx="2088000" cy="406440"/>
-          </a:xfrm>
-          <a:prstGeom prst="rect">
-            <a:avLst/>
-          </a:prstGeom>
-          <a:noFill/>
-          <a:ln>
-            <a:noFill/>
-          </a:ln>
-        </p:spPr>
-        <p:txBody>
-          <a:bodyPr/>
-          <a:lstStyle/>
-          <a:p>
-            <a:pPr>
-              <a:lnSpc>
-                <a:spcPct val="100000"/>
-              </a:lnSpc>
-            </a:pPr>
-            <a:r>
-              <a:rPr lang="pt-BR" dirty="0">
-                <a:solidFill>
-                  <a:srgbClr val="000000"/>
-                </a:solidFill>
-                <a:latin typeface="Calibri"/>
-              </a:rPr>
-              <a:t>Data Orçamento</a:t>
-            </a:r>
-            <a:endParaRPr dirty="0"/>
-          </a:p>
-          <a:p>
-            <a:pPr>
-              <a:lnSpc>
-                <a:spcPct val="100000"/>
-              </a:lnSpc>
-            </a:pPr>
-            <a:endParaRPr dirty="0"/>
-          </a:p>
-          <a:p>
-            <a:pPr>
-              <a:lnSpc>
-                <a:spcPct val="100000"/>
-              </a:lnSpc>
-            </a:pPr>
-            <a:endParaRPr dirty="0"/>
-          </a:p>
-        </p:txBody>
-      </p:sp>
-      <p:sp>
-        <p:nvSpPr>
-          <p:cNvPr id="233" name="CustomShape 26"/>
-          <p:cNvSpPr/>
-          <p:nvPr/>
-        </p:nvSpPr>
-        <p:spPr>
-          <a:xfrm>
-            <a:off x="432000" y="5254808"/>
-            <a:ext cx="2088000" cy="406440"/>
-          </a:xfrm>
-          <a:prstGeom prst="rect">
-            <a:avLst/>
-          </a:prstGeom>
-          <a:noFill/>
-          <a:ln>
-            <a:noFill/>
-          </a:ln>
-        </p:spPr>
-        <p:txBody>
-          <a:bodyPr/>
-          <a:lstStyle/>
-          <a:p>
-            <a:pPr>
-              <a:lnSpc>
-                <a:spcPct val="100000"/>
-              </a:lnSpc>
-            </a:pPr>
-            <a:r>
-              <a:rPr lang="pt-BR" dirty="0">
-                <a:solidFill>
-                  <a:srgbClr val="000000"/>
-                </a:solidFill>
-                <a:latin typeface="Calibri"/>
-              </a:rPr>
-              <a:t>Validade Orçamento</a:t>
-            </a:r>
-            <a:endParaRPr dirty="0"/>
-          </a:p>
-          <a:p>
-            <a:pPr>
-              <a:lnSpc>
-                <a:spcPct val="100000"/>
-              </a:lnSpc>
-            </a:pPr>
-            <a:endParaRPr dirty="0"/>
-          </a:p>
-          <a:p>
-            <a:pPr>
-              <a:lnSpc>
-                <a:spcPct val="100000"/>
-              </a:lnSpc>
-            </a:pPr>
-            <a:endParaRPr dirty="0"/>
-          </a:p>
-          <a:p>
-            <a:pPr>
-              <a:lnSpc>
-                <a:spcPct val="100000"/>
-              </a:lnSpc>
-            </a:pPr>
-            <a:endParaRPr dirty="0"/>
-          </a:p>
-        </p:txBody>
-      </p:sp>
-      <p:sp>
-        <p:nvSpPr>
-          <p:cNvPr id="28" name="CustomShape 14"/>
-          <p:cNvSpPr/>
-          <p:nvPr/>
-        </p:nvSpPr>
-        <p:spPr>
-          <a:xfrm>
-            <a:off x="1187625" y="836712"/>
-            <a:ext cx="3816424" cy="288032"/>
+      </p:sp>
+      <p:sp>
+        <p:nvSpPr>
+          <p:cNvPr id="29" name="CustomShape 6"/>
+          <p:cNvSpPr/>
+          <p:nvPr/>
+        </p:nvSpPr>
+        <p:spPr>
+          <a:xfrm>
+            <a:off x="539552" y="4077464"/>
+            <a:ext cx="1944000" cy="287640"/>
           </a:xfrm>
           <a:prstGeom prst="rect">
             <a:avLst/>
@@ -17108,38 +18937,17 @@
             <a:round/>
           </a:ln>
         </p:spPr>
-        <p:txBody>
-          <a:bodyPr lIns="90000" tIns="45000" rIns="90000" bIns="45000" anchor="ctr"/>
-          <a:lstStyle/>
-          <a:p>
-            <a:pPr algn="ctr">
-              <a:lnSpc>
-                <a:spcPct val="100000"/>
-              </a:lnSpc>
-            </a:pPr>
-            <a:r>
-              <a:rPr lang="pt-BR" dirty="0">
-                <a:solidFill>
-                  <a:srgbClr val="FFFFFF"/>
-                </a:solidFill>
-                <a:latin typeface="Calibri"/>
-              </a:rPr>
-              <a:t>//</a:t>
-            </a:r>
-            <a:endParaRPr dirty="0"/>
-          </a:p>
-        </p:txBody>
-      </p:sp>
-      <p:sp>
-        <p:nvSpPr>
-          <p:cNvPr id="30" name="CustomShape 22"/>
-          <p:cNvSpPr/>
-          <p:nvPr/>
-        </p:nvSpPr>
-        <p:spPr>
-          <a:xfrm>
-            <a:off x="467544" y="4869160"/>
-            <a:ext cx="2088000" cy="297264"/>
+      </p:sp>
+      <p:sp>
+        <p:nvSpPr>
+          <p:cNvPr id="30" name="CustomShape 6"/>
+          <p:cNvSpPr/>
+          <p:nvPr/>
+        </p:nvSpPr>
+        <p:spPr>
+          <a:xfrm>
+            <a:off x="2699792" y="4077464"/>
+            <a:ext cx="1944000" cy="287640"/>
           </a:xfrm>
           <a:prstGeom prst="rect">
             <a:avLst/>
@@ -17154,71 +18962,104 @@
             <a:round/>
           </a:ln>
         </p:spPr>
-        <p:txBody>
-          <a:bodyPr lIns="90000" tIns="45000" rIns="90000" bIns="45000" anchor="ctr"/>
-          <a:lstStyle/>
-          <a:p>
-            <a:pPr algn="ctr">
-              <a:lnSpc>
-                <a:spcPct val="100000"/>
-              </a:lnSpc>
-            </a:pPr>
-            <a:r>
-              <a:rPr lang="pt-BR" dirty="0">
-                <a:solidFill>
-                  <a:srgbClr val="FFFFFF"/>
-                </a:solidFill>
-                <a:latin typeface="Calibri"/>
-              </a:rPr>
-              <a:t>//</a:t>
-            </a:r>
-            <a:endParaRPr dirty="0"/>
-          </a:p>
-        </p:txBody>
-      </p:sp>
-      <p:sp>
-        <p:nvSpPr>
-          <p:cNvPr id="31" name="CustomShape 22"/>
-          <p:cNvSpPr/>
-          <p:nvPr/>
-        </p:nvSpPr>
-        <p:spPr>
-          <a:xfrm>
-            <a:off x="467544" y="5589240"/>
-            <a:ext cx="2088000" cy="297264"/>
-          </a:xfrm>
-          <a:prstGeom prst="rect">
+      </p:sp>
+      <p:sp>
+        <p:nvSpPr>
+          <p:cNvPr id="32" name="Botão de ação: Avançar ou Próximo 31">
+            <a:hlinkClick r:id="" action="ppaction://hlinkshowjump?jump=nextslide" highlightClick="1"/>
+          </p:cNvPr>
+          <p:cNvSpPr/>
+          <p:nvPr/>
+        </p:nvSpPr>
+        <p:spPr>
+          <a:xfrm rot="5400000">
+            <a:off x="4319972" y="2240868"/>
+            <a:ext cx="288032" cy="504056"/>
+          </a:xfrm>
+          <a:prstGeom prst="actionButtonForwardNext">
             <a:avLst/>
           </a:prstGeom>
           <a:solidFill>
-            <a:srgbClr val="FFFFFF"/>
+            <a:schemeClr val="bg1"/>
           </a:solidFill>
-          <a:ln w="25560">
+          <a:ln>
             <a:solidFill>
-              <a:srgbClr val="000000"/>
+              <a:schemeClr val="tx1"/>
             </a:solidFill>
-            <a:round/>
-          </a:ln>
-        </p:spPr>
-        <p:txBody>
-          <a:bodyPr lIns="90000" tIns="45000" rIns="90000" bIns="45000" anchor="ctr"/>
-          <a:lstStyle/>
-          <a:p>
-            <a:pPr algn="ctr">
-              <a:lnSpc>
-                <a:spcPct val="100000"/>
-              </a:lnSpc>
-            </a:pPr>
-            <a:r>
-              <a:rPr lang="pt-BR" dirty="0">
-                <a:solidFill>
-                  <a:srgbClr val="FFFFFF"/>
-                </a:solidFill>
-                <a:latin typeface="Calibri"/>
-              </a:rPr>
-              <a:t>//</a:t>
-            </a:r>
-            <a:endParaRPr dirty="0"/>
+          </a:ln>
+        </p:spPr>
+        <p:style>
+          <a:lnRef idx="2">
+            <a:schemeClr val="accent1">
+              <a:shade val="50000"/>
+            </a:schemeClr>
+          </a:lnRef>
+          <a:fillRef idx="1">
+            <a:schemeClr val="accent1"/>
+          </a:fillRef>
+          <a:effectRef idx="0">
+            <a:schemeClr val="accent1"/>
+          </a:effectRef>
+          <a:fontRef idx="minor">
+            <a:schemeClr val="lt1"/>
+          </a:fontRef>
+        </p:style>
+        <p:txBody>
+          <a:bodyPr rtlCol="0" anchor="ctr"/>
+          <a:lstStyle/>
+          <a:p>
+            <a:pPr algn="ctr"/>
+            <a:endParaRPr lang="pt-BR"/>
+          </a:p>
+        </p:txBody>
+      </p:sp>
+      <p:sp>
+        <p:nvSpPr>
+          <p:cNvPr id="33" name="Botão de ação: Avançar ou Próximo 32">
+            <a:hlinkClick r:id="" action="ppaction://hlinkshowjump?jump=nextslide" highlightClick="1"/>
+          </p:cNvPr>
+          <p:cNvSpPr/>
+          <p:nvPr/>
+        </p:nvSpPr>
+        <p:spPr>
+          <a:xfrm rot="5400000">
+            <a:off x="2159732" y="2240868"/>
+            <a:ext cx="288032" cy="504056"/>
+          </a:xfrm>
+          <a:prstGeom prst="actionButtonForwardNext">
+            <a:avLst/>
+          </a:prstGeom>
+          <a:solidFill>
+            <a:schemeClr val="bg1"/>
+          </a:solidFill>
+          <a:ln>
+            <a:solidFill>
+              <a:schemeClr val="tx1"/>
+            </a:solidFill>
+          </a:ln>
+        </p:spPr>
+        <p:style>
+          <a:lnRef idx="2">
+            <a:schemeClr val="accent1">
+              <a:shade val="50000"/>
+            </a:schemeClr>
+          </a:lnRef>
+          <a:fillRef idx="1">
+            <a:schemeClr val="accent1"/>
+          </a:fillRef>
+          <a:effectRef idx="0">
+            <a:schemeClr val="accent1"/>
+          </a:effectRef>
+          <a:fontRef idx="minor">
+            <a:schemeClr val="lt1"/>
+          </a:fontRef>
+        </p:style>
+        <p:txBody>
+          <a:bodyPr rtlCol="0" anchor="ctr"/>
+          <a:lstStyle/>
+          <a:p>
+            <a:pPr algn="ctr"/>
+            <a:endParaRPr lang="pt-BR"/>
           </a:p>
         </p:txBody>
       </p:sp>

--- a/Site/site/documentos/prototipos.pptx
+++ b/Site/site/documentos/prototipos.pptx
@@ -125,7 +125,7 @@
   </p:defaultTextStyle>
   <p:extLst>
     <p:ext uri="{EFAFB233-063F-42B5-8137-9DF3F51BA10A}">
-      <p15:sldGuideLst xmlns="" xmlns:p15="http://schemas.microsoft.com/office/powerpoint/2012/main">
+      <p15:sldGuideLst xmlns:p15="http://schemas.microsoft.com/office/powerpoint/2012/main" xmlns="">
         <p15:guide id="1" orient="horz" pos="2160">
           <p15:clr>
             <a:srgbClr val="A4A3A4"/>
@@ -396,7 +396,7 @@
     </p:spTree>
     <p:extLst>
       <p:ext uri="{BB962C8B-B14F-4D97-AF65-F5344CB8AC3E}">
-        <p14:creationId xmlns="" xmlns:p14="http://schemas.microsoft.com/office/powerpoint/2010/main" val="4032574923"/>
+        <p14:creationId xmlns:p14="http://schemas.microsoft.com/office/powerpoint/2010/main" xmlns="" val="4032574923"/>
       </p:ext>
     </p:extLst>
   </p:cSld>
@@ -573,7 +573,7 @@
     </p:spTree>
     <p:extLst>
       <p:ext uri="{BB962C8B-B14F-4D97-AF65-F5344CB8AC3E}">
-        <p14:creationId xmlns="" xmlns:p14="http://schemas.microsoft.com/office/powerpoint/2010/main" val="1769993173"/>
+        <p14:creationId xmlns:p14="http://schemas.microsoft.com/office/powerpoint/2010/main" xmlns="" val="1769993173"/>
       </p:ext>
     </p:extLst>
   </p:cSld>
@@ -4913,16 +4913,7 @@
                 </a:solidFill>
                 <a:latin typeface="Calibri"/>
               </a:rPr>
-              <a:t>Código             Nome                                                        </a:t>
-            </a:r>
-            <a:r>
-              <a:rPr lang="pt-BR" dirty="0" smtClean="0">
-                <a:solidFill>
-                  <a:srgbClr val="000000"/>
-                </a:solidFill>
-                <a:latin typeface="Calibri"/>
-              </a:rPr>
-              <a:t>Número </a:t>
+              <a:t>Código             Nome                                                        Número </a:t>
             </a:r>
             <a:r>
               <a:rPr lang="pt-BR" dirty="0">
@@ -6277,7 +6268,7 @@
         <p:spPr>
           <a:xfrm>
             <a:off x="432000" y="5254808"/>
-            <a:ext cx="2088000" cy="406440"/>
+            <a:ext cx="2627832" cy="406440"/>
           </a:xfrm>
           <a:prstGeom prst="rect">
             <a:avLst/>
@@ -6297,13 +6288,22 @@
               </a:lnSpc>
             </a:pPr>
             <a:r>
+              <a:rPr lang="pt-BR" dirty="0" smtClean="0">
+                <a:solidFill>
+                  <a:srgbClr val="000000"/>
+                </a:solidFill>
+                <a:latin typeface="Calibri"/>
+              </a:rPr>
+              <a:t>Data Validade </a:t>
+            </a:r>
+            <a:r>
               <a:rPr lang="pt-BR" dirty="0">
                 <a:solidFill>
                   <a:srgbClr val="000000"/>
                 </a:solidFill>
                 <a:latin typeface="Calibri"/>
               </a:rPr>
-              <a:t>Validade Orçamento</a:t>
+              <a:t>Orçamento</a:t>
             </a:r>
             <a:endParaRPr dirty="0"/>
           </a:p>
@@ -6606,7 +6606,7 @@
         </p:nvSpPr>
         <p:spPr>
           <a:xfrm>
-            <a:off x="2987824" y="5661672"/>
+            <a:off x="2987824" y="6165728"/>
             <a:ext cx="1367640" cy="575640"/>
           </a:xfrm>
           <a:prstGeom prst="rect">
@@ -6632,7 +6632,7 @@
               </a:lnSpc>
             </a:pPr>
             <a:r>
-              <a:rPr lang="pt-BR">
+              <a:rPr lang="pt-BR" dirty="0">
                 <a:solidFill>
                   <a:srgbClr val="000000"/>
                 </a:solidFill>
@@ -6640,7 +6640,7 @@
               </a:rPr>
               <a:t>Aprovar</a:t>
             </a:r>
-            <a:endParaRPr/>
+            <a:endParaRPr dirty="0"/>
           </a:p>
         </p:txBody>
       </p:sp>
@@ -6652,7 +6652,7 @@
         </p:nvSpPr>
         <p:spPr>
           <a:xfrm>
-            <a:off x="4499824" y="5661672"/>
+            <a:off x="4499824" y="6165728"/>
             <a:ext cx="1367640" cy="575640"/>
           </a:xfrm>
           <a:prstGeom prst="rect">
@@ -6692,14 +6692,14 @@
           <p:nvPr>
             <p:extLst>
               <p:ext uri="{D42A27DB-BD31-4B8C-83A1-F6EECF244321}">
-                <p14:modId xmlns="" xmlns:p14="http://schemas.microsoft.com/office/powerpoint/2010/main" val="2246381208"/>
+                <p14:modId xmlns:p14="http://schemas.microsoft.com/office/powerpoint/2010/main" xmlns="" val="2246381208"/>
               </p:ext>
             </p:extLst>
           </p:nvPr>
         </p:nvGraphicFramePr>
         <p:xfrm>
-          <a:off x="508349" y="2285152"/>
-          <a:ext cx="8178092" cy="1986612"/>
+          <a:off x="467544" y="4581128"/>
+          <a:ext cx="8178092" cy="1176186"/>
         </p:xfrm>
         <a:graphic>
           <a:graphicData uri="http://schemas.openxmlformats.org/drawingml/2006/table">
@@ -6795,10 +6795,10 @@
                         </a:lnSpc>
                       </a:pPr>
                       <a:r>
-                        <a:rPr lang="pt-BR"/>
+                        <a:rPr lang="pt-BR" dirty="0"/>
                         <a:t>Preço</a:t>
                       </a:r>
-                      <a:endParaRPr>
+                      <a:endParaRPr dirty="0">
                         <a:solidFill>
                           <a:schemeClr val="tx1"/>
                         </a:solidFill>
@@ -6951,6 +6951,366 @@
                     <a:bodyPr/>
                     <a:lstStyle/>
                     <a:p>
+                      <a:endParaRPr lang="pt-BR" dirty="0">
+                        <a:solidFill>
+                          <a:schemeClr val="tx1"/>
+                        </a:solidFill>
+                      </a:endParaRPr>
+                    </a:p>
+                  </a:txBody>
+                  <a:tcPr/>
+                </a:tc>
+                <a:tc>
+                  <a:txBody>
+                    <a:bodyPr/>
+                    <a:lstStyle/>
+                    <a:p>
+                      <a:endParaRPr lang="pt-BR" dirty="0">
+                        <a:solidFill>
+                          <a:schemeClr val="tx1"/>
+                        </a:solidFill>
+                      </a:endParaRPr>
+                    </a:p>
+                  </a:txBody>
+                  <a:tcPr/>
+                </a:tc>
+              </a:tr>
+            </a:tbl>
+          </a:graphicData>
+        </a:graphic>
+      </p:graphicFrame>
+      <p:sp>
+        <p:nvSpPr>
+          <p:cNvPr id="12" name="CustomShape 8"/>
+          <p:cNvSpPr/>
+          <p:nvPr/>
+        </p:nvSpPr>
+        <p:spPr>
+          <a:xfrm>
+            <a:off x="3059832" y="4077072"/>
+            <a:ext cx="5616624" cy="406440"/>
+          </a:xfrm>
+          <a:prstGeom prst="rect">
+            <a:avLst/>
+          </a:prstGeom>
+          <a:noFill/>
+          <a:ln>
+            <a:noFill/>
+          </a:ln>
+        </p:spPr>
+        <p:txBody>
+          <a:bodyPr/>
+          <a:lstStyle/>
+          <a:p>
+            <a:pPr>
+              <a:lnSpc>
+                <a:spcPct val="100000"/>
+              </a:lnSpc>
+            </a:pPr>
+            <a:r>
+              <a:rPr lang="pt-BR" sz="2000" dirty="0" smtClean="0">
+                <a:solidFill>
+                  <a:srgbClr val="000000"/>
+                </a:solidFill>
+                <a:latin typeface="Calibri"/>
+              </a:rPr>
+              <a:t>Cliente: { </a:t>
+            </a:r>
+            <a:r>
+              <a:rPr lang="pt-BR" sz="2000" dirty="0" err="1" smtClean="0">
+                <a:solidFill>
+                  <a:srgbClr val="000000"/>
+                </a:solidFill>
+                <a:latin typeface="Calibri"/>
+              </a:rPr>
+              <a:t>codigo</a:t>
+            </a:r>
+            <a:r>
+              <a:rPr lang="pt-BR" sz="2000" dirty="0" smtClean="0">
+                <a:solidFill>
+                  <a:srgbClr val="000000"/>
+                </a:solidFill>
+                <a:latin typeface="Calibri"/>
+              </a:rPr>
+              <a:t> e nome}</a:t>
+            </a:r>
+            <a:endParaRPr lang="pt-BR" sz="2000" dirty="0" smtClean="0">
+              <a:solidFill>
+                <a:srgbClr val="000000"/>
+              </a:solidFill>
+              <a:latin typeface="Calibri"/>
+            </a:endParaRPr>
+          </a:p>
+          <a:p>
+            <a:pPr>
+              <a:lnSpc>
+                <a:spcPct val="100000"/>
+              </a:lnSpc>
+            </a:pPr>
+            <a:endParaRPr sz="2000" dirty="0"/>
+          </a:p>
+          <a:p>
+            <a:pPr>
+              <a:lnSpc>
+                <a:spcPct val="100000"/>
+              </a:lnSpc>
+            </a:pPr>
+            <a:endParaRPr sz="2000" dirty="0"/>
+          </a:p>
+          <a:p>
+            <a:pPr>
+              <a:lnSpc>
+                <a:spcPct val="100000"/>
+              </a:lnSpc>
+            </a:pPr>
+            <a:endParaRPr sz="2000" dirty="0"/>
+          </a:p>
+        </p:txBody>
+      </p:sp>
+      <p:sp>
+        <p:nvSpPr>
+          <p:cNvPr id="14" name="CustomShape 8"/>
+          <p:cNvSpPr/>
+          <p:nvPr/>
+        </p:nvSpPr>
+        <p:spPr>
+          <a:xfrm>
+            <a:off x="467544" y="1556792"/>
+            <a:ext cx="2890664" cy="406440"/>
+          </a:xfrm>
+          <a:prstGeom prst="rect">
+            <a:avLst/>
+          </a:prstGeom>
+          <a:noFill/>
+          <a:ln>
+            <a:noFill/>
+          </a:ln>
+        </p:spPr>
+        <p:txBody>
+          <a:bodyPr/>
+          <a:lstStyle/>
+          <a:p>
+            <a:pPr>
+              <a:lnSpc>
+                <a:spcPct val="100000"/>
+              </a:lnSpc>
+            </a:pPr>
+            <a:r>
+              <a:rPr lang="pt-BR" sz="2000" dirty="0" smtClean="0">
+                <a:solidFill>
+                  <a:srgbClr val="000000"/>
+                </a:solidFill>
+                <a:latin typeface="Calibri"/>
+              </a:rPr>
+              <a:t>Lista de </a:t>
+            </a:r>
+            <a:r>
+              <a:rPr lang="pt-BR" sz="2000" dirty="0" smtClean="0">
+                <a:solidFill>
+                  <a:srgbClr val="000000"/>
+                </a:solidFill>
+                <a:latin typeface="Calibri"/>
+              </a:rPr>
+              <a:t>Orçamentos</a:t>
+            </a:r>
+            <a:endParaRPr sz="2000" dirty="0"/>
+          </a:p>
+          <a:p>
+            <a:pPr>
+              <a:lnSpc>
+                <a:spcPct val="100000"/>
+              </a:lnSpc>
+            </a:pPr>
+            <a:endParaRPr sz="2000" dirty="0"/>
+          </a:p>
+          <a:p>
+            <a:pPr>
+              <a:lnSpc>
+                <a:spcPct val="100000"/>
+              </a:lnSpc>
+            </a:pPr>
+            <a:endParaRPr sz="2000" dirty="0"/>
+          </a:p>
+        </p:txBody>
+      </p:sp>
+      <p:graphicFrame>
+        <p:nvGraphicFramePr>
+          <p:cNvPr id="17" name="Table 4"/>
+          <p:cNvGraphicFramePr/>
+          <p:nvPr>
+            <p:extLst>
+              <p:ext uri="{D42A27DB-BD31-4B8C-83A1-F6EECF244321}">
+                <p14:modId xmlns:p14="http://schemas.microsoft.com/office/powerpoint/2010/main" xmlns="" val="2246381208"/>
+              </p:ext>
+            </p:extLst>
+          </p:nvPr>
+        </p:nvGraphicFramePr>
+        <p:xfrm>
+          <a:off x="395536" y="2060848"/>
+          <a:ext cx="8178092" cy="1176186"/>
+        </p:xfrm>
+        <a:graphic>
+          <a:graphicData uri="http://schemas.openxmlformats.org/drawingml/2006/table">
+            <a:tbl>
+              <a:tblPr>
+                <a:tableStyleId>{D7AC3CCA-C797-4891-BE02-D94E43425B78}</a:tableStyleId>
+              </a:tblPr>
+              <a:tblGrid>
+                <a:gridCol w="2016224"/>
+                <a:gridCol w="1254726"/>
+                <a:gridCol w="1635475"/>
+                <a:gridCol w="1718311"/>
+                <a:gridCol w="1553356"/>
+              </a:tblGrid>
+              <a:tr h="345504">
+                <a:tc>
+                  <a:txBody>
+                    <a:bodyPr/>
+                    <a:lstStyle/>
+                    <a:p>
+                      <a:pPr>
+                        <a:lnSpc>
+                          <a:spcPct val="100000"/>
+                        </a:lnSpc>
+                      </a:pPr>
+                      <a:r>
+                        <a:rPr lang="pt-BR" dirty="0" smtClean="0"/>
+                        <a:t>Código Orçamento</a:t>
+                      </a:r>
+                      <a:endParaRPr dirty="0">
+                        <a:solidFill>
+                          <a:schemeClr val="tx1"/>
+                        </a:solidFill>
+                      </a:endParaRPr>
+                    </a:p>
+                  </a:txBody>
+                  <a:tcPr/>
+                </a:tc>
+                <a:tc>
+                  <a:txBody>
+                    <a:bodyPr/>
+                    <a:lstStyle/>
+                    <a:p>
+                      <a:pPr>
+                        <a:lnSpc>
+                          <a:spcPct val="100000"/>
+                        </a:lnSpc>
+                      </a:pPr>
+                      <a:r>
+                        <a:rPr lang="pt-BR" dirty="0" smtClean="0"/>
+                        <a:t>Cliente</a:t>
+                      </a:r>
+                      <a:endParaRPr dirty="0">
+                        <a:solidFill>
+                          <a:schemeClr val="tx1"/>
+                        </a:solidFill>
+                      </a:endParaRPr>
+                    </a:p>
+                  </a:txBody>
+                  <a:tcPr/>
+                </a:tc>
+                <a:tc>
+                  <a:txBody>
+                    <a:bodyPr/>
+                    <a:lstStyle/>
+                    <a:p>
+                      <a:pPr>
+                        <a:lnSpc>
+                          <a:spcPct val="100000"/>
+                        </a:lnSpc>
+                      </a:pPr>
+                      <a:r>
+                        <a:rPr lang="pt-BR" dirty="0" smtClean="0">
+                          <a:solidFill>
+                            <a:schemeClr val="tx1"/>
+                          </a:solidFill>
+                        </a:rPr>
+                        <a:t>Qtd</a:t>
+                      </a:r>
+                      <a:r>
+                        <a:rPr lang="pt-BR" baseline="0" dirty="0" smtClean="0">
+                          <a:solidFill>
+                            <a:schemeClr val="tx1"/>
+                          </a:solidFill>
+                        </a:rPr>
+                        <a:t> Produtos</a:t>
+                      </a:r>
+                      <a:endParaRPr dirty="0">
+                        <a:solidFill>
+                          <a:schemeClr val="tx1"/>
+                        </a:solidFill>
+                      </a:endParaRPr>
+                    </a:p>
+                  </a:txBody>
+                  <a:tcPr/>
+                </a:tc>
+                <a:tc>
+                  <a:txBody>
+                    <a:bodyPr/>
+                    <a:lstStyle/>
+                    <a:p>
+                      <a:pPr>
+                        <a:lnSpc>
+                          <a:spcPct val="100000"/>
+                        </a:lnSpc>
+                      </a:pPr>
+                      <a:r>
+                        <a:rPr lang="pt-BR" dirty="0" smtClean="0"/>
+                        <a:t>Total R$ desconto</a:t>
+                      </a:r>
+                      <a:endParaRPr dirty="0">
+                        <a:solidFill>
+                          <a:schemeClr val="tx1"/>
+                        </a:solidFill>
+                      </a:endParaRPr>
+                    </a:p>
+                  </a:txBody>
+                  <a:tcPr/>
+                </a:tc>
+                <a:tc>
+                  <a:txBody>
+                    <a:bodyPr/>
+                    <a:lstStyle/>
+                    <a:p>
+                      <a:pPr>
+                        <a:lnSpc>
+                          <a:spcPct val="100000"/>
+                        </a:lnSpc>
+                      </a:pPr>
+                      <a:r>
+                        <a:rPr lang="pt-BR" dirty="0" smtClean="0"/>
+                        <a:t>Total R$</a:t>
+                      </a:r>
+                      <a:endParaRPr dirty="0">
+                        <a:solidFill>
+                          <a:schemeClr val="tx1"/>
+                        </a:solidFill>
+                      </a:endParaRPr>
+                    </a:p>
+                  </a:txBody>
+                  <a:tcPr/>
+                </a:tc>
+              </a:tr>
+              <a:tr h="405213">
+                <a:tc>
+                  <a:txBody>
+                    <a:bodyPr/>
+                    <a:lstStyle/>
+                    <a:p>
+                      <a:endParaRPr lang="pt-BR" dirty="0">
+                        <a:solidFill>
+                          <a:schemeClr val="tx1"/>
+                        </a:solidFill>
+                      </a:endParaRPr>
+                    </a:p>
+                  </a:txBody>
+                  <a:tcPr/>
+                </a:tc>
+                <a:tc>
+                  <a:txBody>
+                    <a:bodyPr/>
+                    <a:lstStyle/>
+                    <a:p>
                       <a:endParaRPr lang="pt-BR">
                         <a:solidFill>
                           <a:schemeClr val="tx1"/>
@@ -6974,8 +7334,6 @@
                   </a:txBody>
                   <a:tcPr/>
                 </a:tc>
-              </a:tr>
-              <a:tr h="405213">
                 <a:tc>
                   <a:txBody>
                     <a:bodyPr/>
@@ -6996,48 +7354,6 @@
                     <a:lstStyle/>
                     <a:p>
                       <a:endParaRPr lang="pt-BR" dirty="0">
-                        <a:solidFill>
-                          <a:schemeClr val="tx1"/>
-                        </a:solidFill>
-                      </a:endParaRPr>
-                    </a:p>
-                  </a:txBody>
-                  <a:tcPr/>
-                </a:tc>
-                <a:tc>
-                  <a:txBody>
-                    <a:bodyPr/>
-                    <a:lstStyle/>
-                    <a:p>
-                      <a:endParaRPr lang="pt-BR" dirty="0">
-                        <a:solidFill>
-                          <a:schemeClr val="tx1"/>
-                        </a:solidFill>
-                      </a:endParaRPr>
-                    </a:p>
-                  </a:txBody>
-                  <a:tcPr/>
-                </a:tc>
-                <a:tc>
-                  <a:txBody>
-                    <a:bodyPr/>
-                    <a:lstStyle/>
-                    <a:p>
-                      <a:endParaRPr lang="pt-BR" dirty="0">
-                        <a:solidFill>
-                          <a:schemeClr val="tx1"/>
-                        </a:solidFill>
-                      </a:endParaRPr>
-                    </a:p>
-                  </a:txBody>
-                  <a:tcPr/>
-                </a:tc>
-                <a:tc>
-                  <a:txBody>
-                    <a:bodyPr/>
-                    <a:lstStyle/>
-                    <a:p>
-                      <a:endParaRPr lang="pt-BR">
                         <a:solidFill>
                           <a:schemeClr val="tx1"/>
                         </a:solidFill>
@@ -7095,7 +7411,7 @@
                     <a:bodyPr/>
                     <a:lstStyle/>
                     <a:p>
-                      <a:endParaRPr lang="pt-BR" dirty="0">
+                      <a:endParaRPr lang="pt-BR">
                         <a:solidFill>
                           <a:schemeClr val="tx1"/>
                         </a:solidFill>
@@ -7125,14 +7441,136 @@
       </p:graphicFrame>
       <p:sp>
         <p:nvSpPr>
-          <p:cNvPr id="238" name="CustomShape 5"/>
-          <p:cNvSpPr/>
-          <p:nvPr/>
-        </p:nvSpPr>
-        <p:spPr>
-          <a:xfrm>
-            <a:off x="4428056" y="4826556"/>
-            <a:ext cx="1368152" cy="260768"/>
+          <p:cNvPr id="18" name="CustomShape 8"/>
+          <p:cNvSpPr/>
+          <p:nvPr/>
+        </p:nvSpPr>
+        <p:spPr>
+          <a:xfrm>
+            <a:off x="467544" y="4149080"/>
+            <a:ext cx="2890664" cy="406440"/>
+          </a:xfrm>
+          <a:prstGeom prst="rect">
+            <a:avLst/>
+          </a:prstGeom>
+          <a:noFill/>
+          <a:ln>
+            <a:noFill/>
+          </a:ln>
+        </p:spPr>
+        <p:txBody>
+          <a:bodyPr/>
+          <a:lstStyle/>
+          <a:p>
+            <a:pPr>
+              <a:lnSpc>
+                <a:spcPct val="100000"/>
+              </a:lnSpc>
+            </a:pPr>
+            <a:r>
+              <a:rPr lang="pt-BR" sz="2000" dirty="0" smtClean="0">
+                <a:solidFill>
+                  <a:srgbClr val="000000"/>
+                </a:solidFill>
+                <a:latin typeface="Calibri"/>
+              </a:rPr>
+              <a:t>Detalhes do Orçamento</a:t>
+            </a:r>
+            <a:endParaRPr sz="2000" dirty="0"/>
+          </a:p>
+          <a:p>
+            <a:pPr>
+              <a:lnSpc>
+                <a:spcPct val="100000"/>
+              </a:lnSpc>
+            </a:pPr>
+            <a:endParaRPr sz="2000" dirty="0"/>
+          </a:p>
+          <a:p>
+            <a:pPr>
+              <a:lnSpc>
+                <a:spcPct val="100000"/>
+              </a:lnSpc>
+            </a:pPr>
+            <a:endParaRPr sz="2000" dirty="0"/>
+          </a:p>
+        </p:txBody>
+      </p:sp>
+      <p:sp>
+        <p:nvSpPr>
+          <p:cNvPr id="19" name="CustomShape 4"/>
+          <p:cNvSpPr/>
+          <p:nvPr/>
+        </p:nvSpPr>
+        <p:spPr>
+          <a:xfrm>
+            <a:off x="2699792" y="1196752"/>
+            <a:ext cx="2376264" cy="406440"/>
+          </a:xfrm>
+          <a:prstGeom prst="rect">
+            <a:avLst/>
+          </a:prstGeom>
+          <a:noFill/>
+          <a:ln>
+            <a:noFill/>
+          </a:ln>
+        </p:spPr>
+        <p:txBody>
+          <a:bodyPr/>
+          <a:lstStyle/>
+          <a:p>
+            <a:pPr>
+              <a:lnSpc>
+                <a:spcPct val="100000"/>
+              </a:lnSpc>
+            </a:pPr>
+            <a:r>
+              <a:rPr lang="pt-BR" sz="2400" dirty="0" smtClean="0">
+                <a:solidFill>
+                  <a:srgbClr val="000000"/>
+                </a:solidFill>
+                <a:latin typeface="Calibri"/>
+              </a:rPr>
+              <a:t>Listar por Status</a:t>
+            </a:r>
+            <a:endParaRPr sz="2400" dirty="0"/>
+          </a:p>
+          <a:p>
+            <a:pPr>
+              <a:lnSpc>
+                <a:spcPct val="100000"/>
+              </a:lnSpc>
+            </a:pPr>
+            <a:endParaRPr sz="2400" dirty="0"/>
+          </a:p>
+          <a:p>
+            <a:pPr>
+              <a:lnSpc>
+                <a:spcPct val="100000"/>
+              </a:lnSpc>
+            </a:pPr>
+            <a:endParaRPr sz="2400" dirty="0"/>
+          </a:p>
+          <a:p>
+            <a:pPr>
+              <a:lnSpc>
+                <a:spcPct val="100000"/>
+              </a:lnSpc>
+            </a:pPr>
+            <a:endParaRPr sz="2400" dirty="0"/>
+          </a:p>
+        </p:txBody>
+      </p:sp>
+      <p:sp>
+        <p:nvSpPr>
+          <p:cNvPr id="20" name="CustomShape 1"/>
+          <p:cNvSpPr/>
+          <p:nvPr/>
+        </p:nvSpPr>
+        <p:spPr>
+          <a:xfrm>
+            <a:off x="2771568" y="1603584"/>
+            <a:ext cx="2016224" cy="288032"/>
           </a:xfrm>
           <a:prstGeom prst="rect">
             <a:avLst/>
@@ -7150,395 +7588,53 @@
       </p:sp>
       <p:sp>
         <p:nvSpPr>
-          <p:cNvPr id="239" name="CustomShape 6"/>
-          <p:cNvSpPr/>
-          <p:nvPr/>
-        </p:nvSpPr>
-        <p:spPr>
-          <a:xfrm>
-            <a:off x="4319960" y="4466196"/>
-            <a:ext cx="2088000" cy="406440"/>
-          </a:xfrm>
-          <a:prstGeom prst="rect">
-            <a:avLst/>
-          </a:prstGeom>
-          <a:noFill/>
+          <p:cNvPr id="21" name="Botão de ação: Avançar ou Próximo 20">
+            <a:hlinkClick r:id="" action="ppaction://hlinkshowjump?jump=nextslide" highlightClick="1"/>
+          </p:cNvPr>
+          <p:cNvSpPr/>
+          <p:nvPr/>
+        </p:nvSpPr>
+        <p:spPr>
+          <a:xfrm rot="5400000">
+            <a:off x="4391748" y="1495180"/>
+            <a:ext cx="288032" cy="504056"/>
+          </a:xfrm>
+          <a:prstGeom prst="actionButtonForwardNext">
+            <a:avLst/>
+          </a:prstGeom>
+          <a:solidFill>
+            <a:schemeClr val="bg1"/>
+          </a:solidFill>
           <a:ln>
-            <a:noFill/>
-          </a:ln>
-        </p:spPr>
-        <p:txBody>
-          <a:bodyPr/>
-          <a:lstStyle/>
-          <a:p>
-            <a:pPr>
-              <a:lnSpc>
-                <a:spcPct val="100000"/>
-              </a:lnSpc>
-            </a:pPr>
-            <a:r>
-              <a:rPr lang="pt-BR" sz="2000" dirty="0">
-                <a:solidFill>
-                  <a:srgbClr val="000000"/>
-                </a:solidFill>
-                <a:latin typeface="Calibri"/>
-              </a:rPr>
-              <a:t>% desconto</a:t>
-            </a:r>
-            <a:endParaRPr sz="2000" dirty="0"/>
-          </a:p>
-          <a:p>
-            <a:pPr>
-              <a:lnSpc>
-                <a:spcPct val="100000"/>
-              </a:lnSpc>
-            </a:pPr>
-            <a:endParaRPr sz="2000" dirty="0"/>
-          </a:p>
-          <a:p>
-            <a:pPr>
-              <a:lnSpc>
-                <a:spcPct val="100000"/>
-              </a:lnSpc>
-            </a:pPr>
-            <a:endParaRPr sz="2000" dirty="0"/>
-          </a:p>
-        </p:txBody>
-      </p:sp>
-      <p:sp>
-        <p:nvSpPr>
-          <p:cNvPr id="240" name="CustomShape 7"/>
-          <p:cNvSpPr/>
-          <p:nvPr/>
-        </p:nvSpPr>
-        <p:spPr>
-          <a:xfrm>
-            <a:off x="5968400" y="4826556"/>
-            <a:ext cx="1339976" cy="260768"/>
-          </a:xfrm>
-          <a:prstGeom prst="rect">
-            <a:avLst/>
-          </a:prstGeom>
-          <a:solidFill>
-            <a:srgbClr val="FFFFFF"/>
-          </a:solidFill>
-          <a:ln w="25560">
             <a:solidFill>
-              <a:srgbClr val="000000"/>
+              <a:schemeClr val="tx1"/>
             </a:solidFill>
-            <a:round/>
-          </a:ln>
-        </p:spPr>
-      </p:sp>
-      <p:sp>
-        <p:nvSpPr>
-          <p:cNvPr id="241" name="CustomShape 8"/>
-          <p:cNvSpPr/>
-          <p:nvPr/>
-        </p:nvSpPr>
-        <p:spPr>
-          <a:xfrm>
-            <a:off x="457200" y="692696"/>
-            <a:ext cx="1738536" cy="406440"/>
-          </a:xfrm>
-          <a:prstGeom prst="rect">
-            <a:avLst/>
-          </a:prstGeom>
-          <a:noFill/>
-          <a:ln>
-            <a:noFill/>
-          </a:ln>
-        </p:spPr>
-        <p:txBody>
-          <a:bodyPr/>
-          <a:lstStyle/>
-          <a:p>
-            <a:pPr>
-              <a:lnSpc>
-                <a:spcPct val="100000"/>
-              </a:lnSpc>
-            </a:pPr>
-            <a:r>
-              <a:rPr lang="pt-BR" sz="2000" dirty="0" smtClean="0">
-                <a:solidFill>
-                  <a:srgbClr val="000000"/>
-                </a:solidFill>
-                <a:latin typeface="Calibri"/>
-              </a:rPr>
-              <a:t>Código</a:t>
-            </a:r>
-            <a:endParaRPr sz="2000" dirty="0"/>
-          </a:p>
-          <a:p>
-            <a:pPr>
-              <a:lnSpc>
-                <a:spcPct val="100000"/>
-              </a:lnSpc>
-            </a:pPr>
-            <a:endParaRPr sz="2000" dirty="0"/>
-          </a:p>
-          <a:p>
-            <a:pPr>
-              <a:lnSpc>
-                <a:spcPct val="100000"/>
-              </a:lnSpc>
-            </a:pPr>
-            <a:endParaRPr sz="2000" dirty="0"/>
-          </a:p>
-        </p:txBody>
-      </p:sp>
-      <p:sp>
-        <p:nvSpPr>
-          <p:cNvPr id="10" name="CustomShape 7"/>
-          <p:cNvSpPr/>
-          <p:nvPr/>
-        </p:nvSpPr>
-        <p:spPr>
-          <a:xfrm>
-            <a:off x="629392" y="1108939"/>
-            <a:ext cx="1422328" cy="231829"/>
-          </a:xfrm>
-          <a:prstGeom prst="rect">
-            <a:avLst/>
-          </a:prstGeom>
-          <a:solidFill>
-            <a:srgbClr val="FFFFFF"/>
-          </a:solidFill>
-          <a:ln w="25560">
-            <a:solidFill>
-              <a:srgbClr val="000000"/>
-            </a:solidFill>
-            <a:round/>
-          </a:ln>
-        </p:spPr>
-      </p:sp>
-      <p:sp>
-        <p:nvSpPr>
-          <p:cNvPr id="11" name="CustomShape 8"/>
-          <p:cNvSpPr/>
-          <p:nvPr/>
-        </p:nvSpPr>
-        <p:spPr>
-          <a:xfrm>
-            <a:off x="5850198" y="4408648"/>
-            <a:ext cx="1512168" cy="406440"/>
-          </a:xfrm>
-          <a:prstGeom prst="rect">
-            <a:avLst/>
-          </a:prstGeom>
-          <a:noFill/>
-          <a:ln>
-            <a:noFill/>
-          </a:ln>
-        </p:spPr>
-        <p:txBody>
-          <a:bodyPr/>
-          <a:lstStyle/>
-          <a:p>
-            <a:pPr>
-              <a:lnSpc>
-                <a:spcPct val="100000"/>
-              </a:lnSpc>
-            </a:pPr>
-            <a:r>
-              <a:rPr lang="pt-BR" sz="2000" dirty="0">
-                <a:solidFill>
-                  <a:srgbClr val="000000"/>
-                </a:solidFill>
-                <a:latin typeface="Calibri"/>
-              </a:rPr>
-              <a:t>Total Liquido</a:t>
-            </a:r>
-            <a:endParaRPr sz="2000" dirty="0"/>
-          </a:p>
-          <a:p>
-            <a:pPr>
-              <a:lnSpc>
-                <a:spcPct val="100000"/>
-              </a:lnSpc>
-            </a:pPr>
-            <a:endParaRPr sz="2000" dirty="0"/>
-          </a:p>
-          <a:p>
-            <a:pPr>
-              <a:lnSpc>
-                <a:spcPct val="100000"/>
-              </a:lnSpc>
-            </a:pPr>
-            <a:endParaRPr sz="2000" dirty="0"/>
-          </a:p>
-        </p:txBody>
-      </p:sp>
-      <p:sp>
-        <p:nvSpPr>
-          <p:cNvPr id="12" name="CustomShape 8"/>
-          <p:cNvSpPr/>
-          <p:nvPr/>
-        </p:nvSpPr>
-        <p:spPr>
-          <a:xfrm>
-            <a:off x="2123728" y="692696"/>
-            <a:ext cx="1738536" cy="406440"/>
-          </a:xfrm>
-          <a:prstGeom prst="rect">
-            <a:avLst/>
-          </a:prstGeom>
-          <a:noFill/>
-          <a:ln>
-            <a:noFill/>
-          </a:ln>
-        </p:spPr>
-        <p:txBody>
-          <a:bodyPr/>
-          <a:lstStyle/>
-          <a:p>
-            <a:pPr>
-              <a:lnSpc>
-                <a:spcPct val="100000"/>
-              </a:lnSpc>
-            </a:pPr>
-            <a:r>
-              <a:rPr lang="pt-BR" sz="2000" dirty="0" smtClean="0">
-                <a:solidFill>
-                  <a:srgbClr val="000000"/>
-                </a:solidFill>
-                <a:latin typeface="Calibri"/>
-              </a:rPr>
-              <a:t>Cliente</a:t>
-            </a:r>
-          </a:p>
-          <a:p>
-            <a:pPr>
-              <a:lnSpc>
-                <a:spcPct val="100000"/>
-              </a:lnSpc>
-            </a:pPr>
-            <a:endParaRPr sz="2000" dirty="0"/>
-          </a:p>
-          <a:p>
-            <a:pPr>
-              <a:lnSpc>
-                <a:spcPct val="100000"/>
-              </a:lnSpc>
-            </a:pPr>
-            <a:endParaRPr sz="2000" dirty="0"/>
-          </a:p>
-          <a:p>
-            <a:pPr>
-              <a:lnSpc>
-                <a:spcPct val="100000"/>
-              </a:lnSpc>
-            </a:pPr>
-            <a:endParaRPr sz="2000" dirty="0"/>
-          </a:p>
-        </p:txBody>
-      </p:sp>
-      <p:sp>
-        <p:nvSpPr>
-          <p:cNvPr id="13" name="CustomShape 7"/>
-          <p:cNvSpPr/>
-          <p:nvPr/>
-        </p:nvSpPr>
-        <p:spPr>
-          <a:xfrm>
-            <a:off x="2223912" y="1118742"/>
-            <a:ext cx="5138454" cy="222027"/>
-          </a:xfrm>
-          <a:prstGeom prst="rect">
-            <a:avLst/>
-          </a:prstGeom>
-          <a:solidFill>
-            <a:srgbClr val="FFFFFF"/>
-          </a:solidFill>
-          <a:ln w="25560">
-            <a:solidFill>
-              <a:srgbClr val="000000"/>
-            </a:solidFill>
-            <a:round/>
-          </a:ln>
-        </p:spPr>
-      </p:sp>
-      <p:sp>
-        <p:nvSpPr>
-          <p:cNvPr id="14" name="CustomShape 8"/>
-          <p:cNvSpPr/>
-          <p:nvPr/>
-        </p:nvSpPr>
-        <p:spPr>
-          <a:xfrm>
-            <a:off x="457200" y="1313113"/>
-            <a:ext cx="1738536" cy="406440"/>
-          </a:xfrm>
-          <a:prstGeom prst="rect">
-            <a:avLst/>
-          </a:prstGeom>
-          <a:noFill/>
-          <a:ln>
-            <a:noFill/>
-          </a:ln>
-        </p:spPr>
-        <p:txBody>
-          <a:bodyPr/>
-          <a:lstStyle/>
-          <a:p>
-            <a:pPr>
-              <a:lnSpc>
-                <a:spcPct val="100000"/>
-              </a:lnSpc>
-            </a:pPr>
-            <a:r>
-              <a:rPr lang="pt-BR" sz="2000" dirty="0" smtClean="0">
-                <a:solidFill>
-                  <a:srgbClr val="000000"/>
-                </a:solidFill>
-                <a:latin typeface="Calibri"/>
-              </a:rPr>
-              <a:t>Orçamento:</a:t>
-            </a:r>
-            <a:endParaRPr sz="2000" dirty="0"/>
-          </a:p>
-          <a:p>
-            <a:pPr>
-              <a:lnSpc>
-                <a:spcPct val="100000"/>
-              </a:lnSpc>
-            </a:pPr>
-            <a:endParaRPr sz="2000" dirty="0"/>
-          </a:p>
-          <a:p>
-            <a:pPr>
-              <a:lnSpc>
-                <a:spcPct val="100000"/>
-              </a:lnSpc>
-            </a:pPr>
-            <a:endParaRPr sz="2000" dirty="0"/>
-          </a:p>
-        </p:txBody>
-      </p:sp>
-      <p:sp>
-        <p:nvSpPr>
-          <p:cNvPr id="15" name="CustomShape 7"/>
-          <p:cNvSpPr/>
-          <p:nvPr/>
-        </p:nvSpPr>
-        <p:spPr>
-          <a:xfrm>
-            <a:off x="629392" y="1729356"/>
-            <a:ext cx="1422328" cy="231829"/>
-          </a:xfrm>
-          <a:prstGeom prst="rect">
-            <a:avLst/>
-          </a:prstGeom>
-          <a:solidFill>
-            <a:srgbClr val="FFFFFF"/>
-          </a:solidFill>
-          <a:ln w="25560">
-            <a:solidFill>
-              <a:srgbClr val="000000"/>
-            </a:solidFill>
-            <a:round/>
-          </a:ln>
-        </p:spPr>
+          </a:ln>
+        </p:spPr>
+        <p:style>
+          <a:lnRef idx="2">
+            <a:schemeClr val="accent1">
+              <a:shade val="50000"/>
+            </a:schemeClr>
+          </a:lnRef>
+          <a:fillRef idx="1">
+            <a:schemeClr val="accent1"/>
+          </a:fillRef>
+          <a:effectRef idx="0">
+            <a:schemeClr val="accent1"/>
+          </a:effectRef>
+          <a:fontRef idx="minor">
+            <a:schemeClr val="lt1"/>
+          </a:fontRef>
+        </p:style>
+        <p:txBody>
+          <a:bodyPr rtlCol="0" anchor="ctr"/>
+          <a:lstStyle/>
+          <a:p>
+            <a:pPr algn="ctr"/>
+            <a:endParaRPr lang="pt-BR"/>
+          </a:p>
+        </p:txBody>
       </p:sp>
     </p:spTree>
   </p:cSld>
@@ -7773,7 +7869,7 @@
           <p:nvPr>
             <p:extLst>
               <p:ext uri="{D42A27DB-BD31-4B8C-83A1-F6EECF244321}">
-                <p14:modId xmlns="" xmlns:p14="http://schemas.microsoft.com/office/powerpoint/2010/main" val="2060689164"/>
+                <p14:modId xmlns:p14="http://schemas.microsoft.com/office/powerpoint/2010/main" xmlns="" val="2060689164"/>
               </p:ext>
             </p:extLst>
           </p:nvPr>
@@ -8512,7 +8608,7 @@
     </p:spTree>
     <p:extLst>
       <p:ext uri="{BB962C8B-B14F-4D97-AF65-F5344CB8AC3E}">
-        <p14:creationId xmlns="" xmlns:p14="http://schemas.microsoft.com/office/powerpoint/2010/main" val="1497100592"/>
+        <p14:creationId xmlns:p14="http://schemas.microsoft.com/office/powerpoint/2010/main" xmlns="" val="1497100592"/>
       </p:ext>
     </p:extLst>
   </p:cSld>
@@ -12139,7 +12235,7 @@
         </p:nvSpPr>
         <p:spPr>
           <a:xfrm>
-            <a:off x="971640" y="6093360"/>
+            <a:off x="1980264" y="6093360"/>
             <a:ext cx="1367640" cy="575640"/>
           </a:xfrm>
           <a:prstGeom prst="rect">
@@ -12185,7 +12281,7 @@
         </p:nvSpPr>
         <p:spPr>
           <a:xfrm>
-            <a:off x="2483640" y="6093360"/>
+            <a:off x="3492264" y="6093360"/>
             <a:ext cx="1367640" cy="575640"/>
           </a:xfrm>
           <a:prstGeom prst="rect">
@@ -12231,7 +12327,7 @@
         </p:nvSpPr>
         <p:spPr>
           <a:xfrm>
-            <a:off x="3996000" y="6093360"/>
+            <a:off x="5004624" y="6093360"/>
             <a:ext cx="1367640" cy="575640"/>
           </a:xfrm>
           <a:prstGeom prst="rect">
@@ -12271,13 +12367,13 @@
       </p:sp>
       <p:sp>
         <p:nvSpPr>
-          <p:cNvPr id="106" name="CustomShape 12"/>
-          <p:cNvSpPr/>
-          <p:nvPr/>
-        </p:nvSpPr>
-        <p:spPr>
-          <a:xfrm>
-            <a:off x="5508000" y="6093360"/>
+          <p:cNvPr id="107" name="CustomShape 13"/>
+          <p:cNvSpPr/>
+          <p:nvPr/>
+        </p:nvSpPr>
+        <p:spPr>
+          <a:xfrm>
+            <a:off x="6516728" y="6093296"/>
             <a:ext cx="1367640" cy="575640"/>
           </a:xfrm>
           <a:prstGeom prst="rect">
@@ -12303,61 +12399,15 @@
               </a:lnSpc>
             </a:pPr>
             <a:r>
-              <a:rPr lang="pt-BR">
+              <a:rPr lang="pt-BR" dirty="0">
                 <a:solidFill>
                   <a:srgbClr val="000000"/>
                 </a:solidFill>
                 <a:latin typeface="Calibri"/>
               </a:rPr>
-              <a:t>EXCLUIR</a:t>
-            </a:r>
-            <a:endParaRPr/>
-          </a:p>
-        </p:txBody>
-      </p:sp>
-      <p:sp>
-        <p:nvSpPr>
-          <p:cNvPr id="107" name="CustomShape 13"/>
-          <p:cNvSpPr/>
-          <p:nvPr/>
-        </p:nvSpPr>
-        <p:spPr>
-          <a:xfrm>
-            <a:off x="7020360" y="6093360"/>
-            <a:ext cx="1367640" cy="575640"/>
-          </a:xfrm>
-          <a:prstGeom prst="rect">
-            <a:avLst/>
-          </a:prstGeom>
-          <a:solidFill>
-            <a:srgbClr val="C6D9F1"/>
-          </a:solidFill>
-          <a:ln w="25560">
-            <a:solidFill>
-              <a:srgbClr val="000000"/>
-            </a:solidFill>
-            <a:round/>
-          </a:ln>
-        </p:spPr>
-        <p:txBody>
-          <a:bodyPr lIns="90000" tIns="45000" rIns="90000" bIns="45000" anchor="ctr"/>
-          <a:lstStyle/>
-          <a:p>
-            <a:pPr algn="ctr">
-              <a:lnSpc>
-                <a:spcPct val="100000"/>
-              </a:lnSpc>
-            </a:pPr>
-            <a:r>
-              <a:rPr lang="pt-BR">
-                <a:solidFill>
-                  <a:srgbClr val="000000"/>
-                </a:solidFill>
-                <a:latin typeface="Calibri"/>
-              </a:rPr>
               <a:t>CANCELAR</a:t>
             </a:r>
-            <a:endParaRPr/>
+            <a:endParaRPr dirty="0"/>
           </a:p>
         </p:txBody>
       </p:sp>
@@ -12903,13 +12953,13 @@
               </a:lnSpc>
             </a:pPr>
             <a:r>
-              <a:rPr lang="pt-BR" sz="2800" dirty="0">
+              <a:rPr lang="pt-BR" sz="2800" dirty="0" smtClean="0">
                 <a:solidFill>
                   <a:srgbClr val="000000"/>
                 </a:solidFill>
                 <a:latin typeface="Calibri"/>
               </a:rPr>
-              <a:t>Cliente</a:t>
+              <a:t>Descrição</a:t>
             </a:r>
             <a:endParaRPr sz="2800" dirty="0"/>
           </a:p>
@@ -13181,7 +13231,7 @@
         </p:nvSpPr>
         <p:spPr>
           <a:xfrm>
-            <a:off x="457200" y="655664"/>
+            <a:off x="467544" y="692696"/>
             <a:ext cx="2880320" cy="406440"/>
           </a:xfrm>
           <a:prstGeom prst="rect">
@@ -16601,16 +16651,7 @@
                 </a:solidFill>
                 <a:latin typeface="Calibri"/>
               </a:rPr>
-              <a:t>Usu</a:t>
-            </a:r>
-            <a:r>
-              <a:rPr lang="pt-BR" sz="2000" dirty="0" smtClean="0">
-                <a:solidFill>
-                  <a:srgbClr val="000000"/>
-                </a:solidFill>
-                <a:latin typeface="Calibri"/>
-              </a:rPr>
-              <a:t>ário</a:t>
+              <a:t>Usuário</a:t>
             </a:r>
             <a:endParaRPr sz="2000" dirty="0"/>
           </a:p>
